--- a/Milestone/Milestone 2.pptx
+++ b/Milestone/Milestone 2.pptx
@@ -5,47 +5,47 @@
     <p:sldMasterId id="2147483648" r:id="rId1"/>
   </p:sldMasterIdLst>
   <p:notesMasterIdLst>
-    <p:notesMasterId r:id="rId33"/>
+    <p:notesMasterId r:id="rId32"/>
   </p:notesMasterIdLst>
   <p:handoutMasterIdLst>
-    <p:handoutMasterId r:id="rId34"/>
+    <p:handoutMasterId r:id="rId33"/>
   </p:handoutMasterIdLst>
   <p:sldIdLst>
-    <p:sldId id="649" r:id="rId3"/>
-    <p:sldId id="727" r:id="rId4"/>
-    <p:sldId id="740" r:id="rId5"/>
-    <p:sldId id="731" r:id="rId6"/>
-    <p:sldId id="729" r:id="rId7"/>
-    <p:sldId id="765" r:id="rId8"/>
-    <p:sldId id="737" r:id="rId9"/>
-    <p:sldId id="733" r:id="rId10"/>
-    <p:sldId id="766" r:id="rId11"/>
-    <p:sldId id="736" r:id="rId12"/>
-    <p:sldId id="732" r:id="rId13"/>
-    <p:sldId id="741" r:id="rId14"/>
-    <p:sldId id="742" r:id="rId15"/>
-    <p:sldId id="750" r:id="rId16"/>
-    <p:sldId id="751" r:id="rId17"/>
-    <p:sldId id="752" r:id="rId18"/>
-    <p:sldId id="753" r:id="rId19"/>
-    <p:sldId id="755" r:id="rId20"/>
-    <p:sldId id="756" r:id="rId21"/>
-    <p:sldId id="757" r:id="rId22"/>
-    <p:sldId id="758" r:id="rId23"/>
-    <p:sldId id="759" r:id="rId24"/>
-    <p:sldId id="760" r:id="rId25"/>
-    <p:sldId id="761" r:id="rId26"/>
-    <p:sldId id="738" r:id="rId27"/>
-    <p:sldId id="769" r:id="rId28"/>
-    <p:sldId id="734" r:id="rId29"/>
-    <p:sldId id="767" r:id="rId30"/>
-    <p:sldId id="768" r:id="rId31"/>
-    <p:sldId id="762" r:id="rId32"/>
+    <p:sldId id="649" r:id="rId2"/>
+    <p:sldId id="727" r:id="rId3"/>
+    <p:sldId id="740" r:id="rId4"/>
+    <p:sldId id="731" r:id="rId5"/>
+    <p:sldId id="729" r:id="rId6"/>
+    <p:sldId id="765" r:id="rId7"/>
+    <p:sldId id="737" r:id="rId8"/>
+    <p:sldId id="733" r:id="rId9"/>
+    <p:sldId id="766" r:id="rId10"/>
+    <p:sldId id="736" r:id="rId11"/>
+    <p:sldId id="732" r:id="rId12"/>
+    <p:sldId id="741" r:id="rId13"/>
+    <p:sldId id="742" r:id="rId14"/>
+    <p:sldId id="750" r:id="rId15"/>
+    <p:sldId id="751" r:id="rId16"/>
+    <p:sldId id="752" r:id="rId17"/>
+    <p:sldId id="753" r:id="rId18"/>
+    <p:sldId id="755" r:id="rId19"/>
+    <p:sldId id="756" r:id="rId20"/>
+    <p:sldId id="757" r:id="rId21"/>
+    <p:sldId id="758" r:id="rId22"/>
+    <p:sldId id="759" r:id="rId23"/>
+    <p:sldId id="760" r:id="rId24"/>
+    <p:sldId id="761" r:id="rId25"/>
+    <p:sldId id="738" r:id="rId26"/>
+    <p:sldId id="769" r:id="rId27"/>
+    <p:sldId id="734" r:id="rId28"/>
+    <p:sldId id="767" r:id="rId29"/>
+    <p:sldId id="768" r:id="rId30"/>
+    <p:sldId id="762" r:id="rId31"/>
   </p:sldIdLst>
-  <p:sldSz cx="13504545" cy="7595870"/>
-  <p:notesSz cx="7595870" cy="10151745"/>
+  <p:sldSz cx="13504863" cy="7596188"/>
+  <p:notesSz cx="7596188" cy="10152063"/>
   <p:custDataLst>
-    <p:tags r:id="rId39"/>
+    <p:tags r:id="rId34"/>
   </p:custDataLst>
   <p:defaultTextStyle>
     <a:defPPr>
@@ -187,6 +187,9 @@
         </p15:guide>
       </p15:sldGuideLst>
     </p:ext>
+    <p:ext uri="{2D200454-40CA-4A62-9FC3-DE9A4176ACB9}">
+      <p15:notesGuideLst xmlns:p15="http://schemas.microsoft.com/office/powerpoint/2012/main"/>
+    </p:ext>
   </p:extLst>
 </p:presentation>
 </file>
@@ -368,12 +371,18 @@
           <a:p>
             <a:fld id="{3728AF44-D823-4724-A853-1093A72A0941}" type="slidenum">
               <a:rPr lang="en-US"/>
+              <a:t>‹#›</a:t>
             </a:fld>
             <a:endParaRPr lang="en-US"/>
           </a:p>
         </p:txBody>
       </p:sp>
     </p:spTree>
+    <p:extLst>
+      <p:ext uri="{BB962C8B-B14F-4D97-AF65-F5344CB8AC3E}">
+        <p14:creationId xmlns:p14="http://schemas.microsoft.com/office/powerpoint/2010/main" val="1"/>
+      </p:ext>
+    </p:extLst>
   </p:cSld>
   <p:clrMap bg1="lt1" tx1="dk1" bg2="lt2" tx2="dk2" accent1="accent1" accent2="accent2" accent3="accent3" accent4="accent4" accent5="accent5" accent6="accent6" hlink="hlink" folHlink="folHlink"/>
 </p:handoutMaster>
@@ -540,7 +549,6 @@
               <a:rPr lang="en-US"/>
               <a:t>Click to edit Master text styles</a:t>
             </a:r>
-            <a:endParaRPr lang="en-US"/>
           </a:p>
           <a:p>
             <a:pPr lvl="1"/>
@@ -548,7 +556,6 @@
               <a:rPr lang="en-US"/>
               <a:t>Second level</a:t>
             </a:r>
-            <a:endParaRPr lang="en-US"/>
           </a:p>
           <a:p>
             <a:pPr lvl="2"/>
@@ -556,7 +563,6 @@
               <a:rPr lang="en-US"/>
               <a:t>Third level</a:t>
             </a:r>
-            <a:endParaRPr lang="en-US"/>
           </a:p>
           <a:p>
             <a:pPr lvl="3"/>
@@ -564,7 +570,6 @@
               <a:rPr lang="en-US"/>
               <a:t>Fourth level</a:t>
             </a:r>
-            <a:endParaRPr lang="en-US"/>
           </a:p>
           <a:p>
             <a:pPr lvl="4"/>
@@ -572,7 +577,6 @@
               <a:rPr lang="en-US"/>
               <a:t>Fifth level</a:t>
             </a:r>
-            <a:endParaRPr lang="en-US"/>
           </a:p>
         </p:txBody>
       </p:sp>
@@ -648,6 +652,7 @@
           <a:p>
             <a:fld id="{E54901CC-E834-4EBA-8890-E59F33DE9E15}" type="slidenum">
               <a:rPr lang="en-US"/>
+              <a:t>‹#›</a:t>
             </a:fld>
             <a:endParaRPr lang="en-US"/>
           </a:p>
@@ -782,7 +787,7 @@
 </file>
 
 <file path=ppt/slideLayouts/slideLayout1.xml><?xml version="1.0" encoding="utf-8"?>
-<p:sldLayout xmlns:a="http://schemas.openxmlformats.org/drawingml/2006/main" xmlns:r="http://schemas.openxmlformats.org/officeDocument/2006/relationships" xmlns:p="http://schemas.openxmlformats.org/presentationml/2006/main" type="title" preserve="1" showMasterSp="0">
+<p:sldLayout xmlns:a="http://schemas.openxmlformats.org/drawingml/2006/main" xmlns:r="http://schemas.openxmlformats.org/officeDocument/2006/relationships" xmlns:p="http://schemas.openxmlformats.org/presentationml/2006/main" showMasterSp="0" type="title" preserve="1">
   <p:cSld name="Title Slide">
     <p:spTree>
       <p:nvGrpSpPr>
@@ -896,7 +901,6 @@
               <a:rPr lang="en-GB"/>
               <a:t>Click to edit Master title style</a:t>
             </a:r>
-            <a:endParaRPr lang="en-GB"/>
           </a:p>
         </p:txBody>
       </p:sp>
@@ -980,7 +984,6 @@
               <a:rPr lang="en-US"/>
               <a:t>Click to edit Master title style</a:t>
             </a:r>
-            <a:endParaRPr lang="en-US"/>
           </a:p>
         </p:txBody>
       </p:sp>
@@ -1009,7 +1012,6 @@
               <a:rPr lang="en-US"/>
               <a:t>Click to edit Master text styles</a:t>
             </a:r>
-            <a:endParaRPr lang="en-US"/>
           </a:p>
           <a:p>
             <a:pPr lvl="1"/>
@@ -1017,7 +1019,6 @@
               <a:rPr lang="en-US"/>
               <a:t>Second level</a:t>
             </a:r>
-            <a:endParaRPr lang="en-US"/>
           </a:p>
           <a:p>
             <a:pPr lvl="2"/>
@@ -1025,7 +1026,6 @@
               <a:rPr lang="en-US"/>
               <a:t>Third level</a:t>
             </a:r>
-            <a:endParaRPr lang="en-US"/>
           </a:p>
           <a:p>
             <a:pPr lvl="3"/>
@@ -1033,7 +1033,6 @@
               <a:rPr lang="en-US"/>
               <a:t>Fourth level</a:t>
             </a:r>
-            <a:endParaRPr lang="en-US"/>
           </a:p>
           <a:p>
             <a:pPr lvl="4"/>
@@ -1041,7 +1040,6 @@
               <a:rPr lang="en-US"/>
               <a:t>Fifth level</a:t>
             </a:r>
-            <a:endParaRPr lang="en-US"/>
           </a:p>
         </p:txBody>
       </p:sp>
@@ -1089,6 +1087,7 @@
           <a:p>
             <a:fld id="{E97CBC53-0468-4F6C-80ED-218DC62F935B}" type="slidenum">
               <a:rPr lang="en-GB"/>
+              <a:t>‹#›</a:t>
             </a:fld>
             <a:endParaRPr lang="en-GB" sz="1600">
               <a:solidFill>
@@ -1151,7 +1150,6 @@
               <a:rPr lang="en-US" dirty="0"/>
               <a:t>Click to edit Master title style</a:t>
             </a:r>
-            <a:endParaRPr lang="en-US" dirty="0"/>
           </a:p>
         </p:txBody>
       </p:sp>
@@ -1184,7 +1182,6 @@
               <a:rPr lang="en-US" dirty="0"/>
               <a:t>Click to edit Master text styles</a:t>
             </a:r>
-            <a:endParaRPr lang="en-US" dirty="0"/>
           </a:p>
           <a:p>
             <a:pPr lvl="1"/>
@@ -1192,7 +1189,6 @@
               <a:rPr lang="en-US" dirty="0"/>
               <a:t>Second level</a:t>
             </a:r>
-            <a:endParaRPr lang="en-US" dirty="0"/>
           </a:p>
           <a:p>
             <a:pPr lvl="2"/>
@@ -1200,7 +1196,6 @@
               <a:rPr lang="en-US" dirty="0"/>
               <a:t>Third level</a:t>
             </a:r>
-            <a:endParaRPr lang="en-US" dirty="0"/>
           </a:p>
           <a:p>
             <a:pPr lvl="3"/>
@@ -1208,7 +1203,6 @@
               <a:rPr lang="en-US" dirty="0"/>
               <a:t>Fourth level</a:t>
             </a:r>
-            <a:endParaRPr lang="en-US" dirty="0"/>
           </a:p>
           <a:p>
             <a:pPr lvl="4"/>
@@ -1216,7 +1210,6 @@
               <a:rPr lang="en-US" dirty="0"/>
               <a:t>Fifth level</a:t>
             </a:r>
-            <a:endParaRPr lang="en-US" dirty="0"/>
           </a:p>
         </p:txBody>
       </p:sp>
@@ -1264,6 +1257,7 @@
           <a:p>
             <a:fld id="{FDAFAA84-93FD-4C2C-AE46-F7D42BEF3958}" type="slidenum">
               <a:rPr lang="en-GB"/>
+              <a:t>‹#›</a:t>
             </a:fld>
             <a:endParaRPr lang="en-GB" sz="1600">
               <a:solidFill>
@@ -1326,7 +1320,6 @@
               <a:rPr lang="en-US"/>
               <a:t>Click to edit Master title style</a:t>
             </a:r>
-            <a:endParaRPr lang="en-US"/>
           </a:p>
         </p:txBody>
       </p:sp>
@@ -1392,7 +1385,6 @@
               <a:rPr lang="en-US"/>
               <a:t>Click to edit Master text styles</a:t>
             </a:r>
-            <a:endParaRPr lang="en-US"/>
           </a:p>
         </p:txBody>
       </p:sp>
@@ -1440,6 +1432,7 @@
           <a:p>
             <a:fld id="{71797668-4770-4979-B1D4-D6D2511F0B65}" type="slidenum">
               <a:rPr lang="en-GB"/>
+              <a:t>‹#›</a:t>
             </a:fld>
             <a:endParaRPr lang="en-GB" sz="1600">
               <a:solidFill>
@@ -1493,7 +1486,6 @@
               <a:rPr lang="en-US"/>
               <a:t>Click to edit Master title style</a:t>
             </a:r>
-            <a:endParaRPr lang="en-US"/>
           </a:p>
         </p:txBody>
       </p:sp>
@@ -1550,7 +1542,6 @@
               <a:rPr lang="en-US"/>
               <a:t>Click to edit Master text styles</a:t>
             </a:r>
-            <a:endParaRPr lang="en-US"/>
           </a:p>
           <a:p>
             <a:pPr lvl="1"/>
@@ -1558,7 +1549,6 @@
               <a:rPr lang="en-US"/>
               <a:t>Second level</a:t>
             </a:r>
-            <a:endParaRPr lang="en-US"/>
           </a:p>
           <a:p>
             <a:pPr lvl="2"/>
@@ -1566,7 +1556,6 @@
               <a:rPr lang="en-US"/>
               <a:t>Third level</a:t>
             </a:r>
-            <a:endParaRPr lang="en-US"/>
           </a:p>
           <a:p>
             <a:pPr lvl="3"/>
@@ -1574,7 +1563,6 @@
               <a:rPr lang="en-US"/>
               <a:t>Fourth level</a:t>
             </a:r>
-            <a:endParaRPr lang="en-US"/>
           </a:p>
           <a:p>
             <a:pPr lvl="4"/>
@@ -1582,7 +1570,6 @@
               <a:rPr lang="en-US"/>
               <a:t>Fifth level</a:t>
             </a:r>
-            <a:endParaRPr lang="en-US"/>
           </a:p>
         </p:txBody>
       </p:sp>
@@ -1639,7 +1626,6 @@
               <a:rPr lang="en-US"/>
               <a:t>Click to edit Master text styles</a:t>
             </a:r>
-            <a:endParaRPr lang="en-US"/>
           </a:p>
           <a:p>
             <a:pPr lvl="1"/>
@@ -1647,7 +1633,6 @@
               <a:rPr lang="en-US"/>
               <a:t>Second level</a:t>
             </a:r>
-            <a:endParaRPr lang="en-US"/>
           </a:p>
           <a:p>
             <a:pPr lvl="2"/>
@@ -1655,7 +1640,6 @@
               <a:rPr lang="en-US"/>
               <a:t>Third level</a:t>
             </a:r>
-            <a:endParaRPr lang="en-US"/>
           </a:p>
           <a:p>
             <a:pPr lvl="3"/>
@@ -1663,7 +1647,6 @@
               <a:rPr lang="en-US"/>
               <a:t>Fourth level</a:t>
             </a:r>
-            <a:endParaRPr lang="en-US"/>
           </a:p>
           <a:p>
             <a:pPr lvl="4"/>
@@ -1671,7 +1654,6 @@
               <a:rPr lang="en-US"/>
               <a:t>Fifth level</a:t>
             </a:r>
-            <a:endParaRPr lang="en-US"/>
           </a:p>
         </p:txBody>
       </p:sp>
@@ -1719,6 +1701,7 @@
           <a:p>
             <a:fld id="{90D269CF-64BA-444E-9F2D-69BD9F60489F}" type="slidenum">
               <a:rPr lang="en-GB"/>
+              <a:t>‹#›</a:t>
             </a:fld>
             <a:endParaRPr lang="en-GB" sz="1600">
               <a:solidFill>
@@ -1781,7 +1764,6 @@
               <a:rPr lang="en-US"/>
               <a:t>Click to edit Master title style</a:t>
             </a:r>
-            <a:endParaRPr lang="en-US"/>
           </a:p>
         </p:txBody>
       </p:sp>
@@ -1847,7 +1829,6 @@
               <a:rPr lang="en-US"/>
               <a:t>Click to edit Master text styles</a:t>
             </a:r>
-            <a:endParaRPr lang="en-US"/>
           </a:p>
         </p:txBody>
       </p:sp>
@@ -1904,7 +1885,6 @@
               <a:rPr lang="en-US"/>
               <a:t>Click to edit Master text styles</a:t>
             </a:r>
-            <a:endParaRPr lang="en-US"/>
           </a:p>
           <a:p>
             <a:pPr lvl="1"/>
@@ -1912,7 +1892,6 @@
               <a:rPr lang="en-US"/>
               <a:t>Second level</a:t>
             </a:r>
-            <a:endParaRPr lang="en-US"/>
           </a:p>
           <a:p>
             <a:pPr lvl="2"/>
@@ -1920,7 +1899,6 @@
               <a:rPr lang="en-US"/>
               <a:t>Third level</a:t>
             </a:r>
-            <a:endParaRPr lang="en-US"/>
           </a:p>
           <a:p>
             <a:pPr lvl="3"/>
@@ -1928,7 +1906,6 @@
               <a:rPr lang="en-US"/>
               <a:t>Fourth level</a:t>
             </a:r>
-            <a:endParaRPr lang="en-US"/>
           </a:p>
           <a:p>
             <a:pPr lvl="4"/>
@@ -1936,7 +1913,6 @@
               <a:rPr lang="en-US"/>
               <a:t>Fifth level</a:t>
             </a:r>
-            <a:endParaRPr lang="en-US"/>
           </a:p>
         </p:txBody>
       </p:sp>
@@ -2002,7 +1978,6 @@
               <a:rPr lang="en-US"/>
               <a:t>Click to edit Master text styles</a:t>
             </a:r>
-            <a:endParaRPr lang="en-US"/>
           </a:p>
         </p:txBody>
       </p:sp>
@@ -2059,7 +2034,6 @@
               <a:rPr lang="en-US"/>
               <a:t>Click to edit Master text styles</a:t>
             </a:r>
-            <a:endParaRPr lang="en-US"/>
           </a:p>
           <a:p>
             <a:pPr lvl="1"/>
@@ -2067,7 +2041,6 @@
               <a:rPr lang="en-US"/>
               <a:t>Second level</a:t>
             </a:r>
-            <a:endParaRPr lang="en-US"/>
           </a:p>
           <a:p>
             <a:pPr lvl="2"/>
@@ -2075,7 +2048,6 @@
               <a:rPr lang="en-US"/>
               <a:t>Third level</a:t>
             </a:r>
-            <a:endParaRPr lang="en-US"/>
           </a:p>
           <a:p>
             <a:pPr lvl="3"/>
@@ -2083,7 +2055,6 @@
               <a:rPr lang="en-US"/>
               <a:t>Fourth level</a:t>
             </a:r>
-            <a:endParaRPr lang="en-US"/>
           </a:p>
           <a:p>
             <a:pPr lvl="4"/>
@@ -2091,7 +2062,6 @@
               <a:rPr lang="en-US"/>
               <a:t>Fifth level</a:t>
             </a:r>
-            <a:endParaRPr lang="en-US"/>
           </a:p>
         </p:txBody>
       </p:sp>
@@ -2139,6 +2109,7 @@
           <a:p>
             <a:fld id="{A5B54B7F-CFD7-42C9-95D8-A751AB99534C}" type="slidenum">
               <a:rPr lang="en-GB"/>
+              <a:t>‹#›</a:t>
             </a:fld>
             <a:endParaRPr lang="en-GB" sz="1600">
               <a:solidFill>
@@ -2201,7 +2172,6 @@
               <a:rPr lang="en-US"/>
               <a:t>Click to edit Master title style</a:t>
             </a:r>
-            <a:endParaRPr lang="en-US"/>
           </a:p>
         </p:txBody>
       </p:sp>
@@ -2258,7 +2228,6 @@
               <a:rPr lang="en-US"/>
               <a:t>Click to edit Master text styles</a:t>
             </a:r>
-            <a:endParaRPr lang="en-US"/>
           </a:p>
           <a:p>
             <a:pPr lvl="1"/>
@@ -2266,7 +2235,6 @@
               <a:rPr lang="en-US"/>
               <a:t>Second level</a:t>
             </a:r>
-            <a:endParaRPr lang="en-US"/>
           </a:p>
           <a:p>
             <a:pPr lvl="2"/>
@@ -2274,7 +2242,6 @@
               <a:rPr lang="en-US"/>
               <a:t>Third level</a:t>
             </a:r>
-            <a:endParaRPr lang="en-US"/>
           </a:p>
           <a:p>
             <a:pPr lvl="3"/>
@@ -2282,7 +2249,6 @@
               <a:rPr lang="en-US"/>
               <a:t>Fourth level</a:t>
             </a:r>
-            <a:endParaRPr lang="en-US"/>
           </a:p>
           <a:p>
             <a:pPr lvl="4"/>
@@ -2290,7 +2256,6 @@
               <a:rPr lang="en-US"/>
               <a:t>Fifth level</a:t>
             </a:r>
-            <a:endParaRPr lang="en-US"/>
           </a:p>
         </p:txBody>
       </p:sp>
@@ -2356,7 +2321,6 @@
               <a:rPr lang="en-US"/>
               <a:t>Click to edit Master text styles</a:t>
             </a:r>
-            <a:endParaRPr lang="en-US"/>
           </a:p>
         </p:txBody>
       </p:sp>
@@ -2404,6 +2368,7 @@
           <a:p>
             <a:fld id="{E6E5FF68-5D0A-4A29-8164-F5FA0A65DE11}" type="slidenum">
               <a:rPr lang="en-GB"/>
+              <a:t>‹#›</a:t>
             </a:fld>
             <a:endParaRPr lang="en-GB" sz="1600">
               <a:solidFill>
@@ -2466,7 +2431,6 @@
               <a:rPr lang="en-US"/>
               <a:t>Click to edit Master title style</a:t>
             </a:r>
-            <a:endParaRPr lang="en-US"/>
           </a:p>
         </p:txBody>
       </p:sp>
@@ -2593,7 +2557,6 @@
               <a:rPr lang="en-US"/>
               <a:t>Click to edit Master text styles</a:t>
             </a:r>
-            <a:endParaRPr lang="en-US"/>
           </a:p>
         </p:txBody>
       </p:sp>
@@ -2641,6 +2604,7 @@
           <a:p>
             <a:fld id="{AE42643D-99CE-49A6-B68E-51ECE14F37DF}" type="slidenum">
               <a:rPr lang="en-GB"/>
+              <a:t>‹#›</a:t>
             </a:fld>
             <a:endParaRPr lang="en-GB" sz="1600">
               <a:solidFill>
@@ -2694,7 +2658,6 @@
               <a:rPr lang="en-US"/>
               <a:t>Click to edit Master title style</a:t>
             </a:r>
-            <a:endParaRPr lang="en-US"/>
           </a:p>
         </p:txBody>
       </p:sp>
@@ -2718,7 +2681,6 @@
               <a:rPr lang="en-US"/>
               <a:t>Click to edit Master text styles</a:t>
             </a:r>
-            <a:endParaRPr lang="en-US"/>
           </a:p>
           <a:p>
             <a:pPr lvl="1"/>
@@ -2726,7 +2688,6 @@
               <a:rPr lang="en-US"/>
               <a:t>Second level</a:t>
             </a:r>
-            <a:endParaRPr lang="en-US"/>
           </a:p>
           <a:p>
             <a:pPr lvl="2"/>
@@ -2734,7 +2695,6 @@
               <a:rPr lang="en-US"/>
               <a:t>Third level</a:t>
             </a:r>
-            <a:endParaRPr lang="en-US"/>
           </a:p>
           <a:p>
             <a:pPr lvl="3"/>
@@ -2742,7 +2702,6 @@
               <a:rPr lang="en-US"/>
               <a:t>Fourth level</a:t>
             </a:r>
-            <a:endParaRPr lang="en-US"/>
           </a:p>
           <a:p>
             <a:pPr lvl="4"/>
@@ -2750,7 +2709,6 @@
               <a:rPr lang="en-US"/>
               <a:t>Fifth level</a:t>
             </a:r>
-            <a:endParaRPr lang="en-US"/>
           </a:p>
         </p:txBody>
       </p:sp>
@@ -2798,6 +2756,7 @@
           <a:p>
             <a:fld id="{F77693E4-C871-4A11-9A28-7FDAD6AD934A}" type="slidenum">
               <a:rPr lang="en-GB"/>
+              <a:t>‹#›</a:t>
             </a:fld>
             <a:endParaRPr lang="en-GB" sz="1600">
               <a:solidFill>
@@ -2876,6 +2835,7 @@
           <a:p>
             <a:fld id="{70B3CE18-A588-438A-818D-D402E37F5853}" type="slidenum">
               <a:rPr lang="en-GB"/>
+              <a:t>‹#›</a:t>
             </a:fld>
             <a:endParaRPr lang="en-GB" sz="1600">
               <a:solidFill>
@@ -2952,7 +2912,6 @@
               <a:rPr lang="en-GB" dirty="0"/>
               <a:t>Click to edit Master title style</a:t>
             </a:r>
-            <a:endParaRPr lang="en-GB" dirty="0"/>
           </a:p>
         </p:txBody>
       </p:sp>
@@ -2990,7 +2949,6 @@
               <a:rPr lang="en-GB" dirty="0"/>
               <a:t>Click to edit Master text styles</a:t>
             </a:r>
-            <a:endParaRPr lang="en-GB" dirty="0"/>
           </a:p>
           <a:p>
             <a:pPr lvl="1"/>
@@ -2998,7 +2956,6 @@
               <a:rPr lang="en-GB" dirty="0"/>
               <a:t>Second level</a:t>
             </a:r>
-            <a:endParaRPr lang="en-GB" dirty="0"/>
           </a:p>
           <a:p>
             <a:pPr lvl="2"/>
@@ -3006,7 +2963,6 @@
               <a:rPr lang="en-GB" dirty="0"/>
               <a:t>Third level</a:t>
             </a:r>
-            <a:endParaRPr lang="en-GB" dirty="0"/>
           </a:p>
           <a:p>
             <a:pPr lvl="3"/>
@@ -3014,7 +2970,6 @@
               <a:rPr lang="en-GB" dirty="0"/>
               <a:t>Fourth level</a:t>
             </a:r>
-            <a:endParaRPr lang="en-GB" dirty="0"/>
           </a:p>
           <a:p>
             <a:pPr lvl="4"/>
@@ -3022,7 +2977,6 @@
               <a:rPr lang="en-GB" dirty="0"/>
               <a:t>Fifth level</a:t>
             </a:r>
-            <a:endParaRPr lang="en-GB" dirty="0"/>
           </a:p>
         </p:txBody>
       </p:sp>
@@ -3106,6 +3060,7 @@
           <a:p>
             <a:fld id="{F354BF72-ACA3-44A4-878A-614A75F1CF45}" type="slidenum">
               <a:rPr lang="en-GB" smtClean="0"/>
+              <a:t>‹#›</a:t>
             </a:fld>
             <a:endParaRPr lang="en-GB" sz="1600" dirty="0"/>
           </a:p>
@@ -3185,12 +3140,12 @@
           </p:cNvPicPr>
           <p:nvPr userDrawn="1">
             <p:custDataLst>
-              <p:tags r:id="rId11"/>
+              <p:tags r:id="rId12"/>
             </p:custDataLst>
           </p:nvPr>
         </p:nvPicPr>
         <p:blipFill rotWithShape="1">
-          <a:blip r:embed="rId12" cstate="print">
+          <a:blip r:embed="rId13" cstate="print">
             <a:extLst>
               <a:ext uri="{28A0092B-C50C-407E-A947-70E740481C1C}">
                 <a14:useLocalDpi xmlns:a14="http://schemas.microsoft.com/office/drawing/2010/main" val="0"/>
@@ -3796,43 +3751,52 @@
           <a:lstStyle/>
           <a:p>
             <a:r>
-              <a:rPr lang="en-US" altLang="zh-CN" sz="7200">
+              <a:rPr lang="en-US" altLang="zh-CN" sz="7200" dirty="0">
                 <a:latin typeface="Calibri" panose="020F0502020204030204" charset="0"/>
                 <a:cs typeface="Calibri" panose="020F0502020204030204" charset="0"/>
               </a:rPr>
               <a:t>Singapore Travel Guide</a:t>
             </a:r>
             <a:br>
-              <a:rPr lang="en-US" altLang="zh-CN" sz="7200">
+              <a:rPr lang="en-US" altLang="zh-CN" sz="7200" dirty="0">
                 <a:latin typeface="Calibri" panose="020F0502020204030204" charset="0"/>
                 <a:cs typeface="Calibri" panose="020F0502020204030204" charset="0"/>
               </a:rPr>
             </a:br>
             <a:r>
-              <a:rPr lang="en-US" altLang="zh-CN" sz="4000">
+              <a:rPr lang="en-US" altLang="zh-CN" sz="4000" dirty="0">
                 <a:latin typeface="Calibri" panose="020F0502020204030204" charset="0"/>
                 <a:cs typeface="Calibri" panose="020F0502020204030204" charset="0"/>
               </a:rPr>
               <a:t>Project</a:t>
             </a:r>
             <a:r>
-              <a:rPr lang="en-US" altLang="zh-CN" sz="7200">
+              <a:rPr lang="en-US" altLang="zh-CN" sz="7200" dirty="0">
                 <a:latin typeface="Calibri" panose="020F0502020204030204" charset="0"/>
                 <a:cs typeface="Calibri" panose="020F0502020204030204" charset="0"/>
               </a:rPr>
               <a:t> </a:t>
             </a:r>
             <a:r>
-              <a:rPr lang="en-US" altLang="zh-CN" sz="4000">
+              <a:rPr lang="en-US" altLang="zh-CN" sz="4000" dirty="0">
                 <a:latin typeface="Calibri" panose="020F0502020204030204" charset="0"/>
                 <a:cs typeface="Calibri" panose="020F0502020204030204" charset="0"/>
               </a:rPr>
               <a:t>Milestone #2</a:t>
             </a:r>
-            <a:endParaRPr lang="en-US" altLang="zh-CN" sz="4000">
-              <a:latin typeface="Calibri" panose="020F0502020204030204" charset="0"/>
-              <a:cs typeface="Calibri" panose="020F0502020204030204" charset="0"/>
-            </a:endParaRPr>
+            <a:br>
+              <a:rPr lang="en-US" altLang="zh-CN" sz="4000" dirty="0">
+                <a:latin typeface="Calibri" panose="020F0502020204030204" charset="0"/>
+                <a:cs typeface="Calibri" panose="020F0502020204030204" charset="0"/>
+              </a:rPr>
+            </a:br>
+            <a:r>
+              <a:rPr lang="en-US" altLang="zh-CN" sz="4000" dirty="0">
+                <a:latin typeface="Calibri" panose="020F0502020204030204" charset="0"/>
+                <a:cs typeface="Calibri" panose="020F0502020204030204" charset="0"/>
+              </a:rPr>
+              <a:t>Code Monkey Team</a:t>
+            </a:r>
           </a:p>
         </p:txBody>
       </p:sp>
@@ -3892,13 +3856,6 @@
               </a:rPr>
               <a:t>Outline</a:t>
             </a:r>
-            <a:endParaRPr lang="en-US" altLang="zh-CN" sz="4800">
-              <a:solidFill>
-                <a:schemeClr val="tx1"/>
-              </a:solidFill>
-              <a:latin typeface="Calibri" panose="020F0502020204030204" charset="0"/>
-              <a:cs typeface="Calibri" panose="020F0502020204030204" charset="0"/>
-            </a:endParaRPr>
           </a:p>
         </p:txBody>
       </p:sp>
@@ -3989,15 +3946,6 @@
               </a:rPr>
               <a:t>Image Processing</a:t>
             </a:r>
-            <a:endParaRPr lang="en-US" altLang="zh-CN" sz="2800">
-              <a:solidFill>
-                <a:schemeClr val="tx1"/>
-              </a:solidFill>
-              <a:latin typeface="Calibri" panose="020F0502020204030204" charset="0"/>
-              <a:ea typeface="宋体" panose="02010600030101010101" pitchFamily="2" charset="-122"/>
-              <a:cs typeface="Calibri" panose="020F0502020204030204" charset="0"/>
-              <a:sym typeface="+mn-ea"/>
-            </a:endParaRPr>
           </a:p>
           <a:p>
             <a:pPr marL="800100" lvl="1" indent="-342900">
@@ -4222,6 +4170,7 @@
           <a:p>
             <a:fld id="{FDAFAA84-93FD-4C2C-AE46-F7D42BEF3958}" type="slidenum">
               <a:rPr lang="en-GB"/>
+              <a:t>10</a:t>
             </a:fld>
             <a:endParaRPr lang="en-GB" sz="1600">
               <a:solidFill>
@@ -4343,13 +4292,6 @@
               </a:rPr>
               <a:t>Cloud Architecture</a:t>
             </a:r>
-            <a:endParaRPr lang="en-US" altLang="zh-CN" sz="4800">
-              <a:solidFill>
-                <a:schemeClr val="tx1"/>
-              </a:solidFill>
-              <a:latin typeface="Calibri" panose="020F0502020204030204" charset="0"/>
-              <a:cs typeface="Calibri" panose="020F0502020204030204" charset="0"/>
-            </a:endParaRPr>
           </a:p>
         </p:txBody>
       </p:sp>
@@ -4418,6 +4360,7 @@
           <a:p>
             <a:fld id="{FDAFAA84-93FD-4C2C-AE46-F7D42BEF3958}" type="slidenum">
               <a:rPr lang="en-GB"/>
+              <a:t>11</a:t>
             </a:fld>
             <a:endParaRPr lang="en-GB" sz="1600">
               <a:solidFill>
@@ -4434,10 +4377,10 @@
           <p:nvPr/>
         </p:nvPicPr>
         <p:blipFill>
-          <a:blip r:embed="rId1">
+          <a:blip r:embed="rId3">
             <a:extLst>
               <a:ext uri="{96DAC541-7B7A-43D3-8B79-37D633B846F1}">
-                <asvg:svgBlip xmlns:asvg="http://schemas.microsoft.com/office/drawing/2016/SVG/main" r:embed="rId2"/>
+                <asvg:svgBlip xmlns:asvg="http://schemas.microsoft.com/office/drawing/2016/SVG/main" r:embed="rId4"/>
               </a:ext>
             </a:extLst>
           </a:blip>
@@ -4463,7 +4406,7 @@
           <p:nvPr/>
         </p:nvPicPr>
         <p:blipFill>
-          <a:blip r:embed="rId3"/>
+          <a:blip r:embed="rId5"/>
           <a:stretch>
             <a:fillRect/>
           </a:stretch>
@@ -4515,10 +4458,6 @@
               </a:rPr>
               <a:t>NodeJS &amp; Express</a:t>
             </a:r>
-            <a:endParaRPr lang="en-US" altLang="zh-CN" sz="2800">
-              <a:latin typeface="Calibri" panose="020F0502020204030204" charset="0"/>
-              <a:cs typeface="Calibri" panose="020F0502020204030204" charset="0"/>
-            </a:endParaRPr>
           </a:p>
           <a:p>
             <a:pPr marL="800100" lvl="1" indent="-342900">
@@ -4535,13 +4474,6 @@
               </a:rPr>
               <a:t>Serve static web content</a:t>
             </a:r>
-            <a:endParaRPr lang="en-US" altLang="zh-CN" sz="2800">
-              <a:solidFill>
-                <a:schemeClr val="tx1"/>
-              </a:solidFill>
-              <a:latin typeface="Calibri" panose="020F0502020204030204" charset="0"/>
-              <a:cs typeface="Calibri" panose="020F0502020204030204" charset="0"/>
-            </a:endParaRPr>
           </a:p>
           <a:p>
             <a:pPr marL="800100" lvl="1" indent="-342900">
@@ -4558,13 +4490,6 @@
               </a:rPr>
               <a:t>Process HTTP requests from frontend</a:t>
             </a:r>
-            <a:endParaRPr lang="en-US" altLang="zh-CN" sz="2800">
-              <a:solidFill>
-                <a:schemeClr val="tx1"/>
-              </a:solidFill>
-              <a:latin typeface="Calibri" panose="020F0502020204030204" charset="0"/>
-              <a:cs typeface="Calibri" panose="020F0502020204030204" charset="0"/>
-            </a:endParaRPr>
           </a:p>
           <a:p>
             <a:pPr marL="800100" lvl="1" indent="-342900">
@@ -4581,13 +4506,6 @@
               </a:rPr>
               <a:t>Use MySQL statement to get data from RDS</a:t>
             </a:r>
-            <a:endParaRPr lang="en-US" altLang="zh-CN" sz="2800">
-              <a:solidFill>
-                <a:schemeClr val="tx1"/>
-              </a:solidFill>
-              <a:latin typeface="Calibri" panose="020F0502020204030204" charset="0"/>
-              <a:cs typeface="Calibri" panose="020F0502020204030204" charset="0"/>
-            </a:endParaRPr>
           </a:p>
         </p:txBody>
       </p:sp>
@@ -4620,10 +4538,6 @@
               </a:rPr>
               <a:t>Web Server</a:t>
             </a:r>
-            <a:endParaRPr lang="en-US" altLang="zh-CN">
-              <a:latin typeface="Calibri" panose="020F0502020204030204" charset="0"/>
-              <a:cs typeface="Calibri" panose="020F0502020204030204" charset="0"/>
-            </a:endParaRPr>
           </a:p>
         </p:txBody>
       </p:sp>
@@ -4660,13 +4574,6 @@
               </a:rPr>
               <a:t>IaaS</a:t>
             </a:r>
-            <a:endParaRPr lang="en-US" altLang="zh-CN" sz="3600" b="1">
-              <a:solidFill>
-                <a:srgbClr val="FF0000"/>
-              </a:solidFill>
-              <a:latin typeface="Calibri" panose="020F0502020204030204" charset="0"/>
-              <a:cs typeface="Calibri" panose="020F0502020204030204" charset="0"/>
-            </a:endParaRPr>
           </a:p>
         </p:txBody>
       </p:sp>
@@ -4679,7 +4586,7 @@
           <p:nvPr/>
         </p:nvPicPr>
         <p:blipFill>
-          <a:blip r:embed="rId4">
+          <a:blip r:embed="rId6">
             <a:clrChange>
               <a:clrFrom>
                 <a:srgbClr val="FFFFFF">
@@ -4714,7 +4621,7 @@
           <p:cNvSpPr txBox="1"/>
           <p:nvPr>
             <p:custDataLst>
-              <p:tags r:id="rId5"/>
+              <p:tags r:id="rId1"/>
             </p:custDataLst>
           </p:nvPr>
         </p:nvSpPr>
@@ -4732,6 +4639,7 @@
           <a:bodyPr wrap="square" rtlCol="0">
             <a:spAutoFit/>
           </a:bodyPr>
+          <a:lstStyle/>
           <a:p>
             <a:r>
               <a:rPr lang="en-US" altLang="zh-CN"/>
@@ -4750,16 +4658,6 @@
               </a:rPr>
               <a:t>14 Jul</a:t>
             </a:r>
-            <a:endParaRPr lang="en-US" altLang="zh-CN" sz="2000">
-              <a:solidFill>
-                <a:schemeClr val="tx1">
-                  <a:lumMod val="50000"/>
-                  <a:lumOff val="50000"/>
-                </a:schemeClr>
-              </a:solidFill>
-              <a:latin typeface="Calibri" panose="020F0502020204030204" charset="0"/>
-              <a:cs typeface="Calibri" panose="020F0502020204030204" charset="0"/>
-            </a:endParaRPr>
           </a:p>
         </p:txBody>
       </p:sp>
@@ -4854,7 +4752,7 @@
           <p:nvPr/>
         </p:nvPicPr>
         <p:blipFill>
-          <a:blip r:embed="rId1">
+          <a:blip r:embed="rId2">
             <a:clrChange>
               <a:clrFrom>
                 <a:srgbClr val="FFFFFF">
@@ -4913,13 +4811,6 @@
               </a:rPr>
               <a:t>Cloud Architecture</a:t>
             </a:r>
-            <a:endParaRPr lang="en-US" altLang="zh-CN" sz="4800">
-              <a:solidFill>
-                <a:schemeClr val="tx1"/>
-              </a:solidFill>
-              <a:latin typeface="Calibri" panose="020F0502020204030204" charset="0"/>
-              <a:cs typeface="Calibri" panose="020F0502020204030204" charset="0"/>
-            </a:endParaRPr>
           </a:p>
         </p:txBody>
       </p:sp>
@@ -4988,6 +4879,7 @@
           <a:p>
             <a:fld id="{FDAFAA84-93FD-4C2C-AE46-F7D42BEF3958}" type="slidenum">
               <a:rPr lang="en-GB"/>
+              <a:t>12</a:t>
             </a:fld>
             <a:endParaRPr lang="en-GB" sz="1600">
               <a:solidFill>
@@ -5030,10 +4922,6 @@
               </a:rPr>
               <a:t>Python </a:t>
             </a:r>
-            <a:endParaRPr lang="en-US" altLang="zh-CN" sz="2800">
-              <a:latin typeface="Calibri" panose="020F0502020204030204" charset="0"/>
-              <a:cs typeface="Calibri" panose="020F0502020204030204" charset="0"/>
-            </a:endParaRPr>
           </a:p>
           <a:p>
             <a:pPr marL="800100" lvl="1" indent="-342900">
@@ -5050,13 +4938,6 @@
               </a:rPr>
               <a:t>OpenCV API</a:t>
             </a:r>
-            <a:endParaRPr lang="en-US" altLang="zh-CN" sz="2800">
-              <a:solidFill>
-                <a:schemeClr val="tx1"/>
-              </a:solidFill>
-              <a:latin typeface="Calibri" panose="020F0502020204030204" charset="0"/>
-              <a:cs typeface="Calibri" panose="020F0502020204030204" charset="0"/>
-            </a:endParaRPr>
           </a:p>
           <a:p>
             <a:pPr marL="800100" lvl="1" indent="-342900">
@@ -5096,10 +4977,6 @@
               </a:rPr>
               <a:t>Map&amp;Reduce</a:t>
             </a:r>
-            <a:endParaRPr lang="en-US" altLang="zh-CN" sz="2800">
-              <a:latin typeface="Calibri" panose="020F0502020204030204" charset="0"/>
-              <a:cs typeface="Calibri" panose="020F0502020204030204" charset="0"/>
-            </a:endParaRPr>
           </a:p>
           <a:p>
             <a:pPr marL="800100" lvl="1" indent="-342900">
@@ -5116,13 +4993,6 @@
               </a:rPr>
               <a:t>Large Dataset</a:t>
             </a:r>
-            <a:endParaRPr lang="en-US" altLang="zh-CN" sz="2800">
-              <a:solidFill>
-                <a:schemeClr val="tx1"/>
-              </a:solidFill>
-              <a:latin typeface="Calibri" panose="020F0502020204030204" charset="0"/>
-              <a:cs typeface="Calibri" panose="020F0502020204030204" charset="0"/>
-            </a:endParaRPr>
           </a:p>
           <a:p>
             <a:pPr marL="800100" lvl="1" indent="-342900">
@@ -5139,13 +5009,6 @@
               </a:rPr>
               <a:t>Parallel makes Efficiences</a:t>
             </a:r>
-            <a:endParaRPr lang="en-US" altLang="zh-CN" sz="2800">
-              <a:solidFill>
-                <a:schemeClr val="tx1"/>
-              </a:solidFill>
-              <a:latin typeface="Calibri" panose="020F0502020204030204" charset="0"/>
-              <a:cs typeface="Calibri" panose="020F0502020204030204" charset="0"/>
-            </a:endParaRPr>
           </a:p>
           <a:p>
             <a:pPr marL="0" indent="0">
@@ -5191,10 +5054,6 @@
               </a:rPr>
               <a:t>Image Processing</a:t>
             </a:r>
-            <a:endParaRPr lang="en-US" altLang="zh-CN">
-              <a:latin typeface="Calibri" panose="020F0502020204030204" charset="0"/>
-              <a:cs typeface="Calibri" panose="020F0502020204030204" charset="0"/>
-            </a:endParaRPr>
           </a:p>
         </p:txBody>
       </p:sp>
@@ -5205,7 +5064,7 @@
           <p:nvPr/>
         </p:nvPicPr>
         <p:blipFill>
-          <a:blip r:embed="rId2"/>
+          <a:blip r:embed="rId3"/>
           <a:stretch>
             <a:fillRect/>
           </a:stretch>
@@ -5279,13 +5138,6 @@
               </a:rPr>
               <a:t>Cloud Architecture</a:t>
             </a:r>
-            <a:endParaRPr lang="en-US" altLang="zh-CN" sz="4800">
-              <a:solidFill>
-                <a:schemeClr val="tx1"/>
-              </a:solidFill>
-              <a:latin typeface="Calibri" panose="020F0502020204030204" charset="0"/>
-              <a:cs typeface="Calibri" panose="020F0502020204030204" charset="0"/>
-            </a:endParaRPr>
           </a:p>
         </p:txBody>
       </p:sp>
@@ -5354,6 +5206,7 @@
           <a:p>
             <a:fld id="{FDAFAA84-93FD-4C2C-AE46-F7D42BEF3958}" type="slidenum">
               <a:rPr lang="en-GB"/>
+              <a:t>13</a:t>
             </a:fld>
             <a:endParaRPr lang="en-GB" sz="1600">
               <a:solidFill>
@@ -5376,7 +5229,7 @@
           </p:nvPr>
         </p:nvPicPr>
         <p:blipFill>
-          <a:blip r:embed="rId2"/>
+          <a:blip r:embed="rId4"/>
           <a:stretch>
             <a:fillRect/>
           </a:stretch>
@@ -5431,13 +5284,6 @@
               </a:rPr>
               <a:t>Download</a:t>
             </a:r>
-            <a:endParaRPr lang="en-US" altLang="zh-CN" b="1">
-              <a:solidFill>
-                <a:srgbClr val="FF0000"/>
-              </a:solidFill>
-              <a:latin typeface="Calibri" panose="020F0502020204030204" charset="0"/>
-              <a:cs typeface="Calibri" panose="020F0502020204030204" charset="0"/>
-            </a:endParaRPr>
           </a:p>
         </p:txBody>
       </p:sp>
@@ -5486,7 +5332,7 @@
           <p:cNvSpPr txBox="1"/>
           <p:nvPr>
             <p:custDataLst>
-              <p:tags r:id="rId3"/>
+              <p:tags r:id="rId2"/>
             </p:custDataLst>
           </p:nvPr>
         </p:nvSpPr>
@@ -5504,6 +5350,7 @@
           <a:bodyPr wrap="square" rtlCol="0">
             <a:spAutoFit/>
           </a:bodyPr>
+          <a:lstStyle/>
           <a:p>
             <a:r>
               <a:rPr lang="en-US" altLang="zh-CN"/>
@@ -5522,16 +5369,6 @@
               </a:rPr>
               <a:t>14 Jul</a:t>
             </a:r>
-            <a:endParaRPr lang="en-US" altLang="zh-CN" sz="2000">
-              <a:solidFill>
-                <a:schemeClr val="tx1">
-                  <a:lumMod val="50000"/>
-                  <a:lumOff val="50000"/>
-                </a:schemeClr>
-              </a:solidFill>
-              <a:latin typeface="Calibri" panose="020F0502020204030204" charset="0"/>
-              <a:cs typeface="Calibri" panose="020F0502020204030204" charset="0"/>
-            </a:endParaRPr>
           </a:p>
         </p:txBody>
       </p:sp>
@@ -5590,13 +5427,6 @@
               </a:rPr>
               <a:t>Cloud Architecture</a:t>
             </a:r>
-            <a:endParaRPr lang="en-US" altLang="zh-CN" sz="4800">
-              <a:solidFill>
-                <a:schemeClr val="tx1"/>
-              </a:solidFill>
-              <a:latin typeface="Calibri" panose="020F0502020204030204" charset="0"/>
-              <a:cs typeface="Calibri" panose="020F0502020204030204" charset="0"/>
-            </a:endParaRPr>
           </a:p>
         </p:txBody>
       </p:sp>
@@ -5665,6 +5495,7 @@
           <a:p>
             <a:fld id="{FDAFAA84-93FD-4C2C-AE46-F7D42BEF3958}" type="slidenum">
               <a:rPr lang="en-GB"/>
+              <a:t>14</a:t>
             </a:fld>
             <a:endParaRPr lang="en-GB" sz="1600">
               <a:solidFill>
@@ -5687,7 +5518,7 @@
           </p:nvPr>
         </p:nvPicPr>
         <p:blipFill>
-          <a:blip r:embed="rId2"/>
+          <a:blip r:embed="rId5"/>
           <a:stretch>
             <a:fillRect/>
           </a:stretch>
@@ -5742,13 +5573,6 @@
               </a:rPr>
               <a:t>Download</a:t>
             </a:r>
-            <a:endParaRPr lang="en-US" altLang="zh-CN" b="1">
-              <a:solidFill>
-                <a:srgbClr val="FF0000"/>
-              </a:solidFill>
-              <a:latin typeface="Calibri" panose="020F0502020204030204" charset="0"/>
-              <a:cs typeface="Calibri" panose="020F0502020204030204" charset="0"/>
-            </a:endParaRPr>
           </a:p>
         </p:txBody>
       </p:sp>
@@ -5823,13 +5647,6 @@
               </a:rPr>
               <a:t>Store Images</a:t>
             </a:r>
-            <a:endParaRPr lang="en-US" altLang="zh-CN" b="1">
-              <a:solidFill>
-                <a:srgbClr val="FF0000"/>
-              </a:solidFill>
-              <a:latin typeface="Calibri" panose="020F0502020204030204" charset="0"/>
-              <a:cs typeface="Calibri" panose="020F0502020204030204" charset="0"/>
-            </a:endParaRPr>
           </a:p>
         </p:txBody>
       </p:sp>
@@ -5839,7 +5656,7 @@
           <p:cNvCxnSpPr/>
           <p:nvPr>
             <p:custDataLst>
-              <p:tags r:id="rId3"/>
+              <p:tags r:id="rId2"/>
             </p:custDataLst>
           </p:nvPr>
         </p:nvCxnSpPr>
@@ -5880,7 +5697,7 @@
           <p:cNvSpPr txBox="1"/>
           <p:nvPr>
             <p:custDataLst>
-              <p:tags r:id="rId4"/>
+              <p:tags r:id="rId3"/>
             </p:custDataLst>
           </p:nvPr>
         </p:nvSpPr>
@@ -5898,6 +5715,7 @@
           <a:bodyPr wrap="square" rtlCol="0">
             <a:spAutoFit/>
           </a:bodyPr>
+          <a:lstStyle/>
           <a:p>
             <a:r>
               <a:rPr lang="en-US" altLang="zh-CN"/>
@@ -5916,16 +5734,6 @@
               </a:rPr>
               <a:t>14 Jul</a:t>
             </a:r>
-            <a:endParaRPr lang="en-US" altLang="zh-CN" sz="2000">
-              <a:solidFill>
-                <a:schemeClr val="tx1">
-                  <a:lumMod val="50000"/>
-                  <a:lumOff val="50000"/>
-                </a:schemeClr>
-              </a:solidFill>
-              <a:latin typeface="Calibri" panose="020F0502020204030204" charset="0"/>
-              <a:cs typeface="Calibri" panose="020F0502020204030204" charset="0"/>
-            </a:endParaRPr>
           </a:p>
         </p:txBody>
       </p:sp>
@@ -5984,13 +5792,6 @@
               </a:rPr>
               <a:t>Cloud Architecture</a:t>
             </a:r>
-            <a:endParaRPr lang="en-US" altLang="zh-CN" sz="4800">
-              <a:solidFill>
-                <a:schemeClr val="tx1"/>
-              </a:solidFill>
-              <a:latin typeface="Calibri" panose="020F0502020204030204" charset="0"/>
-              <a:cs typeface="Calibri" panose="020F0502020204030204" charset="0"/>
-            </a:endParaRPr>
           </a:p>
         </p:txBody>
       </p:sp>
@@ -6059,6 +5860,7 @@
           <a:p>
             <a:fld id="{FDAFAA84-93FD-4C2C-AE46-F7D42BEF3958}" type="slidenum">
               <a:rPr lang="en-GB"/>
+              <a:t>15</a:t>
             </a:fld>
             <a:endParaRPr lang="en-GB" sz="1600">
               <a:solidFill>
@@ -6081,7 +5883,7 @@
           </p:nvPr>
         </p:nvPicPr>
         <p:blipFill>
-          <a:blip r:embed="rId2"/>
+          <a:blip r:embed="rId7"/>
           <a:stretch>
             <a:fillRect/>
           </a:stretch>
@@ -6136,13 +5938,6 @@
               </a:rPr>
               <a:t>Download</a:t>
             </a:r>
-            <a:endParaRPr lang="en-US" altLang="zh-CN" b="1">
-              <a:solidFill>
-                <a:srgbClr val="FF0000"/>
-              </a:solidFill>
-              <a:latin typeface="Calibri" panose="020F0502020204030204" charset="0"/>
-              <a:cs typeface="Calibri" panose="020F0502020204030204" charset="0"/>
-            </a:endParaRPr>
           </a:p>
         </p:txBody>
       </p:sp>
@@ -6217,13 +6012,6 @@
               </a:rPr>
               <a:t>Store Images</a:t>
             </a:r>
-            <a:endParaRPr lang="en-US" altLang="zh-CN" b="1">
-              <a:solidFill>
-                <a:srgbClr val="FF0000"/>
-              </a:solidFill>
-              <a:latin typeface="Calibri" panose="020F0502020204030204" charset="0"/>
-              <a:cs typeface="Calibri" panose="020F0502020204030204" charset="0"/>
-            </a:endParaRPr>
           </a:p>
         </p:txBody>
       </p:sp>
@@ -6233,7 +6021,7 @@
           <p:cNvCxnSpPr/>
           <p:nvPr>
             <p:custDataLst>
-              <p:tags r:id="rId3"/>
+              <p:tags r:id="rId2"/>
             </p:custDataLst>
           </p:nvPr>
         </p:nvCxnSpPr>
@@ -6274,7 +6062,7 @@
           <p:cNvSpPr txBox="1"/>
           <p:nvPr>
             <p:custDataLst>
-              <p:tags r:id="rId4"/>
+              <p:tags r:id="rId3"/>
             </p:custDataLst>
           </p:nvPr>
         </p:nvSpPr>
@@ -6304,13 +6092,6 @@
               </a:rPr>
               <a:t>Map&amp;Reduce</a:t>
             </a:r>
-            <a:endParaRPr lang="en-US" altLang="zh-CN" b="1">
-              <a:solidFill>
-                <a:srgbClr val="FF0000"/>
-              </a:solidFill>
-              <a:latin typeface="Calibri" panose="020F0502020204030204" charset="0"/>
-              <a:cs typeface="Calibri" panose="020F0502020204030204" charset="0"/>
-            </a:endParaRPr>
           </a:p>
           <a:p>
             <a:r>
@@ -6323,13 +6104,6 @@
               </a:rPr>
               <a:t>Machine Learning</a:t>
             </a:r>
-            <a:endParaRPr lang="en-US" altLang="zh-CN" b="1">
-              <a:solidFill>
-                <a:srgbClr val="FF0000"/>
-              </a:solidFill>
-              <a:latin typeface="Calibri" panose="020F0502020204030204" charset="0"/>
-              <a:cs typeface="Calibri" panose="020F0502020204030204" charset="0"/>
-            </a:endParaRPr>
           </a:p>
         </p:txBody>
       </p:sp>
@@ -6339,7 +6113,7 @@
           <p:cNvCxnSpPr/>
           <p:nvPr>
             <p:custDataLst>
-              <p:tags r:id="rId5"/>
+              <p:tags r:id="rId4"/>
             </p:custDataLst>
           </p:nvPr>
         </p:nvCxnSpPr>
@@ -6380,7 +6154,7 @@
           <p:cNvSpPr txBox="1"/>
           <p:nvPr>
             <p:custDataLst>
-              <p:tags r:id="rId6"/>
+              <p:tags r:id="rId5"/>
             </p:custDataLst>
           </p:nvPr>
         </p:nvSpPr>
@@ -6398,6 +6172,7 @@
           <a:bodyPr wrap="square" rtlCol="0">
             <a:spAutoFit/>
           </a:bodyPr>
+          <a:lstStyle/>
           <a:p>
             <a:r>
               <a:rPr lang="en-US" altLang="zh-CN"/>
@@ -6416,16 +6191,6 @@
               </a:rPr>
               <a:t>14 Jul</a:t>
             </a:r>
-            <a:endParaRPr lang="en-US" altLang="zh-CN" sz="2000">
-              <a:solidFill>
-                <a:schemeClr val="tx1">
-                  <a:lumMod val="50000"/>
-                  <a:lumOff val="50000"/>
-                </a:schemeClr>
-              </a:solidFill>
-              <a:latin typeface="Calibri" panose="020F0502020204030204" charset="0"/>
-              <a:cs typeface="Calibri" panose="020F0502020204030204" charset="0"/>
-            </a:endParaRPr>
           </a:p>
         </p:txBody>
       </p:sp>
@@ -6484,13 +6249,6 @@
               </a:rPr>
               <a:t>Cloud Architecture</a:t>
             </a:r>
-            <a:endParaRPr lang="en-US" altLang="zh-CN" sz="4800">
-              <a:solidFill>
-                <a:schemeClr val="tx1"/>
-              </a:solidFill>
-              <a:latin typeface="Calibri" panose="020F0502020204030204" charset="0"/>
-              <a:cs typeface="Calibri" panose="020F0502020204030204" charset="0"/>
-            </a:endParaRPr>
           </a:p>
         </p:txBody>
       </p:sp>
@@ -6559,6 +6317,7 @@
           <a:p>
             <a:fld id="{FDAFAA84-93FD-4C2C-AE46-F7D42BEF3958}" type="slidenum">
               <a:rPr lang="en-GB"/>
+              <a:t>16</a:t>
             </a:fld>
             <a:endParaRPr lang="en-GB" sz="1600">
               <a:solidFill>
@@ -6581,7 +6340,7 @@
           </p:nvPr>
         </p:nvPicPr>
         <p:blipFill>
-          <a:blip r:embed="rId2"/>
+          <a:blip r:embed="rId8"/>
           <a:stretch>
             <a:fillRect/>
           </a:stretch>
@@ -6636,13 +6395,6 @@
               </a:rPr>
               <a:t>Download</a:t>
             </a:r>
-            <a:endParaRPr lang="en-US" altLang="zh-CN" b="1">
-              <a:solidFill>
-                <a:srgbClr val="FF0000"/>
-              </a:solidFill>
-              <a:latin typeface="Calibri" panose="020F0502020204030204" charset="0"/>
-              <a:cs typeface="Calibri" panose="020F0502020204030204" charset="0"/>
-            </a:endParaRPr>
           </a:p>
         </p:txBody>
       </p:sp>
@@ -6717,13 +6469,6 @@
               </a:rPr>
               <a:t>Store Images</a:t>
             </a:r>
-            <a:endParaRPr lang="en-US" altLang="zh-CN" b="1">
-              <a:solidFill>
-                <a:srgbClr val="FF0000"/>
-              </a:solidFill>
-              <a:latin typeface="Calibri" panose="020F0502020204030204" charset="0"/>
-              <a:cs typeface="Calibri" panose="020F0502020204030204" charset="0"/>
-            </a:endParaRPr>
           </a:p>
         </p:txBody>
       </p:sp>
@@ -6733,7 +6478,7 @@
           <p:cNvCxnSpPr/>
           <p:nvPr>
             <p:custDataLst>
-              <p:tags r:id="rId3"/>
+              <p:tags r:id="rId2"/>
             </p:custDataLst>
           </p:nvPr>
         </p:nvCxnSpPr>
@@ -6774,7 +6519,7 @@
           <p:cNvSpPr txBox="1"/>
           <p:nvPr>
             <p:custDataLst>
-              <p:tags r:id="rId4"/>
+              <p:tags r:id="rId3"/>
             </p:custDataLst>
           </p:nvPr>
         </p:nvSpPr>
@@ -6804,13 +6549,6 @@
               </a:rPr>
               <a:t>Map&amp;Reduce</a:t>
             </a:r>
-            <a:endParaRPr lang="en-US" altLang="zh-CN" b="1">
-              <a:solidFill>
-                <a:srgbClr val="FF0000"/>
-              </a:solidFill>
-              <a:latin typeface="Calibri" panose="020F0502020204030204" charset="0"/>
-              <a:cs typeface="Calibri" panose="020F0502020204030204" charset="0"/>
-            </a:endParaRPr>
           </a:p>
           <a:p>
             <a:r>
@@ -6823,13 +6561,6 @@
               </a:rPr>
               <a:t>Machine Learning</a:t>
             </a:r>
-            <a:endParaRPr lang="en-US" altLang="zh-CN" b="1">
-              <a:solidFill>
-                <a:srgbClr val="FF0000"/>
-              </a:solidFill>
-              <a:latin typeface="Calibri" panose="020F0502020204030204" charset="0"/>
-              <a:cs typeface="Calibri" panose="020F0502020204030204" charset="0"/>
-            </a:endParaRPr>
           </a:p>
         </p:txBody>
       </p:sp>
@@ -6839,7 +6570,7 @@
           <p:cNvCxnSpPr/>
           <p:nvPr>
             <p:custDataLst>
-              <p:tags r:id="rId5"/>
+              <p:tags r:id="rId4"/>
             </p:custDataLst>
           </p:nvPr>
         </p:nvCxnSpPr>
@@ -6906,13 +6637,6 @@
               </a:rPr>
               <a:t>Update to the database on cloud</a:t>
             </a:r>
-            <a:endParaRPr lang="en-US" altLang="zh-CN" b="1">
-              <a:solidFill>
-                <a:srgbClr val="FF0000"/>
-              </a:solidFill>
-              <a:latin typeface="Calibri" panose="020F0502020204030204" charset="0"/>
-              <a:cs typeface="Calibri" panose="020F0502020204030204" charset="0"/>
-            </a:endParaRPr>
           </a:p>
         </p:txBody>
       </p:sp>
@@ -6922,7 +6646,7 @@
           <p:cNvCxnSpPr/>
           <p:nvPr>
             <p:custDataLst>
-              <p:tags r:id="rId6"/>
+              <p:tags r:id="rId5"/>
             </p:custDataLst>
           </p:nvPr>
         </p:nvCxnSpPr>
@@ -6963,7 +6687,7 @@
           <p:cNvSpPr txBox="1"/>
           <p:nvPr>
             <p:custDataLst>
-              <p:tags r:id="rId7"/>
+              <p:tags r:id="rId6"/>
             </p:custDataLst>
           </p:nvPr>
         </p:nvSpPr>
@@ -6981,6 +6705,7 @@
           <a:bodyPr wrap="square" rtlCol="0">
             <a:spAutoFit/>
           </a:bodyPr>
+          <a:lstStyle/>
           <a:p>
             <a:r>
               <a:rPr lang="en-US" altLang="zh-CN"/>
@@ -6999,16 +6724,6 @@
               </a:rPr>
               <a:t>14 Jul</a:t>
             </a:r>
-            <a:endParaRPr lang="en-US" altLang="zh-CN" sz="2000">
-              <a:solidFill>
-                <a:schemeClr val="tx1">
-                  <a:lumMod val="50000"/>
-                  <a:lumOff val="50000"/>
-                </a:schemeClr>
-              </a:solidFill>
-              <a:latin typeface="Calibri" panose="020F0502020204030204" charset="0"/>
-              <a:cs typeface="Calibri" panose="020F0502020204030204" charset="0"/>
-            </a:endParaRPr>
           </a:p>
         </p:txBody>
       </p:sp>
@@ -7126,13 +6841,6 @@
               </a:rPr>
               <a:t>Cloud Architecture</a:t>
             </a:r>
-            <a:endParaRPr lang="en-US" altLang="zh-CN" sz="4800">
-              <a:solidFill>
-                <a:schemeClr val="tx1"/>
-              </a:solidFill>
-              <a:latin typeface="Calibri" panose="020F0502020204030204" charset="0"/>
-              <a:cs typeface="Calibri" panose="020F0502020204030204" charset="0"/>
-            </a:endParaRPr>
           </a:p>
         </p:txBody>
       </p:sp>
@@ -7201,6 +6909,7 @@
           <a:p>
             <a:fld id="{FDAFAA84-93FD-4C2C-AE46-F7D42BEF3958}" type="slidenum">
               <a:rPr lang="en-GB"/>
+              <a:t>17</a:t>
             </a:fld>
             <a:endParaRPr lang="en-GB" sz="1600">
               <a:solidFill>
@@ -7223,7 +6932,7 @@
           </p:nvPr>
         </p:nvPicPr>
         <p:blipFill>
-          <a:blip r:embed="rId2">
+          <a:blip r:embed="rId8">
             <a:clrChange>
               <a:clrFrom>
                 <a:srgbClr val="FFFFFF">
@@ -7292,13 +7001,6 @@
               </a:rPr>
               <a:t>Download</a:t>
             </a:r>
-            <a:endParaRPr lang="en-US" altLang="zh-CN" b="1">
-              <a:solidFill>
-                <a:srgbClr val="FF0000"/>
-              </a:solidFill>
-              <a:latin typeface="Calibri" panose="020F0502020204030204" charset="0"/>
-              <a:cs typeface="Calibri" panose="020F0502020204030204" charset="0"/>
-            </a:endParaRPr>
           </a:p>
         </p:txBody>
       </p:sp>
@@ -7373,13 +7075,6 @@
               </a:rPr>
               <a:t>Store Images</a:t>
             </a:r>
-            <a:endParaRPr lang="en-US" altLang="zh-CN" b="1">
-              <a:solidFill>
-                <a:srgbClr val="FF0000"/>
-              </a:solidFill>
-              <a:latin typeface="Calibri" panose="020F0502020204030204" charset="0"/>
-              <a:cs typeface="Calibri" panose="020F0502020204030204" charset="0"/>
-            </a:endParaRPr>
           </a:p>
         </p:txBody>
       </p:sp>
@@ -7389,7 +7084,7 @@
           <p:cNvCxnSpPr/>
           <p:nvPr>
             <p:custDataLst>
-              <p:tags r:id="rId3"/>
+              <p:tags r:id="rId2"/>
             </p:custDataLst>
           </p:nvPr>
         </p:nvCxnSpPr>
@@ -7430,7 +7125,7 @@
           <p:cNvSpPr txBox="1"/>
           <p:nvPr>
             <p:custDataLst>
-              <p:tags r:id="rId4"/>
+              <p:tags r:id="rId3"/>
             </p:custDataLst>
           </p:nvPr>
         </p:nvSpPr>
@@ -7460,13 +7155,6 @@
               </a:rPr>
               <a:t>Map&amp;Reduce</a:t>
             </a:r>
-            <a:endParaRPr lang="en-US" altLang="zh-CN" b="1">
-              <a:solidFill>
-                <a:srgbClr val="FF0000"/>
-              </a:solidFill>
-              <a:latin typeface="Calibri" panose="020F0502020204030204" charset="0"/>
-              <a:cs typeface="Calibri" panose="020F0502020204030204" charset="0"/>
-            </a:endParaRPr>
           </a:p>
           <a:p>
             <a:r>
@@ -7479,13 +7167,6 @@
               </a:rPr>
               <a:t>Machine Learning</a:t>
             </a:r>
-            <a:endParaRPr lang="en-US" altLang="zh-CN" b="1">
-              <a:solidFill>
-                <a:srgbClr val="FF0000"/>
-              </a:solidFill>
-              <a:latin typeface="Calibri" panose="020F0502020204030204" charset="0"/>
-              <a:cs typeface="Calibri" panose="020F0502020204030204" charset="0"/>
-            </a:endParaRPr>
           </a:p>
         </p:txBody>
       </p:sp>
@@ -7495,7 +7176,7 @@
           <p:cNvCxnSpPr/>
           <p:nvPr>
             <p:custDataLst>
-              <p:tags r:id="rId5"/>
+              <p:tags r:id="rId4"/>
             </p:custDataLst>
           </p:nvPr>
         </p:nvCxnSpPr>
@@ -7562,13 +7243,6 @@
               </a:rPr>
               <a:t>Update to the database on cloud</a:t>
             </a:r>
-            <a:endParaRPr lang="en-US" altLang="zh-CN" b="1">
-              <a:solidFill>
-                <a:srgbClr val="FF0000"/>
-              </a:solidFill>
-              <a:latin typeface="Calibri" panose="020F0502020204030204" charset="0"/>
-              <a:cs typeface="Calibri" panose="020F0502020204030204" charset="0"/>
-            </a:endParaRPr>
           </a:p>
         </p:txBody>
       </p:sp>
@@ -7578,7 +7252,7 @@
           <p:cNvCxnSpPr/>
           <p:nvPr>
             <p:custDataLst>
-              <p:tags r:id="rId6"/>
+              <p:tags r:id="rId5"/>
             </p:custDataLst>
           </p:nvPr>
         </p:nvCxnSpPr>
@@ -7645,6 +7319,8 @@
               </a:rPr>
               <a:t>Keep Running in the background</a:t>
             </a:r>
+          </a:p>
+          <a:p>
             <a:endParaRPr lang="en-US" altLang="zh-CN" b="1">
               <a:solidFill>
                 <a:srgbClr val="FF0000"/>
@@ -7654,15 +7330,6 @@
             </a:endParaRPr>
           </a:p>
           <a:p>
-            <a:endParaRPr lang="en-US" altLang="zh-CN" b="1">
-              <a:solidFill>
-                <a:srgbClr val="FF0000"/>
-              </a:solidFill>
-              <a:latin typeface="Calibri" panose="020F0502020204030204" charset="0"/>
-              <a:cs typeface="Calibri" panose="020F0502020204030204" charset="0"/>
-            </a:endParaRPr>
-          </a:p>
-          <a:p>
             <a:r>
               <a:rPr lang="en-US" altLang="zh-CN" b="1">
                 <a:solidFill>
@@ -7673,13 +7340,6 @@
               </a:rPr>
               <a:t>Download and process every 5 mins</a:t>
             </a:r>
-            <a:endParaRPr lang="en-US" altLang="zh-CN" b="1">
-              <a:solidFill>
-                <a:srgbClr val="FF0000"/>
-              </a:solidFill>
-              <a:latin typeface="Calibri" panose="020F0502020204030204" charset="0"/>
-              <a:cs typeface="Calibri" panose="020F0502020204030204" charset="0"/>
-            </a:endParaRPr>
           </a:p>
         </p:txBody>
       </p:sp>
@@ -7689,7 +7349,7 @@
           <p:cNvSpPr txBox="1"/>
           <p:nvPr>
             <p:custDataLst>
-              <p:tags r:id="rId7"/>
+              <p:tags r:id="rId6"/>
             </p:custDataLst>
           </p:nvPr>
         </p:nvSpPr>
@@ -7707,6 +7367,7 @@
           <a:bodyPr wrap="square" rtlCol="0">
             <a:spAutoFit/>
           </a:bodyPr>
+          <a:lstStyle/>
           <a:p>
             <a:r>
               <a:rPr lang="en-US" altLang="zh-CN"/>
@@ -7725,16 +7386,6 @@
               </a:rPr>
               <a:t>14 Jul</a:t>
             </a:r>
-            <a:endParaRPr lang="en-US" altLang="zh-CN" sz="2000">
-              <a:solidFill>
-                <a:schemeClr val="tx1">
-                  <a:lumMod val="50000"/>
-                  <a:lumOff val="50000"/>
-                </a:schemeClr>
-              </a:solidFill>
-              <a:latin typeface="Calibri" panose="020F0502020204030204" charset="0"/>
-              <a:cs typeface="Calibri" panose="020F0502020204030204" charset="0"/>
-            </a:endParaRPr>
           </a:p>
         </p:txBody>
       </p:sp>
@@ -7852,13 +7503,6 @@
               </a:rPr>
               <a:t>Cloud Architecture</a:t>
             </a:r>
-            <a:endParaRPr lang="en-US" altLang="zh-CN" sz="4800">
-              <a:solidFill>
-                <a:schemeClr val="tx1"/>
-              </a:solidFill>
-              <a:latin typeface="Calibri" panose="020F0502020204030204" charset="0"/>
-              <a:cs typeface="Calibri" panose="020F0502020204030204" charset="0"/>
-            </a:endParaRPr>
           </a:p>
         </p:txBody>
       </p:sp>
@@ -7927,6 +7571,7 @@
           <a:p>
             <a:fld id="{FDAFAA84-93FD-4C2C-AE46-F7D42BEF3958}" type="slidenum">
               <a:rPr lang="en-GB"/>
+              <a:t>18</a:t>
             </a:fld>
             <a:endParaRPr lang="en-GB" sz="1600">
               <a:solidFill>
@@ -7949,7 +7594,7 @@
           </p:nvPr>
         </p:nvPicPr>
         <p:blipFill>
-          <a:blip r:embed="rId2">
+          <a:blip r:embed="rId10">
             <a:clrChange>
               <a:clrFrom>
                 <a:srgbClr val="FFFFFF">
@@ -8018,13 +7663,6 @@
               </a:rPr>
               <a:t>Download</a:t>
             </a:r>
-            <a:endParaRPr lang="en-US" altLang="zh-CN" b="1">
-              <a:solidFill>
-                <a:srgbClr val="FF0000"/>
-              </a:solidFill>
-              <a:latin typeface="Calibri" panose="020F0502020204030204" charset="0"/>
-              <a:cs typeface="Calibri" panose="020F0502020204030204" charset="0"/>
-            </a:endParaRPr>
           </a:p>
         </p:txBody>
       </p:sp>
@@ -8099,13 +7737,6 @@
               </a:rPr>
               <a:t>Store Images</a:t>
             </a:r>
-            <a:endParaRPr lang="en-US" altLang="zh-CN" b="1">
-              <a:solidFill>
-                <a:srgbClr val="FF0000"/>
-              </a:solidFill>
-              <a:latin typeface="Calibri" panose="020F0502020204030204" charset="0"/>
-              <a:cs typeface="Calibri" panose="020F0502020204030204" charset="0"/>
-            </a:endParaRPr>
           </a:p>
         </p:txBody>
       </p:sp>
@@ -8115,7 +7746,7 @@
           <p:cNvCxnSpPr/>
           <p:nvPr>
             <p:custDataLst>
-              <p:tags r:id="rId3"/>
+              <p:tags r:id="rId2"/>
             </p:custDataLst>
           </p:nvPr>
         </p:nvCxnSpPr>
@@ -8156,7 +7787,7 @@
           <p:cNvSpPr txBox="1"/>
           <p:nvPr>
             <p:custDataLst>
-              <p:tags r:id="rId4"/>
+              <p:tags r:id="rId3"/>
             </p:custDataLst>
           </p:nvPr>
         </p:nvSpPr>
@@ -8186,13 +7817,6 @@
               </a:rPr>
               <a:t>Map&amp;Reduce</a:t>
             </a:r>
-            <a:endParaRPr lang="en-US" altLang="zh-CN" b="1">
-              <a:solidFill>
-                <a:srgbClr val="FF0000"/>
-              </a:solidFill>
-              <a:latin typeface="Calibri" panose="020F0502020204030204" charset="0"/>
-              <a:cs typeface="Calibri" panose="020F0502020204030204" charset="0"/>
-            </a:endParaRPr>
           </a:p>
           <a:p>
             <a:r>
@@ -8205,13 +7829,6 @@
               </a:rPr>
               <a:t>Machine Learning</a:t>
             </a:r>
-            <a:endParaRPr lang="en-US" altLang="zh-CN" b="1">
-              <a:solidFill>
-                <a:srgbClr val="FF0000"/>
-              </a:solidFill>
-              <a:latin typeface="Calibri" panose="020F0502020204030204" charset="0"/>
-              <a:cs typeface="Calibri" panose="020F0502020204030204" charset="0"/>
-            </a:endParaRPr>
           </a:p>
         </p:txBody>
       </p:sp>
@@ -8221,7 +7838,7 @@
           <p:cNvCxnSpPr/>
           <p:nvPr>
             <p:custDataLst>
-              <p:tags r:id="rId5"/>
+              <p:tags r:id="rId4"/>
             </p:custDataLst>
           </p:nvPr>
         </p:nvCxnSpPr>
@@ -8288,13 +7905,6 @@
               </a:rPr>
               <a:t>Update to the database on cloud</a:t>
             </a:r>
-            <a:endParaRPr lang="en-US" altLang="zh-CN" b="1">
-              <a:solidFill>
-                <a:srgbClr val="FF0000"/>
-              </a:solidFill>
-              <a:latin typeface="Calibri" panose="020F0502020204030204" charset="0"/>
-              <a:cs typeface="Calibri" panose="020F0502020204030204" charset="0"/>
-            </a:endParaRPr>
           </a:p>
         </p:txBody>
       </p:sp>
@@ -8304,7 +7914,7 @@
           <p:cNvCxnSpPr/>
           <p:nvPr>
             <p:custDataLst>
-              <p:tags r:id="rId6"/>
+              <p:tags r:id="rId5"/>
             </p:custDataLst>
           </p:nvPr>
         </p:nvCxnSpPr>
@@ -8371,6 +7981,8 @@
               </a:rPr>
               <a:t>Keep Running in the background</a:t>
             </a:r>
+          </a:p>
+          <a:p>
             <a:endParaRPr lang="en-US" altLang="zh-CN" b="1">
               <a:solidFill>
                 <a:srgbClr val="FF0000"/>
@@ -8380,15 +7992,6 @@
             </a:endParaRPr>
           </a:p>
           <a:p>
-            <a:endParaRPr lang="en-US" altLang="zh-CN" b="1">
-              <a:solidFill>
-                <a:srgbClr val="FF0000"/>
-              </a:solidFill>
-              <a:latin typeface="Calibri" panose="020F0502020204030204" charset="0"/>
-              <a:cs typeface="Calibri" panose="020F0502020204030204" charset="0"/>
-            </a:endParaRPr>
-          </a:p>
-          <a:p>
             <a:r>
               <a:rPr lang="en-US" altLang="zh-CN" b="1">
                 <a:solidFill>
@@ -8399,13 +8002,6 @@
               </a:rPr>
               <a:t>Download and process every 5 mins</a:t>
             </a:r>
-            <a:endParaRPr lang="en-US" altLang="zh-CN" b="1">
-              <a:solidFill>
-                <a:srgbClr val="FF0000"/>
-              </a:solidFill>
-              <a:latin typeface="Calibri" panose="020F0502020204030204" charset="0"/>
-              <a:cs typeface="Calibri" panose="020F0502020204030204" charset="0"/>
-            </a:endParaRPr>
           </a:p>
         </p:txBody>
       </p:sp>
@@ -8415,7 +8011,7 @@
           <p:cNvSpPr txBox="1"/>
           <p:nvPr>
             <p:custDataLst>
-              <p:tags r:id="rId7"/>
+              <p:tags r:id="rId6"/>
             </p:custDataLst>
           </p:nvPr>
         </p:nvSpPr>
@@ -8445,13 +8041,6 @@
               </a:rPr>
               <a:t>Users interact with Web UI</a:t>
             </a:r>
-            <a:endParaRPr lang="en-US" altLang="zh-CN" b="1">
-              <a:solidFill>
-                <a:srgbClr val="FF0000"/>
-              </a:solidFill>
-              <a:latin typeface="Calibri" panose="020F0502020204030204" charset="0"/>
-              <a:cs typeface="Calibri" panose="020F0502020204030204" charset="0"/>
-            </a:endParaRPr>
           </a:p>
         </p:txBody>
       </p:sp>
@@ -8461,7 +8050,7 @@
           <p:cNvCxnSpPr/>
           <p:nvPr>
             <p:custDataLst>
-              <p:tags r:id="rId8"/>
+              <p:tags r:id="rId7"/>
             </p:custDataLst>
           </p:nvPr>
         </p:nvCxnSpPr>
@@ -8502,7 +8091,7 @@
           <p:cNvSpPr txBox="1"/>
           <p:nvPr>
             <p:custDataLst>
-              <p:tags r:id="rId9"/>
+              <p:tags r:id="rId8"/>
             </p:custDataLst>
           </p:nvPr>
         </p:nvSpPr>
@@ -8520,6 +8109,7 @@
           <a:bodyPr wrap="square" rtlCol="0">
             <a:spAutoFit/>
           </a:bodyPr>
+          <a:lstStyle/>
           <a:p>
             <a:r>
               <a:rPr lang="en-US" altLang="zh-CN"/>
@@ -8538,16 +8128,6 @@
               </a:rPr>
               <a:t>14 Jul</a:t>
             </a:r>
-            <a:endParaRPr lang="en-US" altLang="zh-CN" sz="2000">
-              <a:solidFill>
-                <a:schemeClr val="tx1">
-                  <a:lumMod val="50000"/>
-                  <a:lumOff val="50000"/>
-                </a:schemeClr>
-              </a:solidFill>
-              <a:latin typeface="Calibri" panose="020F0502020204030204" charset="0"/>
-              <a:cs typeface="Calibri" panose="020F0502020204030204" charset="0"/>
-            </a:endParaRPr>
           </a:p>
         </p:txBody>
       </p:sp>
@@ -8665,13 +8245,6 @@
               </a:rPr>
               <a:t>Cloud Architecture</a:t>
             </a:r>
-            <a:endParaRPr lang="en-US" altLang="zh-CN" sz="4800">
-              <a:solidFill>
-                <a:schemeClr val="tx1"/>
-              </a:solidFill>
-              <a:latin typeface="Calibri" panose="020F0502020204030204" charset="0"/>
-              <a:cs typeface="Calibri" panose="020F0502020204030204" charset="0"/>
-            </a:endParaRPr>
           </a:p>
         </p:txBody>
       </p:sp>
@@ -8740,6 +8313,7 @@
           <a:p>
             <a:fld id="{FDAFAA84-93FD-4C2C-AE46-F7D42BEF3958}" type="slidenum">
               <a:rPr lang="en-GB"/>
+              <a:t>19</a:t>
             </a:fld>
             <a:endParaRPr lang="en-GB" sz="1600">
               <a:solidFill>
@@ -8762,7 +8336,7 @@
           </p:nvPr>
         </p:nvPicPr>
         <p:blipFill>
-          <a:blip r:embed="rId2">
+          <a:blip r:embed="rId11">
             <a:clrChange>
               <a:clrFrom>
                 <a:srgbClr val="FFFFFF">
@@ -8831,13 +8405,6 @@
               </a:rPr>
               <a:t>Download</a:t>
             </a:r>
-            <a:endParaRPr lang="en-US" altLang="zh-CN" b="1">
-              <a:solidFill>
-                <a:srgbClr val="FF0000"/>
-              </a:solidFill>
-              <a:latin typeface="Calibri" panose="020F0502020204030204" charset="0"/>
-              <a:cs typeface="Calibri" panose="020F0502020204030204" charset="0"/>
-            </a:endParaRPr>
           </a:p>
         </p:txBody>
       </p:sp>
@@ -8912,13 +8479,6 @@
               </a:rPr>
               <a:t>Store Images</a:t>
             </a:r>
-            <a:endParaRPr lang="en-US" altLang="zh-CN" b="1">
-              <a:solidFill>
-                <a:srgbClr val="FF0000"/>
-              </a:solidFill>
-              <a:latin typeface="Calibri" panose="020F0502020204030204" charset="0"/>
-              <a:cs typeface="Calibri" panose="020F0502020204030204" charset="0"/>
-            </a:endParaRPr>
           </a:p>
         </p:txBody>
       </p:sp>
@@ -8928,7 +8488,7 @@
           <p:cNvCxnSpPr/>
           <p:nvPr>
             <p:custDataLst>
-              <p:tags r:id="rId3"/>
+              <p:tags r:id="rId2"/>
             </p:custDataLst>
           </p:nvPr>
         </p:nvCxnSpPr>
@@ -8969,7 +8529,7 @@
           <p:cNvSpPr txBox="1"/>
           <p:nvPr>
             <p:custDataLst>
-              <p:tags r:id="rId4"/>
+              <p:tags r:id="rId3"/>
             </p:custDataLst>
           </p:nvPr>
         </p:nvSpPr>
@@ -8999,13 +8559,6 @@
               </a:rPr>
               <a:t>Map&amp;Reduce</a:t>
             </a:r>
-            <a:endParaRPr lang="en-US" altLang="zh-CN" b="1">
-              <a:solidFill>
-                <a:srgbClr val="FF0000"/>
-              </a:solidFill>
-              <a:latin typeface="Calibri" panose="020F0502020204030204" charset="0"/>
-              <a:cs typeface="Calibri" panose="020F0502020204030204" charset="0"/>
-            </a:endParaRPr>
           </a:p>
           <a:p>
             <a:r>
@@ -9018,13 +8571,6 @@
               </a:rPr>
               <a:t>Machine Learning</a:t>
             </a:r>
-            <a:endParaRPr lang="en-US" altLang="zh-CN" b="1">
-              <a:solidFill>
-                <a:srgbClr val="FF0000"/>
-              </a:solidFill>
-              <a:latin typeface="Calibri" panose="020F0502020204030204" charset="0"/>
-              <a:cs typeface="Calibri" panose="020F0502020204030204" charset="0"/>
-            </a:endParaRPr>
           </a:p>
         </p:txBody>
       </p:sp>
@@ -9034,7 +8580,7 @@
           <p:cNvCxnSpPr/>
           <p:nvPr>
             <p:custDataLst>
-              <p:tags r:id="rId5"/>
+              <p:tags r:id="rId4"/>
             </p:custDataLst>
           </p:nvPr>
         </p:nvCxnSpPr>
@@ -9101,13 +8647,6 @@
               </a:rPr>
               <a:t>Update to the database on cloud</a:t>
             </a:r>
-            <a:endParaRPr lang="en-US" altLang="zh-CN" b="1">
-              <a:solidFill>
-                <a:srgbClr val="FF0000"/>
-              </a:solidFill>
-              <a:latin typeface="Calibri" panose="020F0502020204030204" charset="0"/>
-              <a:cs typeface="Calibri" panose="020F0502020204030204" charset="0"/>
-            </a:endParaRPr>
           </a:p>
         </p:txBody>
       </p:sp>
@@ -9117,7 +8656,7 @@
           <p:cNvCxnSpPr/>
           <p:nvPr>
             <p:custDataLst>
-              <p:tags r:id="rId6"/>
+              <p:tags r:id="rId5"/>
             </p:custDataLst>
           </p:nvPr>
         </p:nvCxnSpPr>
@@ -9184,6 +8723,8 @@
               </a:rPr>
               <a:t>Keep Running in the background</a:t>
             </a:r>
+          </a:p>
+          <a:p>
             <a:endParaRPr lang="en-US" altLang="zh-CN" b="1">
               <a:solidFill>
                 <a:srgbClr val="FF0000"/>
@@ -9193,15 +8734,6 @@
             </a:endParaRPr>
           </a:p>
           <a:p>
-            <a:endParaRPr lang="en-US" altLang="zh-CN" b="1">
-              <a:solidFill>
-                <a:srgbClr val="FF0000"/>
-              </a:solidFill>
-              <a:latin typeface="Calibri" panose="020F0502020204030204" charset="0"/>
-              <a:cs typeface="Calibri" panose="020F0502020204030204" charset="0"/>
-            </a:endParaRPr>
-          </a:p>
-          <a:p>
             <a:r>
               <a:rPr lang="en-US" altLang="zh-CN" b="1">
                 <a:solidFill>
@@ -9212,13 +8744,6 @@
               </a:rPr>
               <a:t>Download and process every 5 mins</a:t>
             </a:r>
-            <a:endParaRPr lang="en-US" altLang="zh-CN" b="1">
-              <a:solidFill>
-                <a:srgbClr val="FF0000"/>
-              </a:solidFill>
-              <a:latin typeface="Calibri" panose="020F0502020204030204" charset="0"/>
-              <a:cs typeface="Calibri" panose="020F0502020204030204" charset="0"/>
-            </a:endParaRPr>
           </a:p>
         </p:txBody>
       </p:sp>
@@ -9228,7 +8753,7 @@
           <p:cNvSpPr txBox="1"/>
           <p:nvPr>
             <p:custDataLst>
-              <p:tags r:id="rId7"/>
+              <p:tags r:id="rId6"/>
             </p:custDataLst>
           </p:nvPr>
         </p:nvSpPr>
@@ -9258,13 +8783,6 @@
               </a:rPr>
               <a:t>Users interact with Web UI</a:t>
             </a:r>
-            <a:endParaRPr lang="en-US" altLang="zh-CN" b="1">
-              <a:solidFill>
-                <a:srgbClr val="FF0000"/>
-              </a:solidFill>
-              <a:latin typeface="Calibri" panose="020F0502020204030204" charset="0"/>
-              <a:cs typeface="Calibri" panose="020F0502020204030204" charset="0"/>
-            </a:endParaRPr>
           </a:p>
         </p:txBody>
       </p:sp>
@@ -9274,7 +8792,7 @@
           <p:cNvCxnSpPr/>
           <p:nvPr>
             <p:custDataLst>
-              <p:tags r:id="rId8"/>
+              <p:tags r:id="rId7"/>
             </p:custDataLst>
           </p:nvPr>
         </p:nvCxnSpPr>
@@ -9315,7 +8833,7 @@
           <p:cNvCxnSpPr/>
           <p:nvPr>
             <p:custDataLst>
-              <p:tags r:id="rId9"/>
+              <p:tags r:id="rId8"/>
             </p:custDataLst>
           </p:nvPr>
         </p:nvCxnSpPr>
@@ -9382,13 +8900,6 @@
               </a:rPr>
               <a:t>send HTTP request</a:t>
             </a:r>
-            <a:endParaRPr lang="en-US" altLang="zh-CN" b="1">
-              <a:solidFill>
-                <a:srgbClr val="FF0000"/>
-              </a:solidFill>
-              <a:latin typeface="Calibri" panose="020F0502020204030204" charset="0"/>
-              <a:cs typeface="Calibri" panose="020F0502020204030204" charset="0"/>
-            </a:endParaRPr>
           </a:p>
         </p:txBody>
       </p:sp>
@@ -9398,7 +8909,7 @@
           <p:cNvSpPr txBox="1"/>
           <p:nvPr>
             <p:custDataLst>
-              <p:tags r:id="rId10"/>
+              <p:tags r:id="rId9"/>
             </p:custDataLst>
           </p:nvPr>
         </p:nvSpPr>
@@ -9416,6 +8927,7 @@
           <a:bodyPr wrap="square" rtlCol="0">
             <a:spAutoFit/>
           </a:bodyPr>
+          <a:lstStyle/>
           <a:p>
             <a:r>
               <a:rPr lang="en-US" altLang="zh-CN"/>
@@ -9434,16 +8946,6 @@
               </a:rPr>
               <a:t>14 Jul</a:t>
             </a:r>
-            <a:endParaRPr lang="en-US" altLang="zh-CN" sz="2000">
-              <a:solidFill>
-                <a:schemeClr val="tx1">
-                  <a:lumMod val="50000"/>
-                  <a:lumOff val="50000"/>
-                </a:schemeClr>
-              </a:solidFill>
-              <a:latin typeface="Calibri" panose="020F0502020204030204" charset="0"/>
-              <a:cs typeface="Calibri" panose="020F0502020204030204" charset="0"/>
-            </a:endParaRPr>
           </a:p>
         </p:txBody>
       </p:sp>
@@ -9503,13 +9005,6 @@
               </a:rPr>
               <a:t>Outline</a:t>
             </a:r>
-            <a:endParaRPr lang="en-US" altLang="zh-CN" sz="4800">
-              <a:solidFill>
-                <a:schemeClr val="tx1"/>
-              </a:solidFill>
-              <a:latin typeface="Calibri" panose="020F0502020204030204" charset="0"/>
-              <a:cs typeface="Calibri" panose="020F0502020204030204" charset="0"/>
-            </a:endParaRPr>
           </a:p>
         </p:txBody>
       </p:sp>
@@ -9547,9 +9042,62 @@
               </a:rPr>
               <a:t>Overview</a:t>
             </a:r>
-            <a:endParaRPr lang="en-US" altLang="zh-CN" sz="2800">
+          </a:p>
+          <a:p>
+            <a:pPr>
+              <a:buFont typeface="Arial" panose="020B0604020202020204" pitchFamily="34" charset="0"/>
+              <a:buChar char="•"/>
+            </a:pPr>
+            <a:r>
+              <a:rPr lang="en-US" altLang="zh-CN" sz="2800">
+                <a:solidFill>
+                  <a:schemeClr val="tx1"/>
+                </a:solidFill>
+                <a:latin typeface="Calibri" panose="020F0502020204030204" charset="0"/>
+                <a:ea typeface="宋体" panose="02010600030101010101" pitchFamily="2" charset="-122"/>
+                <a:cs typeface="Calibri" panose="020F0502020204030204" charset="0"/>
+              </a:rPr>
+              <a:t>UI Design Diagram</a:t>
+            </a:r>
+          </a:p>
+          <a:p>
+            <a:pPr marL="342900" lvl="0" indent="-342900">
+              <a:buFont typeface="Arial" panose="020B0604020202020204" pitchFamily="34" charset="0"/>
+              <a:buChar char="•"/>
+            </a:pPr>
+            <a:r>
+              <a:rPr lang="en-US" altLang="zh-CN" sz="2800">
+                <a:solidFill>
+                  <a:schemeClr val="tx1"/>
+                </a:solidFill>
+                <a:latin typeface="Calibri" panose="020F0502020204030204" charset="0"/>
+                <a:ea typeface="宋体" panose="02010600030101010101" pitchFamily="2" charset="-122"/>
+                <a:cs typeface="Calibri" panose="020F0502020204030204" charset="0"/>
+                <a:sym typeface="+mn-ea"/>
+              </a:rPr>
+              <a:t>Image Processing</a:t>
+            </a:r>
+          </a:p>
+          <a:p>
+            <a:pPr marL="800100" lvl="1" indent="-342900">
+              <a:buFont typeface="Arial" panose="020B0604020202020204" pitchFamily="34" charset="0"/>
+              <a:buChar char="•"/>
+            </a:pPr>
+            <a:r>
+              <a:rPr lang="en-US" altLang="zh-CN" sz="2800" b="1">
+                <a:solidFill>
+                  <a:schemeClr val="tx1"/>
+                </a:solidFill>
+                <a:latin typeface="Calibri" panose="020F0502020204030204" charset="0"/>
+                <a:ea typeface="宋体" panose="02010600030101010101" pitchFamily="2" charset="-122"/>
+                <a:cs typeface="Calibri" panose="020F0502020204030204" charset="0"/>
+                <a:sym typeface="+mn-ea"/>
+              </a:rPr>
+              <a:t>Car Detection</a:t>
+            </a:r>
+            <a:endParaRPr lang="en-US" altLang="zh-CN" sz="2800" b="1">
               <a:solidFill>
-                <a:srgbClr val="FF0000"/>
+                <a:schemeClr val="tx1"/>
               </a:solidFill>
               <a:latin typeface="Calibri" panose="020F0502020204030204" charset="0"/>
               <a:ea typeface="宋体" panose="02010600030101010101" pitchFamily="2" charset="-122"/>
@@ -9557,20 +9105,21 @@
             </a:endParaRPr>
           </a:p>
           <a:p>
-            <a:pPr>
+            <a:pPr marL="800100" lvl="1" indent="-342900">
               <a:buFont typeface="Arial" panose="020B0604020202020204" pitchFamily="34" charset="0"/>
               <a:buChar char="•"/>
             </a:pPr>
             <a:r>
-              <a:rPr lang="en-US" altLang="zh-CN" sz="2800">
+              <a:rPr lang="en-US" altLang="zh-CN" sz="2800" b="1">
                 <a:solidFill>
                   <a:schemeClr val="tx1"/>
                 </a:solidFill>
                 <a:latin typeface="Calibri" panose="020F0502020204030204" charset="0"/>
                 <a:ea typeface="宋体" panose="02010600030101010101" pitchFamily="2" charset="-122"/>
                 <a:cs typeface="Calibri" panose="020F0502020204030204" charset="0"/>
-              </a:rPr>
-              <a:t>UI Design Diagram</a:t>
+                <a:sym typeface="+mn-ea"/>
+              </a:rPr>
+              <a:t>SQL</a:t>
             </a:r>
             <a:endParaRPr lang="en-US" altLang="zh-CN" sz="2800">
               <a:solidFill>
@@ -9582,85 +9131,6 @@
             </a:endParaRPr>
           </a:p>
           <a:p>
-            <a:pPr marL="342900" lvl="0" indent="-342900">
-              <a:buFont typeface="Arial" panose="020B0604020202020204" pitchFamily="34" charset="0"/>
-              <a:buChar char="•"/>
-            </a:pPr>
-            <a:r>
-              <a:rPr lang="en-US" altLang="zh-CN" sz="2800">
-                <a:solidFill>
-                  <a:schemeClr val="tx1"/>
-                </a:solidFill>
-                <a:latin typeface="Calibri" panose="020F0502020204030204" charset="0"/>
-                <a:ea typeface="宋体" panose="02010600030101010101" pitchFamily="2" charset="-122"/>
-                <a:cs typeface="Calibri" panose="020F0502020204030204" charset="0"/>
-                <a:sym typeface="+mn-ea"/>
-              </a:rPr>
-              <a:t>Image Processing</a:t>
-            </a:r>
-            <a:endParaRPr lang="en-US" altLang="zh-CN" sz="2800">
-              <a:solidFill>
-                <a:schemeClr val="tx1"/>
-              </a:solidFill>
-              <a:latin typeface="Calibri" panose="020F0502020204030204" charset="0"/>
-              <a:ea typeface="宋体" panose="02010600030101010101" pitchFamily="2" charset="-122"/>
-              <a:cs typeface="Calibri" panose="020F0502020204030204" charset="0"/>
-              <a:sym typeface="+mn-ea"/>
-            </a:endParaRPr>
-          </a:p>
-          <a:p>
-            <a:pPr marL="800100" lvl="1" indent="-342900">
-              <a:buFont typeface="Arial" panose="020B0604020202020204" pitchFamily="34" charset="0"/>
-              <a:buChar char="•"/>
-            </a:pPr>
-            <a:r>
-              <a:rPr lang="en-US" altLang="zh-CN" sz="2800" b="1">
-                <a:solidFill>
-                  <a:schemeClr val="tx1"/>
-                </a:solidFill>
-                <a:latin typeface="Calibri" panose="020F0502020204030204" charset="0"/>
-                <a:ea typeface="宋体" panose="02010600030101010101" pitchFamily="2" charset="-122"/>
-                <a:cs typeface="Calibri" panose="020F0502020204030204" charset="0"/>
-                <a:sym typeface="+mn-ea"/>
-              </a:rPr>
-              <a:t>Car Detection</a:t>
-            </a:r>
-            <a:endParaRPr lang="en-US" altLang="zh-CN" sz="2800" b="1">
-              <a:solidFill>
-                <a:schemeClr val="tx1"/>
-              </a:solidFill>
-              <a:latin typeface="Calibri" panose="020F0502020204030204" charset="0"/>
-              <a:ea typeface="宋体" panose="02010600030101010101" pitchFamily="2" charset="-122"/>
-              <a:cs typeface="Calibri" panose="020F0502020204030204" charset="0"/>
-            </a:endParaRPr>
-          </a:p>
-          <a:p>
-            <a:pPr marL="800100" lvl="1" indent="-342900">
-              <a:buFont typeface="Arial" panose="020B0604020202020204" pitchFamily="34" charset="0"/>
-              <a:buChar char="•"/>
-            </a:pPr>
-            <a:r>
-              <a:rPr lang="en-US" altLang="zh-CN" sz="2800" b="1">
-                <a:solidFill>
-                  <a:schemeClr val="tx1"/>
-                </a:solidFill>
-                <a:latin typeface="Calibri" panose="020F0502020204030204" charset="0"/>
-                <a:ea typeface="宋体" panose="02010600030101010101" pitchFamily="2" charset="-122"/>
-                <a:cs typeface="Calibri" panose="020F0502020204030204" charset="0"/>
-                <a:sym typeface="+mn-ea"/>
-              </a:rPr>
-              <a:t>SQL</a:t>
-            </a:r>
-            <a:endParaRPr lang="en-US" altLang="zh-CN" sz="2800">
-              <a:solidFill>
-                <a:schemeClr val="tx1"/>
-              </a:solidFill>
-              <a:latin typeface="Calibri" panose="020F0502020204030204" charset="0"/>
-              <a:ea typeface="宋体" panose="02010600030101010101" pitchFamily="2" charset="-122"/>
-              <a:cs typeface="Calibri" panose="020F0502020204030204" charset="0"/>
-            </a:endParaRPr>
-          </a:p>
-          <a:p>
             <a:pPr>
               <a:buFont typeface="Arial" panose="020B0604020202020204" pitchFamily="34" charset="0"/>
               <a:buChar char="•"/>
@@ -9676,14 +9146,6 @@
               </a:rPr>
               <a:t>Cloud Architecture</a:t>
             </a:r>
-            <a:endParaRPr lang="en-US" altLang="zh-CN" sz="2800">
-              <a:solidFill>
-                <a:schemeClr val="tx1"/>
-              </a:solidFill>
-              <a:latin typeface="Calibri" panose="020F0502020204030204" charset="0"/>
-              <a:ea typeface="宋体" panose="02010600030101010101" pitchFamily="2" charset="-122"/>
-              <a:cs typeface="Calibri" panose="020F0502020204030204" charset="0"/>
-            </a:endParaRPr>
           </a:p>
           <a:p>
             <a:pPr marL="800100" lvl="1" indent="-342900">
@@ -9817,6 +9279,7 @@
           <a:p>
             <a:fld id="{FDAFAA84-93FD-4C2C-AE46-F7D42BEF3958}" type="slidenum">
               <a:rPr lang="en-GB"/>
+              <a:t>2</a:t>
             </a:fld>
             <a:endParaRPr lang="en-GB" sz="1600">
               <a:solidFill>
@@ -9846,6 +9309,7 @@
           <a:bodyPr wrap="square" rtlCol="0">
             <a:spAutoFit/>
           </a:bodyPr>
+          <a:lstStyle/>
           <a:p>
             <a:endParaRPr lang="zh-CN" altLang="en-US"/>
           </a:p>
@@ -9871,6 +9335,7 @@
           <a:bodyPr wrap="square" rtlCol="0">
             <a:spAutoFit/>
           </a:bodyPr>
+          <a:lstStyle/>
           <a:p>
             <a:r>
               <a:rPr lang="en-US" altLang="zh-CN"/>
@@ -9889,16 +9354,6 @@
               </a:rPr>
               <a:t>14 Jul</a:t>
             </a:r>
-            <a:endParaRPr lang="en-US" altLang="zh-CN" sz="2000">
-              <a:solidFill>
-                <a:schemeClr val="tx1">
-                  <a:lumMod val="50000"/>
-                  <a:lumOff val="50000"/>
-                </a:schemeClr>
-              </a:solidFill>
-              <a:latin typeface="Calibri" panose="020F0502020204030204" charset="0"/>
-              <a:cs typeface="Calibri" panose="020F0502020204030204" charset="0"/>
-            </a:endParaRPr>
           </a:p>
         </p:txBody>
       </p:sp>
@@ -10016,13 +9471,6 @@
               </a:rPr>
               <a:t>Cloud Architecture</a:t>
             </a:r>
-            <a:endParaRPr lang="en-US" altLang="zh-CN" sz="4800">
-              <a:solidFill>
-                <a:schemeClr val="tx1"/>
-              </a:solidFill>
-              <a:latin typeface="Calibri" panose="020F0502020204030204" charset="0"/>
-              <a:cs typeface="Calibri" panose="020F0502020204030204" charset="0"/>
-            </a:endParaRPr>
           </a:p>
         </p:txBody>
       </p:sp>
@@ -10091,6 +9539,7 @@
           <a:p>
             <a:fld id="{FDAFAA84-93FD-4C2C-AE46-F7D42BEF3958}" type="slidenum">
               <a:rPr lang="en-GB"/>
+              <a:t>20</a:t>
             </a:fld>
             <a:endParaRPr lang="en-GB" sz="1600">
               <a:solidFill>
@@ -10113,7 +9562,7 @@
           </p:nvPr>
         </p:nvPicPr>
         <p:blipFill>
-          <a:blip r:embed="rId2">
+          <a:blip r:embed="rId11">
             <a:clrChange>
               <a:clrFrom>
                 <a:srgbClr val="FFFFFF">
@@ -10182,13 +9631,6 @@
               </a:rPr>
               <a:t>Download</a:t>
             </a:r>
-            <a:endParaRPr lang="en-US" altLang="zh-CN" b="1">
-              <a:solidFill>
-                <a:srgbClr val="FF0000"/>
-              </a:solidFill>
-              <a:latin typeface="Calibri" panose="020F0502020204030204" charset="0"/>
-              <a:cs typeface="Calibri" panose="020F0502020204030204" charset="0"/>
-            </a:endParaRPr>
           </a:p>
         </p:txBody>
       </p:sp>
@@ -10263,13 +9705,6 @@
               </a:rPr>
               <a:t>Store Images</a:t>
             </a:r>
-            <a:endParaRPr lang="en-US" altLang="zh-CN" b="1">
-              <a:solidFill>
-                <a:srgbClr val="FF0000"/>
-              </a:solidFill>
-              <a:latin typeface="Calibri" panose="020F0502020204030204" charset="0"/>
-              <a:cs typeface="Calibri" panose="020F0502020204030204" charset="0"/>
-            </a:endParaRPr>
           </a:p>
         </p:txBody>
       </p:sp>
@@ -10279,7 +9714,7 @@
           <p:cNvCxnSpPr/>
           <p:nvPr>
             <p:custDataLst>
-              <p:tags r:id="rId3"/>
+              <p:tags r:id="rId2"/>
             </p:custDataLst>
           </p:nvPr>
         </p:nvCxnSpPr>
@@ -10320,7 +9755,7 @@
           <p:cNvSpPr txBox="1"/>
           <p:nvPr>
             <p:custDataLst>
-              <p:tags r:id="rId4"/>
+              <p:tags r:id="rId3"/>
             </p:custDataLst>
           </p:nvPr>
         </p:nvSpPr>
@@ -10350,13 +9785,6 @@
               </a:rPr>
               <a:t>Map&amp;Reduce</a:t>
             </a:r>
-            <a:endParaRPr lang="en-US" altLang="zh-CN" b="1">
-              <a:solidFill>
-                <a:srgbClr val="FF0000"/>
-              </a:solidFill>
-              <a:latin typeface="Calibri" panose="020F0502020204030204" charset="0"/>
-              <a:cs typeface="Calibri" panose="020F0502020204030204" charset="0"/>
-            </a:endParaRPr>
           </a:p>
           <a:p>
             <a:r>
@@ -10369,13 +9797,6 @@
               </a:rPr>
               <a:t>Machine Learning</a:t>
             </a:r>
-            <a:endParaRPr lang="en-US" altLang="zh-CN" b="1">
-              <a:solidFill>
-                <a:srgbClr val="FF0000"/>
-              </a:solidFill>
-              <a:latin typeface="Calibri" panose="020F0502020204030204" charset="0"/>
-              <a:cs typeface="Calibri" panose="020F0502020204030204" charset="0"/>
-            </a:endParaRPr>
           </a:p>
         </p:txBody>
       </p:sp>
@@ -10385,7 +9806,7 @@
           <p:cNvCxnSpPr/>
           <p:nvPr>
             <p:custDataLst>
-              <p:tags r:id="rId5"/>
+              <p:tags r:id="rId4"/>
             </p:custDataLst>
           </p:nvPr>
         </p:nvCxnSpPr>
@@ -10452,13 +9873,6 @@
               </a:rPr>
               <a:t>Update to the database on cloud</a:t>
             </a:r>
-            <a:endParaRPr lang="en-US" altLang="zh-CN" b="1">
-              <a:solidFill>
-                <a:srgbClr val="FF0000"/>
-              </a:solidFill>
-              <a:latin typeface="Calibri" panose="020F0502020204030204" charset="0"/>
-              <a:cs typeface="Calibri" panose="020F0502020204030204" charset="0"/>
-            </a:endParaRPr>
           </a:p>
         </p:txBody>
       </p:sp>
@@ -10468,7 +9882,7 @@
           <p:cNvCxnSpPr/>
           <p:nvPr>
             <p:custDataLst>
-              <p:tags r:id="rId6"/>
+              <p:tags r:id="rId5"/>
             </p:custDataLst>
           </p:nvPr>
         </p:nvCxnSpPr>
@@ -10535,6 +9949,8 @@
               </a:rPr>
               <a:t>Keep Running in the background</a:t>
             </a:r>
+          </a:p>
+          <a:p>
             <a:endParaRPr lang="en-US" altLang="zh-CN" b="1">
               <a:solidFill>
                 <a:srgbClr val="FF0000"/>
@@ -10544,15 +9960,6 @@
             </a:endParaRPr>
           </a:p>
           <a:p>
-            <a:endParaRPr lang="en-US" altLang="zh-CN" b="1">
-              <a:solidFill>
-                <a:srgbClr val="FF0000"/>
-              </a:solidFill>
-              <a:latin typeface="Calibri" panose="020F0502020204030204" charset="0"/>
-              <a:cs typeface="Calibri" panose="020F0502020204030204" charset="0"/>
-            </a:endParaRPr>
-          </a:p>
-          <a:p>
             <a:r>
               <a:rPr lang="en-US" altLang="zh-CN" b="1">
                 <a:solidFill>
@@ -10563,13 +9970,6 @@
               </a:rPr>
               <a:t>Download and process every 5 mins</a:t>
             </a:r>
-            <a:endParaRPr lang="en-US" altLang="zh-CN" b="1">
-              <a:solidFill>
-                <a:srgbClr val="FF0000"/>
-              </a:solidFill>
-              <a:latin typeface="Calibri" panose="020F0502020204030204" charset="0"/>
-              <a:cs typeface="Calibri" panose="020F0502020204030204" charset="0"/>
-            </a:endParaRPr>
           </a:p>
         </p:txBody>
       </p:sp>
@@ -10579,7 +9979,7 @@
           <p:cNvSpPr txBox="1"/>
           <p:nvPr>
             <p:custDataLst>
-              <p:tags r:id="rId7"/>
+              <p:tags r:id="rId6"/>
             </p:custDataLst>
           </p:nvPr>
         </p:nvSpPr>
@@ -10609,13 +10009,6 @@
               </a:rPr>
               <a:t>Users interact with Web UI</a:t>
             </a:r>
-            <a:endParaRPr lang="en-US" altLang="zh-CN" b="1">
-              <a:solidFill>
-                <a:srgbClr val="FF0000"/>
-              </a:solidFill>
-              <a:latin typeface="Calibri" panose="020F0502020204030204" charset="0"/>
-              <a:cs typeface="Calibri" panose="020F0502020204030204" charset="0"/>
-            </a:endParaRPr>
           </a:p>
         </p:txBody>
       </p:sp>
@@ -10625,7 +10018,7 @@
           <p:cNvCxnSpPr/>
           <p:nvPr>
             <p:custDataLst>
-              <p:tags r:id="rId8"/>
+              <p:tags r:id="rId7"/>
             </p:custDataLst>
           </p:nvPr>
         </p:nvCxnSpPr>
@@ -10666,7 +10059,7 @@
           <p:cNvCxnSpPr/>
           <p:nvPr>
             <p:custDataLst>
-              <p:tags r:id="rId9"/>
+              <p:tags r:id="rId8"/>
             </p:custDataLst>
           </p:nvPr>
         </p:nvCxnSpPr>
@@ -10733,13 +10126,6 @@
               </a:rPr>
               <a:t>send HTTP request</a:t>
             </a:r>
-            <a:endParaRPr lang="en-US" altLang="zh-CN" b="1">
-              <a:solidFill>
-                <a:srgbClr val="FF0000"/>
-              </a:solidFill>
-              <a:latin typeface="Calibri" panose="020F0502020204030204" charset="0"/>
-              <a:cs typeface="Calibri" panose="020F0502020204030204" charset="0"/>
-            </a:endParaRPr>
           </a:p>
         </p:txBody>
       </p:sp>
@@ -10832,13 +10218,6 @@
               </a:rPr>
               <a:t>parse HTTP request</a:t>
             </a:r>
-            <a:endParaRPr lang="en-US" altLang="zh-CN" b="1">
-              <a:solidFill>
-                <a:srgbClr val="FF0000"/>
-              </a:solidFill>
-              <a:latin typeface="Calibri" panose="020F0502020204030204" charset="0"/>
-              <a:cs typeface="Calibri" panose="020F0502020204030204" charset="0"/>
-            </a:endParaRPr>
           </a:p>
         </p:txBody>
       </p:sp>
@@ -10848,7 +10227,7 @@
           <p:cNvSpPr txBox="1"/>
           <p:nvPr>
             <p:custDataLst>
-              <p:tags r:id="rId10"/>
+              <p:tags r:id="rId9"/>
             </p:custDataLst>
           </p:nvPr>
         </p:nvSpPr>
@@ -10866,6 +10245,7 @@
           <a:bodyPr wrap="square" rtlCol="0">
             <a:spAutoFit/>
           </a:bodyPr>
+          <a:lstStyle/>
           <a:p>
             <a:r>
               <a:rPr lang="en-US" altLang="zh-CN"/>
@@ -10884,16 +10264,6 @@
               </a:rPr>
               <a:t>14 Jul</a:t>
             </a:r>
-            <a:endParaRPr lang="en-US" altLang="zh-CN" sz="2000">
-              <a:solidFill>
-                <a:schemeClr val="tx1">
-                  <a:lumMod val="50000"/>
-                  <a:lumOff val="50000"/>
-                </a:schemeClr>
-              </a:solidFill>
-              <a:latin typeface="Calibri" panose="020F0502020204030204" charset="0"/>
-              <a:cs typeface="Calibri" panose="020F0502020204030204" charset="0"/>
-            </a:endParaRPr>
           </a:p>
         </p:txBody>
       </p:sp>
@@ -11011,13 +10381,6 @@
               </a:rPr>
               <a:t>Cloud Architecture</a:t>
             </a:r>
-            <a:endParaRPr lang="en-US" altLang="zh-CN" sz="4800">
-              <a:solidFill>
-                <a:schemeClr val="tx1"/>
-              </a:solidFill>
-              <a:latin typeface="Calibri" panose="020F0502020204030204" charset="0"/>
-              <a:cs typeface="Calibri" panose="020F0502020204030204" charset="0"/>
-            </a:endParaRPr>
           </a:p>
         </p:txBody>
       </p:sp>
@@ -11086,6 +10449,7 @@
           <a:p>
             <a:fld id="{FDAFAA84-93FD-4C2C-AE46-F7D42BEF3958}" type="slidenum">
               <a:rPr lang="en-GB"/>
+              <a:t>21</a:t>
             </a:fld>
             <a:endParaRPr lang="en-GB" sz="1600">
               <a:solidFill>
@@ -11108,7 +10472,7 @@
           </p:nvPr>
         </p:nvPicPr>
         <p:blipFill>
-          <a:blip r:embed="rId2">
+          <a:blip r:embed="rId12">
             <a:clrChange>
               <a:clrFrom>
                 <a:srgbClr val="FFFFFF">
@@ -11177,13 +10541,6 @@
               </a:rPr>
               <a:t>Download</a:t>
             </a:r>
-            <a:endParaRPr lang="en-US" altLang="zh-CN" b="1">
-              <a:solidFill>
-                <a:srgbClr val="FF0000"/>
-              </a:solidFill>
-              <a:latin typeface="Calibri" panose="020F0502020204030204" charset="0"/>
-              <a:cs typeface="Calibri" panose="020F0502020204030204" charset="0"/>
-            </a:endParaRPr>
           </a:p>
         </p:txBody>
       </p:sp>
@@ -11258,13 +10615,6 @@
               </a:rPr>
               <a:t>Store Images</a:t>
             </a:r>
-            <a:endParaRPr lang="en-US" altLang="zh-CN" b="1">
-              <a:solidFill>
-                <a:srgbClr val="FF0000"/>
-              </a:solidFill>
-              <a:latin typeface="Calibri" panose="020F0502020204030204" charset="0"/>
-              <a:cs typeface="Calibri" panose="020F0502020204030204" charset="0"/>
-            </a:endParaRPr>
           </a:p>
         </p:txBody>
       </p:sp>
@@ -11274,7 +10624,7 @@
           <p:cNvCxnSpPr/>
           <p:nvPr>
             <p:custDataLst>
-              <p:tags r:id="rId3"/>
+              <p:tags r:id="rId2"/>
             </p:custDataLst>
           </p:nvPr>
         </p:nvCxnSpPr>
@@ -11315,7 +10665,7 @@
           <p:cNvSpPr txBox="1"/>
           <p:nvPr>
             <p:custDataLst>
-              <p:tags r:id="rId4"/>
+              <p:tags r:id="rId3"/>
             </p:custDataLst>
           </p:nvPr>
         </p:nvSpPr>
@@ -11345,13 +10695,6 @@
               </a:rPr>
               <a:t>Map&amp;Reduce</a:t>
             </a:r>
-            <a:endParaRPr lang="en-US" altLang="zh-CN" b="1">
-              <a:solidFill>
-                <a:srgbClr val="FF0000"/>
-              </a:solidFill>
-              <a:latin typeface="Calibri" panose="020F0502020204030204" charset="0"/>
-              <a:cs typeface="Calibri" panose="020F0502020204030204" charset="0"/>
-            </a:endParaRPr>
           </a:p>
           <a:p>
             <a:r>
@@ -11364,13 +10707,6 @@
               </a:rPr>
               <a:t>Machine Learning</a:t>
             </a:r>
-            <a:endParaRPr lang="en-US" altLang="zh-CN" b="1">
-              <a:solidFill>
-                <a:srgbClr val="FF0000"/>
-              </a:solidFill>
-              <a:latin typeface="Calibri" panose="020F0502020204030204" charset="0"/>
-              <a:cs typeface="Calibri" panose="020F0502020204030204" charset="0"/>
-            </a:endParaRPr>
           </a:p>
         </p:txBody>
       </p:sp>
@@ -11380,7 +10716,7 @@
           <p:cNvCxnSpPr/>
           <p:nvPr>
             <p:custDataLst>
-              <p:tags r:id="rId5"/>
+              <p:tags r:id="rId4"/>
             </p:custDataLst>
           </p:nvPr>
         </p:nvCxnSpPr>
@@ -11447,13 +10783,6 @@
               </a:rPr>
               <a:t>Update to the database on cloud</a:t>
             </a:r>
-            <a:endParaRPr lang="en-US" altLang="zh-CN" b="1">
-              <a:solidFill>
-                <a:srgbClr val="FF0000"/>
-              </a:solidFill>
-              <a:latin typeface="Calibri" panose="020F0502020204030204" charset="0"/>
-              <a:cs typeface="Calibri" panose="020F0502020204030204" charset="0"/>
-            </a:endParaRPr>
           </a:p>
         </p:txBody>
       </p:sp>
@@ -11463,7 +10792,7 @@
           <p:cNvCxnSpPr/>
           <p:nvPr>
             <p:custDataLst>
-              <p:tags r:id="rId6"/>
+              <p:tags r:id="rId5"/>
             </p:custDataLst>
           </p:nvPr>
         </p:nvCxnSpPr>
@@ -11530,6 +10859,8 @@
               </a:rPr>
               <a:t>Keep Running in the background</a:t>
             </a:r>
+          </a:p>
+          <a:p>
             <a:endParaRPr lang="en-US" altLang="zh-CN" b="1">
               <a:solidFill>
                 <a:srgbClr val="FF0000"/>
@@ -11539,15 +10870,6 @@
             </a:endParaRPr>
           </a:p>
           <a:p>
-            <a:endParaRPr lang="en-US" altLang="zh-CN" b="1">
-              <a:solidFill>
-                <a:srgbClr val="FF0000"/>
-              </a:solidFill>
-              <a:latin typeface="Calibri" panose="020F0502020204030204" charset="0"/>
-              <a:cs typeface="Calibri" panose="020F0502020204030204" charset="0"/>
-            </a:endParaRPr>
-          </a:p>
-          <a:p>
             <a:r>
               <a:rPr lang="en-US" altLang="zh-CN" b="1">
                 <a:solidFill>
@@ -11558,13 +10880,6 @@
               </a:rPr>
               <a:t>Download and process every 5 mins</a:t>
             </a:r>
-            <a:endParaRPr lang="en-US" altLang="zh-CN" b="1">
-              <a:solidFill>
-                <a:srgbClr val="FF0000"/>
-              </a:solidFill>
-              <a:latin typeface="Calibri" panose="020F0502020204030204" charset="0"/>
-              <a:cs typeface="Calibri" panose="020F0502020204030204" charset="0"/>
-            </a:endParaRPr>
           </a:p>
         </p:txBody>
       </p:sp>
@@ -11574,7 +10889,7 @@
           <p:cNvSpPr txBox="1"/>
           <p:nvPr>
             <p:custDataLst>
-              <p:tags r:id="rId7"/>
+              <p:tags r:id="rId6"/>
             </p:custDataLst>
           </p:nvPr>
         </p:nvSpPr>
@@ -11604,13 +10919,6 @@
               </a:rPr>
               <a:t>Users interact with Web UI</a:t>
             </a:r>
-            <a:endParaRPr lang="en-US" altLang="zh-CN" b="1">
-              <a:solidFill>
-                <a:srgbClr val="FF0000"/>
-              </a:solidFill>
-              <a:latin typeface="Calibri" panose="020F0502020204030204" charset="0"/>
-              <a:cs typeface="Calibri" panose="020F0502020204030204" charset="0"/>
-            </a:endParaRPr>
           </a:p>
         </p:txBody>
       </p:sp>
@@ -11620,7 +10928,7 @@
           <p:cNvCxnSpPr/>
           <p:nvPr>
             <p:custDataLst>
-              <p:tags r:id="rId8"/>
+              <p:tags r:id="rId7"/>
             </p:custDataLst>
           </p:nvPr>
         </p:nvCxnSpPr>
@@ -11661,7 +10969,7 @@
           <p:cNvCxnSpPr/>
           <p:nvPr>
             <p:custDataLst>
-              <p:tags r:id="rId9"/>
+              <p:tags r:id="rId8"/>
             </p:custDataLst>
           </p:nvPr>
         </p:nvCxnSpPr>
@@ -11728,13 +11036,6 @@
               </a:rPr>
               <a:t>send HTTP request</a:t>
             </a:r>
-            <a:endParaRPr lang="en-US" altLang="zh-CN" b="1">
-              <a:solidFill>
-                <a:srgbClr val="FF0000"/>
-              </a:solidFill>
-              <a:latin typeface="Calibri" panose="020F0502020204030204" charset="0"/>
-              <a:cs typeface="Calibri" panose="020F0502020204030204" charset="0"/>
-            </a:endParaRPr>
           </a:p>
         </p:txBody>
       </p:sp>
@@ -11827,13 +11128,6 @@
               </a:rPr>
               <a:t>parse HTTP request</a:t>
             </a:r>
-            <a:endParaRPr lang="en-US" altLang="zh-CN" b="1">
-              <a:solidFill>
-                <a:srgbClr val="FF0000"/>
-              </a:solidFill>
-              <a:latin typeface="Calibri" panose="020F0502020204030204" charset="0"/>
-              <a:cs typeface="Calibri" panose="020F0502020204030204" charset="0"/>
-            </a:endParaRPr>
           </a:p>
         </p:txBody>
       </p:sp>
@@ -11843,7 +11137,7 @@
           <p:cNvCxnSpPr/>
           <p:nvPr>
             <p:custDataLst>
-              <p:tags r:id="rId10"/>
+              <p:tags r:id="rId9"/>
             </p:custDataLst>
           </p:nvPr>
         </p:nvCxnSpPr>
@@ -11910,13 +11204,6 @@
               </a:rPr>
               <a:t>request traffic info(MySQL)</a:t>
             </a:r>
-            <a:endParaRPr lang="en-US" altLang="zh-CN" b="1">
-              <a:solidFill>
-                <a:srgbClr val="FF0000"/>
-              </a:solidFill>
-              <a:latin typeface="Calibri" panose="020F0502020204030204" charset="0"/>
-              <a:cs typeface="Calibri" panose="020F0502020204030204" charset="0"/>
-            </a:endParaRPr>
           </a:p>
         </p:txBody>
       </p:sp>
@@ -11926,7 +11213,7 @@
           <p:cNvSpPr txBox="1"/>
           <p:nvPr>
             <p:custDataLst>
-              <p:tags r:id="rId11"/>
+              <p:tags r:id="rId10"/>
             </p:custDataLst>
           </p:nvPr>
         </p:nvSpPr>
@@ -11944,6 +11231,7 @@
           <a:bodyPr wrap="square" rtlCol="0">
             <a:spAutoFit/>
           </a:bodyPr>
+          <a:lstStyle/>
           <a:p>
             <a:r>
               <a:rPr lang="en-US" altLang="zh-CN"/>
@@ -11962,16 +11250,6 @@
               </a:rPr>
               <a:t>14 Jul</a:t>
             </a:r>
-            <a:endParaRPr lang="en-US" altLang="zh-CN" sz="2000">
-              <a:solidFill>
-                <a:schemeClr val="tx1">
-                  <a:lumMod val="50000"/>
-                  <a:lumOff val="50000"/>
-                </a:schemeClr>
-              </a:solidFill>
-              <a:latin typeface="Calibri" panose="020F0502020204030204" charset="0"/>
-              <a:cs typeface="Calibri" panose="020F0502020204030204" charset="0"/>
-            </a:endParaRPr>
           </a:p>
         </p:txBody>
       </p:sp>
@@ -12089,13 +11367,6 @@
               </a:rPr>
               <a:t>Cloud Architecture</a:t>
             </a:r>
-            <a:endParaRPr lang="en-US" altLang="zh-CN" sz="4800">
-              <a:solidFill>
-                <a:schemeClr val="tx1"/>
-              </a:solidFill>
-              <a:latin typeface="Calibri" panose="020F0502020204030204" charset="0"/>
-              <a:cs typeface="Calibri" panose="020F0502020204030204" charset="0"/>
-            </a:endParaRPr>
           </a:p>
         </p:txBody>
       </p:sp>
@@ -12164,6 +11435,7 @@
           <a:p>
             <a:fld id="{FDAFAA84-93FD-4C2C-AE46-F7D42BEF3958}" type="slidenum">
               <a:rPr lang="en-GB"/>
+              <a:t>22</a:t>
             </a:fld>
             <a:endParaRPr lang="en-GB" sz="1600">
               <a:solidFill>
@@ -12186,7 +11458,7 @@
           </p:nvPr>
         </p:nvPicPr>
         <p:blipFill>
-          <a:blip r:embed="rId2">
+          <a:blip r:embed="rId16">
             <a:clrChange>
               <a:clrFrom>
                 <a:srgbClr val="FFFFFF">
@@ -12255,13 +11527,6 @@
               </a:rPr>
               <a:t>Download</a:t>
             </a:r>
-            <a:endParaRPr lang="en-US" altLang="zh-CN" b="1">
-              <a:solidFill>
-                <a:srgbClr val="FF0000"/>
-              </a:solidFill>
-              <a:latin typeface="Calibri" panose="020F0502020204030204" charset="0"/>
-              <a:cs typeface="Calibri" panose="020F0502020204030204" charset="0"/>
-            </a:endParaRPr>
           </a:p>
         </p:txBody>
       </p:sp>
@@ -12336,13 +11601,6 @@
               </a:rPr>
               <a:t>Store Images</a:t>
             </a:r>
-            <a:endParaRPr lang="en-US" altLang="zh-CN" b="1">
-              <a:solidFill>
-                <a:srgbClr val="FF0000"/>
-              </a:solidFill>
-              <a:latin typeface="Calibri" panose="020F0502020204030204" charset="0"/>
-              <a:cs typeface="Calibri" panose="020F0502020204030204" charset="0"/>
-            </a:endParaRPr>
           </a:p>
         </p:txBody>
       </p:sp>
@@ -12352,7 +11610,7 @@
           <p:cNvCxnSpPr/>
           <p:nvPr>
             <p:custDataLst>
-              <p:tags r:id="rId3"/>
+              <p:tags r:id="rId2"/>
             </p:custDataLst>
           </p:nvPr>
         </p:nvCxnSpPr>
@@ -12393,7 +11651,7 @@
           <p:cNvSpPr txBox="1"/>
           <p:nvPr>
             <p:custDataLst>
-              <p:tags r:id="rId4"/>
+              <p:tags r:id="rId3"/>
             </p:custDataLst>
           </p:nvPr>
         </p:nvSpPr>
@@ -12423,13 +11681,6 @@
               </a:rPr>
               <a:t>Map&amp;Reduce</a:t>
             </a:r>
-            <a:endParaRPr lang="en-US" altLang="zh-CN" b="1">
-              <a:solidFill>
-                <a:srgbClr val="FF0000"/>
-              </a:solidFill>
-              <a:latin typeface="Calibri" panose="020F0502020204030204" charset="0"/>
-              <a:cs typeface="Calibri" panose="020F0502020204030204" charset="0"/>
-            </a:endParaRPr>
           </a:p>
           <a:p>
             <a:r>
@@ -12442,13 +11693,6 @@
               </a:rPr>
               <a:t>Machine Learning</a:t>
             </a:r>
-            <a:endParaRPr lang="en-US" altLang="zh-CN" b="1">
-              <a:solidFill>
-                <a:srgbClr val="FF0000"/>
-              </a:solidFill>
-              <a:latin typeface="Calibri" panose="020F0502020204030204" charset="0"/>
-              <a:cs typeface="Calibri" panose="020F0502020204030204" charset="0"/>
-            </a:endParaRPr>
           </a:p>
         </p:txBody>
       </p:sp>
@@ -12458,7 +11702,7 @@
           <p:cNvCxnSpPr/>
           <p:nvPr>
             <p:custDataLst>
-              <p:tags r:id="rId5"/>
+              <p:tags r:id="rId4"/>
             </p:custDataLst>
           </p:nvPr>
         </p:nvCxnSpPr>
@@ -12525,13 +11769,6 @@
               </a:rPr>
               <a:t>Update to the database on cloud</a:t>
             </a:r>
-            <a:endParaRPr lang="en-US" altLang="zh-CN" b="1">
-              <a:solidFill>
-                <a:srgbClr val="FF0000"/>
-              </a:solidFill>
-              <a:latin typeface="Calibri" panose="020F0502020204030204" charset="0"/>
-              <a:cs typeface="Calibri" panose="020F0502020204030204" charset="0"/>
-            </a:endParaRPr>
           </a:p>
         </p:txBody>
       </p:sp>
@@ -12541,7 +11778,7 @@
           <p:cNvCxnSpPr/>
           <p:nvPr>
             <p:custDataLst>
-              <p:tags r:id="rId6"/>
+              <p:tags r:id="rId5"/>
             </p:custDataLst>
           </p:nvPr>
         </p:nvCxnSpPr>
@@ -12608,6 +11845,8 @@
               </a:rPr>
               <a:t>Keep Running in the background</a:t>
             </a:r>
+          </a:p>
+          <a:p>
             <a:endParaRPr lang="en-US" altLang="zh-CN" b="1">
               <a:solidFill>
                 <a:srgbClr val="FF0000"/>
@@ -12617,15 +11856,6 @@
             </a:endParaRPr>
           </a:p>
           <a:p>
-            <a:endParaRPr lang="en-US" altLang="zh-CN" b="1">
-              <a:solidFill>
-                <a:srgbClr val="FF0000"/>
-              </a:solidFill>
-              <a:latin typeface="Calibri" panose="020F0502020204030204" charset="0"/>
-              <a:cs typeface="Calibri" panose="020F0502020204030204" charset="0"/>
-            </a:endParaRPr>
-          </a:p>
-          <a:p>
             <a:r>
               <a:rPr lang="en-US" altLang="zh-CN" b="1">
                 <a:solidFill>
@@ -12636,13 +11866,6 @@
               </a:rPr>
               <a:t>Download and process every 5 mins</a:t>
             </a:r>
-            <a:endParaRPr lang="en-US" altLang="zh-CN" b="1">
-              <a:solidFill>
-                <a:srgbClr val="FF0000"/>
-              </a:solidFill>
-              <a:latin typeface="Calibri" panose="020F0502020204030204" charset="0"/>
-              <a:cs typeface="Calibri" panose="020F0502020204030204" charset="0"/>
-            </a:endParaRPr>
           </a:p>
         </p:txBody>
       </p:sp>
@@ -12652,7 +11875,7 @@
           <p:cNvSpPr txBox="1"/>
           <p:nvPr>
             <p:custDataLst>
-              <p:tags r:id="rId7"/>
+              <p:tags r:id="rId6"/>
             </p:custDataLst>
           </p:nvPr>
         </p:nvSpPr>
@@ -12682,13 +11905,6 @@
               </a:rPr>
               <a:t>Users interact with Web UI</a:t>
             </a:r>
-            <a:endParaRPr lang="en-US" altLang="zh-CN" b="1">
-              <a:solidFill>
-                <a:srgbClr val="FF0000"/>
-              </a:solidFill>
-              <a:latin typeface="Calibri" panose="020F0502020204030204" charset="0"/>
-              <a:cs typeface="Calibri" panose="020F0502020204030204" charset="0"/>
-            </a:endParaRPr>
           </a:p>
         </p:txBody>
       </p:sp>
@@ -12698,7 +11914,7 @@
           <p:cNvCxnSpPr/>
           <p:nvPr>
             <p:custDataLst>
-              <p:tags r:id="rId8"/>
+              <p:tags r:id="rId7"/>
             </p:custDataLst>
           </p:nvPr>
         </p:nvCxnSpPr>
@@ -12739,7 +11955,7 @@
           <p:cNvCxnSpPr/>
           <p:nvPr>
             <p:custDataLst>
-              <p:tags r:id="rId9"/>
+              <p:tags r:id="rId8"/>
             </p:custDataLst>
           </p:nvPr>
         </p:nvCxnSpPr>
@@ -12806,13 +12022,6 @@
               </a:rPr>
               <a:t>send HTTP request</a:t>
             </a:r>
-            <a:endParaRPr lang="en-US" altLang="zh-CN" b="1">
-              <a:solidFill>
-                <a:srgbClr val="FF0000"/>
-              </a:solidFill>
-              <a:latin typeface="Calibri" panose="020F0502020204030204" charset="0"/>
-              <a:cs typeface="Calibri" panose="020F0502020204030204" charset="0"/>
-            </a:endParaRPr>
           </a:p>
         </p:txBody>
       </p:sp>
@@ -12905,13 +12114,6 @@
               </a:rPr>
               <a:t>parse HTTP request</a:t>
             </a:r>
-            <a:endParaRPr lang="en-US" altLang="zh-CN" b="1">
-              <a:solidFill>
-                <a:srgbClr val="FF0000"/>
-              </a:solidFill>
-              <a:latin typeface="Calibri" panose="020F0502020204030204" charset="0"/>
-              <a:cs typeface="Calibri" panose="020F0502020204030204" charset="0"/>
-            </a:endParaRPr>
           </a:p>
         </p:txBody>
       </p:sp>
@@ -12921,7 +12123,7 @@
           <p:cNvCxnSpPr/>
           <p:nvPr>
             <p:custDataLst>
-              <p:tags r:id="rId10"/>
+              <p:tags r:id="rId9"/>
             </p:custDataLst>
           </p:nvPr>
         </p:nvCxnSpPr>
@@ -12988,13 +12190,6 @@
               </a:rPr>
               <a:t>request traffic info(MySQL)</a:t>
             </a:r>
-            <a:endParaRPr lang="en-US" altLang="zh-CN" b="1">
-              <a:solidFill>
-                <a:srgbClr val="FF0000"/>
-              </a:solidFill>
-              <a:latin typeface="Calibri" panose="020F0502020204030204" charset="0"/>
-              <a:cs typeface="Calibri" panose="020F0502020204030204" charset="0"/>
-            </a:endParaRPr>
           </a:p>
         </p:txBody>
       </p:sp>
@@ -13004,7 +12199,7 @@
           <p:cNvCxnSpPr/>
           <p:nvPr>
             <p:custDataLst>
-              <p:tags r:id="rId11"/>
+              <p:tags r:id="rId10"/>
             </p:custDataLst>
           </p:nvPr>
         </p:nvCxnSpPr>
@@ -13045,7 +12240,7 @@
           <p:cNvSpPr txBox="1"/>
           <p:nvPr>
             <p:custDataLst>
-              <p:tags r:id="rId12"/>
+              <p:tags r:id="rId11"/>
             </p:custDataLst>
           </p:nvPr>
         </p:nvSpPr>
@@ -13075,13 +12270,6 @@
               </a:rPr>
               <a:t>return traffic info(json)</a:t>
             </a:r>
-            <a:endParaRPr lang="en-US" altLang="zh-CN" b="1">
-              <a:solidFill>
-                <a:srgbClr val="FF0000"/>
-              </a:solidFill>
-              <a:latin typeface="Calibri" panose="020F0502020204030204" charset="0"/>
-              <a:cs typeface="Calibri" panose="020F0502020204030204" charset="0"/>
-            </a:endParaRPr>
           </a:p>
         </p:txBody>
       </p:sp>
@@ -13091,7 +12279,7 @@
           <p:cNvCxnSpPr/>
           <p:nvPr>
             <p:custDataLst>
-              <p:tags r:id="rId13"/>
+              <p:tags r:id="rId12"/>
             </p:custDataLst>
           </p:nvPr>
         </p:nvCxnSpPr>
@@ -13132,7 +12320,7 @@
           <p:cNvSpPr txBox="1"/>
           <p:nvPr>
             <p:custDataLst>
-              <p:tags r:id="rId14"/>
+              <p:tags r:id="rId13"/>
             </p:custDataLst>
           </p:nvPr>
         </p:nvSpPr>
@@ -13162,13 +12350,6 @@
               </a:rPr>
               <a:t>return traffic info(json)</a:t>
             </a:r>
-            <a:endParaRPr lang="en-US" altLang="zh-CN" b="1">
-              <a:solidFill>
-                <a:srgbClr val="FF0000"/>
-              </a:solidFill>
-              <a:latin typeface="Calibri" panose="020F0502020204030204" charset="0"/>
-              <a:cs typeface="Calibri" panose="020F0502020204030204" charset="0"/>
-            </a:endParaRPr>
           </a:p>
         </p:txBody>
       </p:sp>
@@ -13178,7 +12359,7 @@
           <p:cNvSpPr txBox="1"/>
           <p:nvPr>
             <p:custDataLst>
-              <p:tags r:id="rId15"/>
+              <p:tags r:id="rId14"/>
             </p:custDataLst>
           </p:nvPr>
         </p:nvSpPr>
@@ -13196,6 +12377,7 @@
           <a:bodyPr wrap="square" rtlCol="0">
             <a:spAutoFit/>
           </a:bodyPr>
+          <a:lstStyle/>
           <a:p>
             <a:r>
               <a:rPr lang="en-US" altLang="zh-CN"/>
@@ -13214,16 +12396,6 @@
               </a:rPr>
               <a:t>14 Jul</a:t>
             </a:r>
-            <a:endParaRPr lang="en-US" altLang="zh-CN" sz="2000">
-              <a:solidFill>
-                <a:schemeClr val="tx1">
-                  <a:lumMod val="50000"/>
-                  <a:lumOff val="50000"/>
-                </a:schemeClr>
-              </a:solidFill>
-              <a:latin typeface="Calibri" panose="020F0502020204030204" charset="0"/>
-              <a:cs typeface="Calibri" panose="020F0502020204030204" charset="0"/>
-            </a:endParaRPr>
           </a:p>
         </p:txBody>
       </p:sp>
@@ -13282,13 +12454,6 @@
               </a:rPr>
               <a:t>Cloud Architecture</a:t>
             </a:r>
-            <a:endParaRPr lang="en-US" altLang="zh-CN" sz="4800">
-              <a:solidFill>
-                <a:schemeClr val="tx1"/>
-              </a:solidFill>
-              <a:latin typeface="Calibri" panose="020F0502020204030204" charset="0"/>
-              <a:cs typeface="Calibri" panose="020F0502020204030204" charset="0"/>
-            </a:endParaRPr>
           </a:p>
         </p:txBody>
       </p:sp>
@@ -13322,13 +12487,6 @@
               </a:rPr>
               <a:t>Elasticity &amp; Scalability</a:t>
             </a:r>
-            <a:endParaRPr lang="en-US" altLang="zh-CN" sz="3200">
-              <a:solidFill>
-                <a:schemeClr val="tx1"/>
-              </a:solidFill>
-              <a:latin typeface="Calibri" panose="020F0502020204030204" charset="0"/>
-              <a:cs typeface="Calibri" panose="020F0502020204030204" charset="0"/>
-            </a:endParaRPr>
           </a:p>
           <a:p>
             <a:endParaRPr lang="en-US" altLang="zh-CN" sz="3200">
@@ -13348,13 +12506,6 @@
               </a:rPr>
               <a:t>Web Server</a:t>
             </a:r>
-            <a:endParaRPr lang="en-US" altLang="zh-CN" sz="3200" b="0">
-              <a:solidFill>
-                <a:schemeClr val="tx1"/>
-              </a:solidFill>
-              <a:latin typeface="Calibri" panose="020F0502020204030204" charset="0"/>
-              <a:cs typeface="Calibri" panose="020F0502020204030204" charset="0"/>
-            </a:endParaRPr>
           </a:p>
           <a:p>
             <a:pPr marL="800100" lvl="1" indent="-342900">
@@ -13371,13 +12522,6 @@
               </a:rPr>
               <a:t>Elastic Load Blancer &amp; Auto Scalling Group</a:t>
             </a:r>
-            <a:endParaRPr lang="en-US" altLang="zh-CN" sz="3200">
-              <a:solidFill>
-                <a:schemeClr val="tx1"/>
-              </a:solidFill>
-              <a:latin typeface="Calibri" panose="020F0502020204030204" charset="0"/>
-              <a:cs typeface="Calibri" panose="020F0502020204030204" charset="0"/>
-            </a:endParaRPr>
           </a:p>
           <a:p>
             <a:pPr marL="1257300" lvl="2" indent="-342900">
@@ -13394,13 +12538,6 @@
               </a:rPr>
               <a:t>Automaticlly Scales capacity based on the incoming traffic(Scalability) </a:t>
             </a:r>
-            <a:endParaRPr lang="en-US" altLang="zh-CN" sz="3200" b="0">
-              <a:solidFill>
-                <a:schemeClr val="tx1"/>
-              </a:solidFill>
-              <a:latin typeface="Calibri" panose="020F0502020204030204" charset="0"/>
-              <a:cs typeface="Calibri" panose="020F0502020204030204" charset="0"/>
-            </a:endParaRPr>
           </a:p>
           <a:p>
             <a:pPr marL="1257300" lvl="2" indent="-342900">
@@ -13485,6 +12622,7 @@
           <a:p>
             <a:fld id="{FDAFAA84-93FD-4C2C-AE46-F7D42BEF3958}" type="slidenum">
               <a:rPr lang="en-GB"/>
+              <a:t>23</a:t>
             </a:fld>
             <a:endParaRPr lang="en-GB" sz="1600">
               <a:solidFill>
@@ -13501,7 +12639,7 @@
           <p:nvPr/>
         </p:nvPicPr>
         <p:blipFill>
-          <a:blip r:embed="rId1"/>
+          <a:blip r:embed="rId3"/>
           <a:stretch>
             <a:fillRect/>
           </a:stretch>
@@ -13527,7 +12665,7 @@
           <p:nvPr/>
         </p:nvPicPr>
         <p:blipFill>
-          <a:blip r:embed="rId2"/>
+          <a:blip r:embed="rId4"/>
           <a:stretch>
             <a:fillRect/>
           </a:stretch>
@@ -13552,7 +12690,7 @@
           <p:cNvSpPr txBox="1"/>
           <p:nvPr>
             <p:custDataLst>
-              <p:tags r:id="rId3"/>
+              <p:tags r:id="rId1"/>
             </p:custDataLst>
           </p:nvPr>
         </p:nvSpPr>
@@ -13570,6 +12708,7 @@
           <a:bodyPr wrap="square" rtlCol="0">
             <a:spAutoFit/>
           </a:bodyPr>
+          <a:lstStyle/>
           <a:p>
             <a:r>
               <a:rPr lang="en-US" altLang="zh-CN"/>
@@ -13588,16 +12727,6 @@
               </a:rPr>
               <a:t>14 Jul</a:t>
             </a:r>
-            <a:endParaRPr lang="en-US" altLang="zh-CN" sz="2000">
-              <a:solidFill>
-                <a:schemeClr val="tx1">
-                  <a:lumMod val="50000"/>
-                  <a:lumOff val="50000"/>
-                </a:schemeClr>
-              </a:solidFill>
-              <a:latin typeface="Calibri" panose="020F0502020204030204" charset="0"/>
-              <a:cs typeface="Calibri" panose="020F0502020204030204" charset="0"/>
-            </a:endParaRPr>
           </a:p>
         </p:txBody>
       </p:sp>
@@ -13656,13 +12785,6 @@
               </a:rPr>
               <a:t>Cloud Architecture</a:t>
             </a:r>
-            <a:endParaRPr lang="en-US" altLang="zh-CN" sz="4800">
-              <a:solidFill>
-                <a:schemeClr val="tx1"/>
-              </a:solidFill>
-              <a:latin typeface="Calibri" panose="020F0502020204030204" charset="0"/>
-              <a:cs typeface="Calibri" panose="020F0502020204030204" charset="0"/>
-            </a:endParaRPr>
           </a:p>
         </p:txBody>
       </p:sp>
@@ -13696,13 +12818,6 @@
               </a:rPr>
               <a:t>Elasticity &amp; Scalability</a:t>
             </a:r>
-            <a:endParaRPr lang="en-US" altLang="zh-CN" sz="3200">
-              <a:solidFill>
-                <a:schemeClr val="tx1"/>
-              </a:solidFill>
-              <a:latin typeface="Calibri" panose="020F0502020204030204" charset="0"/>
-              <a:cs typeface="Calibri" panose="020F0502020204030204" charset="0"/>
-            </a:endParaRPr>
           </a:p>
           <a:p>
             <a:pPr marL="0" indent="0">
@@ -13725,13 +12840,6 @@
               </a:rPr>
               <a:t>Image Processing</a:t>
             </a:r>
-            <a:endParaRPr lang="en-US" altLang="zh-CN" sz="3200" b="0">
-              <a:solidFill>
-                <a:schemeClr val="tx1"/>
-              </a:solidFill>
-              <a:latin typeface="Calibri" panose="020F0502020204030204" charset="0"/>
-              <a:cs typeface="Calibri" panose="020F0502020204030204" charset="0"/>
-            </a:endParaRPr>
           </a:p>
           <a:p>
             <a:pPr marL="800100" lvl="1" indent="-342900">
@@ -13748,13 +12856,6 @@
               </a:rPr>
               <a:t>Use pyspark for parallelism</a:t>
             </a:r>
-            <a:endParaRPr lang="en-US" altLang="zh-CN" sz="3200" b="0">
-              <a:solidFill>
-                <a:schemeClr val="tx1"/>
-              </a:solidFill>
-              <a:latin typeface="Calibri" panose="020F0502020204030204" charset="0"/>
-              <a:cs typeface="Calibri" panose="020F0502020204030204" charset="0"/>
-            </a:endParaRPr>
           </a:p>
           <a:p>
             <a:pPr marL="800100" lvl="1" indent="-342900">
@@ -13771,13 +12872,6 @@
               </a:rPr>
               <a:t>AWS EMR</a:t>
             </a:r>
-            <a:endParaRPr lang="en-US" altLang="zh-CN" sz="3200">
-              <a:solidFill>
-                <a:schemeClr val="tx1"/>
-              </a:solidFill>
-              <a:latin typeface="Calibri" panose="020F0502020204030204" charset="0"/>
-              <a:cs typeface="Calibri" panose="020F0502020204030204" charset="0"/>
-            </a:endParaRPr>
           </a:p>
           <a:p>
             <a:pPr marL="1257300" lvl="2" indent="-342900">
@@ -13794,13 +12888,6 @@
               </a:rPr>
               <a:t>Automatically scaling the compute resources based on the load(Elasticity)</a:t>
             </a:r>
-            <a:endParaRPr lang="en-US" altLang="zh-CN" sz="3200" b="0">
-              <a:solidFill>
-                <a:schemeClr val="tx1"/>
-              </a:solidFill>
-              <a:latin typeface="Calibri" panose="020F0502020204030204" charset="0"/>
-              <a:cs typeface="Calibri" panose="020F0502020204030204" charset="0"/>
-            </a:endParaRPr>
           </a:p>
           <a:p>
             <a:pPr marL="1257300" lvl="2" indent="-342900">
@@ -13922,6 +13009,7 @@
           <a:p>
             <a:fld id="{FDAFAA84-93FD-4C2C-AE46-F7D42BEF3958}" type="slidenum">
               <a:rPr lang="en-GB"/>
+              <a:t>24</a:t>
             </a:fld>
             <a:endParaRPr lang="en-GB" sz="1600">
               <a:solidFill>
@@ -13938,7 +13026,7 @@
           <p:nvPr/>
         </p:nvPicPr>
         <p:blipFill>
-          <a:blip r:embed="rId1"/>
+          <a:blip r:embed="rId4"/>
           <a:stretch>
             <a:fillRect/>
           </a:stretch>
@@ -13965,12 +13053,12 @@
           </p:cNvPicPr>
           <p:nvPr>
             <p:custDataLst>
-              <p:tags r:id="rId2"/>
+              <p:tags r:id="rId1"/>
             </p:custDataLst>
           </p:nvPr>
         </p:nvPicPr>
         <p:blipFill>
-          <a:blip r:embed="rId3">
+          <a:blip r:embed="rId5">
             <a:extLst>
               <a:ext uri="{28A0092B-C50C-407E-A947-70E740481C1C}">
                 <a14:useLocalDpi xmlns:a14="http://schemas.microsoft.com/office/drawing/2010/main" val="0"/>
@@ -14008,7 +13096,7 @@
           <p:cNvSpPr txBox="1"/>
           <p:nvPr>
             <p:custDataLst>
-              <p:tags r:id="rId4"/>
+              <p:tags r:id="rId2"/>
             </p:custDataLst>
           </p:nvPr>
         </p:nvSpPr>
@@ -14026,6 +13114,7 @@
           <a:bodyPr wrap="square" rtlCol="0">
             <a:spAutoFit/>
           </a:bodyPr>
+          <a:lstStyle/>
           <a:p>
             <a:r>
               <a:rPr lang="en-US" altLang="zh-CN"/>
@@ -14044,16 +13133,6 @@
               </a:rPr>
               <a:t>14 Jul</a:t>
             </a:r>
-            <a:endParaRPr lang="en-US" altLang="zh-CN" sz="2000">
-              <a:solidFill>
-                <a:schemeClr val="tx1">
-                  <a:lumMod val="50000"/>
-                  <a:lumOff val="50000"/>
-                </a:schemeClr>
-              </a:solidFill>
-              <a:latin typeface="Calibri" panose="020F0502020204030204" charset="0"/>
-              <a:cs typeface="Calibri" panose="020F0502020204030204" charset="0"/>
-            </a:endParaRPr>
           </a:p>
         </p:txBody>
       </p:sp>
@@ -14113,13 +13192,6 @@
               </a:rPr>
               <a:t>Outline</a:t>
             </a:r>
-            <a:endParaRPr lang="en-US" altLang="zh-CN" sz="4800">
-              <a:solidFill>
-                <a:schemeClr val="tx1"/>
-              </a:solidFill>
-              <a:latin typeface="Calibri" panose="020F0502020204030204" charset="0"/>
-              <a:cs typeface="Calibri" panose="020F0502020204030204" charset="0"/>
-            </a:endParaRPr>
           </a:p>
         </p:txBody>
       </p:sp>
@@ -14210,15 +13282,6 @@
               </a:rPr>
               <a:t>Image Processing</a:t>
             </a:r>
-            <a:endParaRPr lang="en-US" altLang="zh-CN" sz="2800">
-              <a:solidFill>
-                <a:schemeClr val="tx1"/>
-              </a:solidFill>
-              <a:latin typeface="Calibri" panose="020F0502020204030204" charset="0"/>
-              <a:ea typeface="宋体" panose="02010600030101010101" pitchFamily="2" charset="-122"/>
-              <a:cs typeface="Calibri" panose="020F0502020204030204" charset="0"/>
-              <a:sym typeface="+mn-ea"/>
-            </a:endParaRPr>
           </a:p>
           <a:p>
             <a:pPr marL="800100" lvl="1" indent="-342900">
@@ -14393,15 +13456,6 @@
               </a:rPr>
               <a:t>Implementation Plan</a:t>
             </a:r>
-            <a:endParaRPr lang="en-US" altLang="zh-CN" sz="2800">
-              <a:solidFill>
-                <a:srgbClr val="FF0000"/>
-              </a:solidFill>
-              <a:latin typeface="Calibri" panose="020F0502020204030204" charset="0"/>
-              <a:ea typeface="宋体" panose="02010600030101010101" pitchFamily="2" charset="-122"/>
-              <a:cs typeface="Calibri" panose="020F0502020204030204" charset="0"/>
-              <a:sym typeface="+mn-ea"/>
-            </a:endParaRPr>
           </a:p>
         </p:txBody>
       </p:sp>
@@ -14422,6 +13476,7 @@
           <a:p>
             <a:fld id="{FDAFAA84-93FD-4C2C-AE46-F7D42BEF3958}" type="slidenum">
               <a:rPr lang="en-GB"/>
+              <a:t>25</a:t>
             </a:fld>
             <a:endParaRPr lang="en-GB" sz="1600">
               <a:solidFill>
@@ -14455,6 +13510,7 @@
           <a:bodyPr wrap="square" rtlCol="0">
             <a:spAutoFit/>
           </a:bodyPr>
+          <a:lstStyle/>
           <a:p>
             <a:r>
               <a:rPr lang="en-US" altLang="zh-CN"/>
@@ -14473,16 +13529,6 @@
               </a:rPr>
               <a:t>14 Jul</a:t>
             </a:r>
-            <a:endParaRPr lang="en-US" altLang="zh-CN" sz="2000">
-              <a:solidFill>
-                <a:schemeClr val="tx1">
-                  <a:lumMod val="50000"/>
-                  <a:lumOff val="50000"/>
-                </a:schemeClr>
-              </a:solidFill>
-              <a:latin typeface="Calibri" panose="020F0502020204030204" charset="0"/>
-              <a:cs typeface="Calibri" panose="020F0502020204030204" charset="0"/>
-            </a:endParaRPr>
           </a:p>
         </p:txBody>
       </p:sp>
@@ -14551,13 +13597,6 @@
               </a:rPr>
               <a:t>DEMO</a:t>
             </a:r>
-            <a:endParaRPr lang="en-US" altLang="zh-CN" sz="7200" dirty="0">
-              <a:solidFill>
-                <a:schemeClr val="tx1"/>
-              </a:solidFill>
-              <a:latin typeface="Calibri" panose="020F0502020204030204" charset="0"/>
-              <a:cs typeface="Calibri" panose="020F0502020204030204" charset="0"/>
-            </a:endParaRPr>
           </a:p>
         </p:txBody>
       </p:sp>
@@ -14578,6 +13617,7 @@
           <a:p>
             <a:fld id="{FDAFAA84-93FD-4C2C-AE46-F7D42BEF3958}" type="slidenum">
               <a:rPr lang="en-GB" smtClean="0"/>
+              <a:t>26</a:t>
             </a:fld>
             <a:endParaRPr lang="en-GB" sz="1600">
               <a:solidFill>
@@ -14611,6 +13651,7 @@
           <a:bodyPr wrap="square" rtlCol="0">
             <a:spAutoFit/>
           </a:bodyPr>
+          <a:lstStyle/>
           <a:p>
             <a:r>
               <a:rPr lang="en-US" altLang="zh-CN"/>
@@ -14629,16 +13670,6 @@
               </a:rPr>
               <a:t>14 Jul</a:t>
             </a:r>
-            <a:endParaRPr lang="en-US" altLang="zh-CN" sz="2000">
-              <a:solidFill>
-                <a:schemeClr val="tx1">
-                  <a:lumMod val="50000"/>
-                  <a:lumOff val="50000"/>
-                </a:schemeClr>
-              </a:solidFill>
-              <a:latin typeface="Calibri" panose="020F0502020204030204" charset="0"/>
-              <a:cs typeface="Calibri" panose="020F0502020204030204" charset="0"/>
-            </a:endParaRPr>
           </a:p>
         </p:txBody>
       </p:sp>
@@ -14697,13 +13728,6 @@
               </a:rPr>
               <a:t>Implementation Plan</a:t>
             </a:r>
-            <a:endParaRPr lang="en-US" altLang="zh-CN" sz="4800" dirty="0">
-              <a:solidFill>
-                <a:schemeClr val="tx1"/>
-              </a:solidFill>
-              <a:latin typeface="Calibri" panose="020F0502020204030204" charset="0"/>
-              <a:cs typeface="Calibri" panose="020F0502020204030204" charset="0"/>
-            </a:endParaRPr>
           </a:p>
         </p:txBody>
       </p:sp>
@@ -14806,13 +13830,6 @@
               </a:rPr>
               <a:t>Finished work</a:t>
             </a:r>
-            <a:endParaRPr lang="en-US" altLang="zh-CN" sz="2800" b="0" dirty="0">
-              <a:solidFill>
-                <a:schemeClr val="tx1"/>
-              </a:solidFill>
-              <a:latin typeface="Calibri" panose="020F0502020204030204" charset="0"/>
-              <a:cs typeface="Calibri" panose="020F0502020204030204" charset="0"/>
-            </a:endParaRPr>
           </a:p>
           <a:p>
             <a:pPr lvl="2"/>
@@ -14826,13 +13843,6 @@
               </a:rPr>
               <a:t>The website’s basic framework</a:t>
             </a:r>
-            <a:endParaRPr lang="en-US" altLang="zh-CN" sz="2500" b="0" dirty="0">
-              <a:solidFill>
-                <a:schemeClr val="tx1"/>
-              </a:solidFill>
-              <a:latin typeface="Calibri" panose="020F0502020204030204" charset="0"/>
-              <a:cs typeface="Calibri" panose="020F0502020204030204" charset="0"/>
-            </a:endParaRPr>
           </a:p>
           <a:p>
             <a:pPr lvl="2"/>
@@ -14846,13 +13856,6 @@
               </a:rPr>
               <a:t>Displaying the map, route and icons</a:t>
             </a:r>
-            <a:endParaRPr lang="en-US" altLang="zh-CN" sz="2500" b="0" dirty="0">
-              <a:solidFill>
-                <a:schemeClr val="tx1"/>
-              </a:solidFill>
-              <a:latin typeface="Calibri" panose="020F0502020204030204" charset="0"/>
-              <a:cs typeface="Calibri" panose="020F0502020204030204" charset="0"/>
-            </a:endParaRPr>
           </a:p>
           <a:p>
             <a:pPr lvl="2"/>
@@ -14875,6 +13878,34 @@
               </a:rPr>
               <a:t>Unfinished work and problems</a:t>
             </a:r>
+          </a:p>
+          <a:p>
+            <a:pPr lvl="2"/>
+            <a:r>
+              <a:rPr lang="en-US" altLang="zh-CN" sz="2500" b="0" dirty="0">
+                <a:solidFill>
+                  <a:schemeClr val="tx1"/>
+                </a:solidFill>
+                <a:latin typeface="Calibri" panose="020F0502020204030204" charset="0"/>
+                <a:cs typeface="Calibri" panose="020F0502020204030204" charset="0"/>
+              </a:rPr>
+              <a:t>Connecting to the database</a:t>
+            </a:r>
+          </a:p>
+          <a:p>
+            <a:pPr lvl="2"/>
+            <a:r>
+              <a:rPr lang="en-US" altLang="zh-CN" sz="2500" b="0" dirty="0">
+                <a:solidFill>
+                  <a:schemeClr val="tx1"/>
+                </a:solidFill>
+                <a:latin typeface="Calibri" panose="020F0502020204030204" charset="0"/>
+                <a:cs typeface="Calibri" panose="020F0502020204030204" charset="0"/>
+              </a:rPr>
+              <a:t>Website beautification</a:t>
+            </a:r>
+          </a:p>
+          <a:p>
             <a:endParaRPr lang="en-US" altLang="zh-CN" sz="2800" b="0" dirty="0">
               <a:solidFill>
                 <a:schemeClr val="tx1"/>
@@ -14884,46 +13915,6 @@
             </a:endParaRPr>
           </a:p>
           <a:p>
-            <a:pPr lvl="2"/>
-            <a:r>
-              <a:rPr lang="en-US" altLang="zh-CN" sz="2500" b="0" dirty="0">
-                <a:solidFill>
-                  <a:schemeClr val="tx1"/>
-                </a:solidFill>
-                <a:latin typeface="Calibri" panose="020F0502020204030204" charset="0"/>
-                <a:cs typeface="Calibri" panose="020F0502020204030204" charset="0"/>
-              </a:rPr>
-              <a:t>Connecting to the database</a:t>
-            </a:r>
-            <a:endParaRPr lang="en-US" altLang="zh-CN" sz="2500" b="0" dirty="0">
-              <a:solidFill>
-                <a:schemeClr val="tx1"/>
-              </a:solidFill>
-              <a:latin typeface="Calibri" panose="020F0502020204030204" charset="0"/>
-              <a:cs typeface="Calibri" panose="020F0502020204030204" charset="0"/>
-            </a:endParaRPr>
-          </a:p>
-          <a:p>
-            <a:pPr lvl="2"/>
-            <a:r>
-              <a:rPr lang="en-US" altLang="zh-CN" sz="2500" b="0" dirty="0">
-                <a:solidFill>
-                  <a:schemeClr val="tx1"/>
-                </a:solidFill>
-                <a:latin typeface="Calibri" panose="020F0502020204030204" charset="0"/>
-                <a:cs typeface="Calibri" panose="020F0502020204030204" charset="0"/>
-              </a:rPr>
-              <a:t>Website beautification</a:t>
-            </a:r>
-            <a:endParaRPr lang="en-US" altLang="zh-CN" sz="2500" b="0" dirty="0">
-              <a:solidFill>
-                <a:schemeClr val="tx1"/>
-              </a:solidFill>
-              <a:latin typeface="Calibri" panose="020F0502020204030204" charset="0"/>
-              <a:cs typeface="Calibri" panose="020F0502020204030204" charset="0"/>
-            </a:endParaRPr>
-          </a:p>
-          <a:p>
             <a:endParaRPr lang="en-US" altLang="zh-CN" sz="2800" b="0" dirty="0">
               <a:solidFill>
                 <a:schemeClr val="tx1"/>
@@ -14932,15 +13923,6 @@
               <a:cs typeface="Calibri" panose="020F0502020204030204" charset="0"/>
             </a:endParaRPr>
           </a:p>
-          <a:p>
-            <a:endParaRPr lang="en-US" altLang="zh-CN" sz="2800" b="0" dirty="0">
-              <a:solidFill>
-                <a:schemeClr val="tx1"/>
-              </a:solidFill>
-              <a:latin typeface="Calibri" panose="020F0502020204030204" charset="0"/>
-              <a:cs typeface="Calibri" panose="020F0502020204030204" charset="0"/>
-            </a:endParaRPr>
-          </a:p>
         </p:txBody>
       </p:sp>
       <p:sp>
@@ -14960,6 +13942,7 @@
           <a:p>
             <a:fld id="{FDAFAA84-93FD-4C2C-AE46-F7D42BEF3958}" type="slidenum">
               <a:rPr lang="en-GB"/>
+              <a:t>27</a:t>
             </a:fld>
             <a:endParaRPr lang="en-GB" sz="1600">
               <a:solidFill>
@@ -14993,6 +13976,7 @@
           <a:bodyPr wrap="square" rtlCol="0">
             <a:spAutoFit/>
           </a:bodyPr>
+          <a:lstStyle/>
           <a:p>
             <a:r>
               <a:rPr lang="en-US" altLang="zh-CN"/>
@@ -15011,16 +13995,6 @@
               </a:rPr>
               <a:t>14 Jul</a:t>
             </a:r>
-            <a:endParaRPr lang="en-US" altLang="zh-CN" sz="2000">
-              <a:solidFill>
-                <a:schemeClr val="tx1">
-                  <a:lumMod val="50000"/>
-                  <a:lumOff val="50000"/>
-                </a:schemeClr>
-              </a:solidFill>
-              <a:latin typeface="Calibri" panose="020F0502020204030204" charset="0"/>
-              <a:cs typeface="Calibri" panose="020F0502020204030204" charset="0"/>
-            </a:endParaRPr>
           </a:p>
         </p:txBody>
       </p:sp>
@@ -15141,13 +14115,6 @@
               </a:rPr>
               <a:t>Finished work</a:t>
             </a:r>
-            <a:endParaRPr lang="en-US" altLang="zh-CN" sz="2800" b="0" dirty="0">
-              <a:solidFill>
-                <a:schemeClr val="tx1"/>
-              </a:solidFill>
-              <a:latin typeface="Calibri" panose="020F0502020204030204" charset="0"/>
-              <a:cs typeface="Calibri" panose="020F0502020204030204" charset="0"/>
-            </a:endParaRPr>
           </a:p>
           <a:p>
             <a:pPr lvl="2"/>
@@ -15161,13 +14128,6 @@
               </a:rPr>
               <a:t>Successfully identifying the car number in every intersection</a:t>
             </a:r>
-            <a:endParaRPr lang="en-US" altLang="zh-CN" sz="2500" b="0" dirty="0">
-              <a:solidFill>
-                <a:schemeClr val="tx1"/>
-              </a:solidFill>
-              <a:latin typeface="Calibri" panose="020F0502020204030204" charset="0"/>
-              <a:cs typeface="Calibri" panose="020F0502020204030204" charset="0"/>
-            </a:endParaRPr>
           </a:p>
           <a:p>
             <a:pPr lvl="2"/>
@@ -15190,13 +14150,6 @@
               </a:rPr>
               <a:t>Problems</a:t>
             </a:r>
-            <a:endParaRPr lang="en-US" altLang="zh-CN" sz="2800" b="0" dirty="0">
-              <a:solidFill>
-                <a:schemeClr val="tx1"/>
-              </a:solidFill>
-              <a:latin typeface="Calibri" panose="020F0502020204030204" charset="0"/>
-              <a:cs typeface="Calibri" panose="020F0502020204030204" charset="0"/>
-            </a:endParaRPr>
           </a:p>
           <a:p>
             <a:pPr lvl="2"/>
@@ -15237,6 +14190,7 @@
           <a:p>
             <a:fld id="{FDAFAA84-93FD-4C2C-AE46-F7D42BEF3958}" type="slidenum">
               <a:rPr lang="en-GB" smtClean="0"/>
+              <a:t>28</a:t>
             </a:fld>
             <a:endParaRPr lang="en-GB" sz="1600">
               <a:solidFill>
@@ -15270,6 +14224,7 @@
           <a:bodyPr wrap="square" rtlCol="0">
             <a:spAutoFit/>
           </a:bodyPr>
+          <a:lstStyle/>
           <a:p>
             <a:r>
               <a:rPr lang="en-US" altLang="zh-CN"/>
@@ -15288,16 +14243,6 @@
               </a:rPr>
               <a:t>14 Jul</a:t>
             </a:r>
-            <a:endParaRPr lang="en-US" altLang="zh-CN" sz="2000">
-              <a:solidFill>
-                <a:schemeClr val="tx1">
-                  <a:lumMod val="50000"/>
-                  <a:lumOff val="50000"/>
-                </a:schemeClr>
-              </a:solidFill>
-              <a:latin typeface="Calibri" panose="020F0502020204030204" charset="0"/>
-              <a:cs typeface="Calibri" panose="020F0502020204030204" charset="0"/>
-            </a:endParaRPr>
           </a:p>
         </p:txBody>
       </p:sp>
@@ -15419,13 +14364,6 @@
               </a:rPr>
               <a:t>Finished work</a:t>
             </a:r>
-            <a:endParaRPr lang="en-US" altLang="zh-CN" sz="2800" b="0" dirty="0">
-              <a:solidFill>
-                <a:schemeClr val="tx1"/>
-              </a:solidFill>
-              <a:latin typeface="Calibri" panose="020F0502020204030204" charset="0"/>
-              <a:cs typeface="Calibri" panose="020F0502020204030204" charset="0"/>
-            </a:endParaRPr>
           </a:p>
           <a:p>
             <a:pPr lvl="2"/>
@@ -15439,13 +14377,6 @@
               </a:rPr>
               <a:t>Building a simple cloud architecture</a:t>
             </a:r>
-            <a:endParaRPr lang="en-US" altLang="zh-CN" sz="2500" b="0" dirty="0">
-              <a:solidFill>
-                <a:schemeClr val="tx1"/>
-              </a:solidFill>
-              <a:latin typeface="Calibri" panose="020F0502020204030204" charset="0"/>
-              <a:cs typeface="Calibri" panose="020F0502020204030204" charset="0"/>
-            </a:endParaRPr>
           </a:p>
           <a:p>
             <a:pPr lvl="2"/>
@@ -15468,13 +14399,6 @@
               </a:rPr>
               <a:t>Unfinished work</a:t>
             </a:r>
-            <a:endParaRPr lang="en-US" altLang="zh-CN" sz="2800" b="0" dirty="0">
-              <a:solidFill>
-                <a:schemeClr val="tx1"/>
-              </a:solidFill>
-              <a:latin typeface="Calibri" panose="020F0502020204030204" charset="0"/>
-              <a:cs typeface="Calibri" panose="020F0502020204030204" charset="0"/>
-            </a:endParaRPr>
           </a:p>
           <a:p>
             <a:pPr lvl="2"/>
@@ -15488,13 +14412,6 @@
               </a:rPr>
               <a:t>Adding more details and functions.</a:t>
             </a:r>
-            <a:endParaRPr lang="en-US" altLang="zh-CN" sz="2500" b="0" dirty="0">
-              <a:solidFill>
-                <a:schemeClr val="tx1"/>
-              </a:solidFill>
-              <a:latin typeface="Calibri" panose="020F0502020204030204" charset="0"/>
-              <a:cs typeface="Calibri" panose="020F0502020204030204" charset="0"/>
-            </a:endParaRPr>
           </a:p>
           <a:p>
             <a:pPr lvl="2"/>
@@ -15525,6 +14442,7 @@
           <a:p>
             <a:fld id="{FDAFAA84-93FD-4C2C-AE46-F7D42BEF3958}" type="slidenum">
               <a:rPr lang="en-GB" smtClean="0"/>
+              <a:t>29</a:t>
             </a:fld>
             <a:endParaRPr lang="en-GB" sz="1600">
               <a:solidFill>
@@ -15558,6 +14476,7 @@
           <a:bodyPr wrap="square" rtlCol="0">
             <a:spAutoFit/>
           </a:bodyPr>
+          <a:lstStyle/>
           <a:p>
             <a:r>
               <a:rPr lang="en-US" altLang="zh-CN"/>
@@ -15576,16 +14495,6 @@
               </a:rPr>
               <a:t>14 Jul</a:t>
             </a:r>
-            <a:endParaRPr lang="en-US" altLang="zh-CN" sz="2000">
-              <a:solidFill>
-                <a:schemeClr val="tx1">
-                  <a:lumMod val="50000"/>
-                  <a:lumOff val="50000"/>
-                </a:schemeClr>
-              </a:solidFill>
-              <a:latin typeface="Calibri" panose="020F0502020204030204" charset="0"/>
-              <a:cs typeface="Calibri" panose="020F0502020204030204" charset="0"/>
-            </a:endParaRPr>
           </a:p>
         </p:txBody>
       </p:sp>
@@ -15639,13 +14548,6 @@
               </a:rPr>
               <a:t>Overview</a:t>
             </a:r>
-            <a:endParaRPr lang="en-US" altLang="zh-CN" sz="4800">
-              <a:solidFill>
-                <a:schemeClr val="tx1"/>
-              </a:solidFill>
-              <a:latin typeface="Calibri" panose="020F0502020204030204" charset="0"/>
-              <a:cs typeface="Calibri" panose="020F0502020204030204" charset="0"/>
-            </a:endParaRPr>
           </a:p>
         </p:txBody>
       </p:sp>
@@ -15666,6 +14568,7 @@
           <a:p>
             <a:fld id="{FDAFAA84-93FD-4C2C-AE46-F7D42BEF3958}" type="slidenum">
               <a:rPr lang="en-GB"/>
+              <a:t>3</a:t>
             </a:fld>
             <a:endParaRPr lang="en-GB" sz="1600">
               <a:solidFill>
@@ -15686,15 +14589,15 @@
           </p:nvPr>
         </p:nvPicPr>
         <p:blipFill>
-          <a:blip r:embed="rId1"/>
+          <a:blip r:embed="rId3"/>
           <a:stretch>
             <a:fillRect/>
           </a:stretch>
         </p:blipFill>
         <p:spPr>
           <a:xfrm>
-            <a:off x="1596390" y="1359535"/>
-            <a:ext cx="9909810" cy="5574665"/>
+            <a:off x="2104231" y="1112057"/>
+            <a:ext cx="10946598" cy="6157900"/>
           </a:xfrm>
           <a:prstGeom prst="rect">
             <a:avLst/>
@@ -15707,7 +14610,7 @@
           <p:cNvSpPr txBox="1"/>
           <p:nvPr>
             <p:custDataLst>
-              <p:tags r:id="rId2"/>
+              <p:tags r:id="rId1"/>
             </p:custDataLst>
           </p:nvPr>
         </p:nvSpPr>
@@ -15725,6 +14628,7 @@
           <a:bodyPr wrap="square" rtlCol="0">
             <a:spAutoFit/>
           </a:bodyPr>
+          <a:lstStyle/>
           <a:p>
             <a:r>
               <a:rPr lang="en-US" altLang="zh-CN"/>
@@ -15743,16 +14647,6 @@
               </a:rPr>
               <a:t>14 Jul</a:t>
             </a:r>
-            <a:endParaRPr lang="en-US" altLang="zh-CN" sz="2000">
-              <a:solidFill>
-                <a:schemeClr val="tx1">
-                  <a:lumMod val="50000"/>
-                  <a:lumOff val="50000"/>
-                </a:schemeClr>
-              </a:solidFill>
-              <a:latin typeface="Calibri" panose="020F0502020204030204" charset="0"/>
-              <a:cs typeface="Calibri" panose="020F0502020204030204" charset="0"/>
-            </a:endParaRPr>
           </a:p>
         </p:txBody>
       </p:sp>
@@ -15812,13 +14706,6 @@
               </a:rPr>
               <a:t>Thank You!</a:t>
             </a:r>
-            <a:endParaRPr lang="en-US" altLang="zh-CN" sz="7200">
-              <a:solidFill>
-                <a:schemeClr val="tx1"/>
-              </a:solidFill>
-              <a:latin typeface="Calibri" panose="020F0502020204030204" charset="0"/>
-              <a:cs typeface="Calibri" panose="020F0502020204030204" charset="0"/>
-            </a:endParaRPr>
           </a:p>
         </p:txBody>
       </p:sp>
@@ -15839,6 +14726,7 @@
           <a:p>
             <a:fld id="{70B3CE18-A588-438A-818D-D402E37F5853}" type="slidenum">
               <a:rPr lang="en-GB"/>
+              <a:t>30</a:t>
             </a:fld>
             <a:endParaRPr lang="en-GB" sz="1600">
               <a:solidFill>
@@ -15872,6 +14760,7 @@
           <a:bodyPr wrap="square" rtlCol="0">
             <a:spAutoFit/>
           </a:bodyPr>
+          <a:lstStyle/>
           <a:p>
             <a:r>
               <a:rPr lang="en-US" altLang="zh-CN"/>
@@ -15890,16 +14779,6 @@
               </a:rPr>
               <a:t>14 Jul</a:t>
             </a:r>
-            <a:endParaRPr lang="en-US" altLang="zh-CN" sz="2000">
-              <a:solidFill>
-                <a:schemeClr val="tx1">
-                  <a:lumMod val="50000"/>
-                  <a:lumOff val="50000"/>
-                </a:schemeClr>
-              </a:solidFill>
-              <a:latin typeface="Calibri" panose="020F0502020204030204" charset="0"/>
-              <a:cs typeface="Calibri" panose="020F0502020204030204" charset="0"/>
-            </a:endParaRPr>
           </a:p>
         </p:txBody>
       </p:sp>
@@ -15959,13 +14838,6 @@
               </a:rPr>
               <a:t>Outline</a:t>
             </a:r>
-            <a:endParaRPr lang="en-US" altLang="zh-CN" sz="4800">
-              <a:solidFill>
-                <a:schemeClr val="tx1"/>
-              </a:solidFill>
-              <a:latin typeface="Calibri" panose="020F0502020204030204" charset="0"/>
-              <a:cs typeface="Calibri" panose="020F0502020204030204" charset="0"/>
-            </a:endParaRPr>
           </a:p>
         </p:txBody>
       </p:sp>
@@ -16056,15 +14928,6 @@
               </a:rPr>
               <a:t>Image Processing</a:t>
             </a:r>
-            <a:endParaRPr lang="en-US" altLang="zh-CN" sz="2800">
-              <a:solidFill>
-                <a:schemeClr val="tx1"/>
-              </a:solidFill>
-              <a:latin typeface="Calibri" panose="020F0502020204030204" charset="0"/>
-              <a:ea typeface="宋体" panose="02010600030101010101" pitchFamily="2" charset="-122"/>
-              <a:cs typeface="Calibri" panose="020F0502020204030204" charset="0"/>
-              <a:sym typeface="+mn-ea"/>
-            </a:endParaRPr>
           </a:p>
           <a:p>
             <a:pPr marL="800100" lvl="1" indent="-342900">
@@ -16267,6 +15130,7 @@
           <a:p>
             <a:fld id="{FDAFAA84-93FD-4C2C-AE46-F7D42BEF3958}" type="slidenum">
               <a:rPr lang="en-GB"/>
+              <a:t>4</a:t>
             </a:fld>
             <a:endParaRPr lang="en-GB" sz="1600">
               <a:solidFill>
@@ -16300,6 +15164,7 @@
           <a:bodyPr wrap="square" rtlCol="0">
             <a:spAutoFit/>
           </a:bodyPr>
+          <a:lstStyle/>
           <a:p>
             <a:r>
               <a:rPr lang="en-US" altLang="zh-CN"/>
@@ -16318,16 +15183,6 @@
               </a:rPr>
               <a:t>14 Jul</a:t>
             </a:r>
-            <a:endParaRPr lang="en-US" altLang="zh-CN" sz="2000">
-              <a:solidFill>
-                <a:schemeClr val="tx1">
-                  <a:lumMod val="50000"/>
-                  <a:lumOff val="50000"/>
-                </a:schemeClr>
-              </a:solidFill>
-              <a:latin typeface="Calibri" panose="020F0502020204030204" charset="0"/>
-              <a:cs typeface="Calibri" panose="020F0502020204030204" charset="0"/>
-            </a:endParaRPr>
           </a:p>
         </p:txBody>
       </p:sp>
@@ -16365,7 +15220,7 @@
           <p:nvPr/>
         </p:nvPicPr>
         <p:blipFill>
-          <a:blip r:embed="rId1">
+          <a:blip r:embed="rId5">
             <a:clrChange>
               <a:clrFrom>
                 <a:srgbClr val="FFFFFF">
@@ -16424,13 +15279,6 @@
               </a:rPr>
               <a:t>UI Design Diagram</a:t>
             </a:r>
-            <a:endParaRPr lang="en-US" altLang="zh-CN" sz="4800">
-              <a:solidFill>
-                <a:schemeClr val="tx1"/>
-              </a:solidFill>
-              <a:latin typeface="Calibri" panose="020F0502020204030204" charset="0"/>
-              <a:cs typeface="Calibri" panose="020F0502020204030204" charset="0"/>
-            </a:endParaRPr>
           </a:p>
         </p:txBody>
       </p:sp>
@@ -16451,6 +15299,7 @@
           <a:p>
             <a:fld id="{FDAFAA84-93FD-4C2C-AE46-F7D42BEF3958}" type="slidenum">
               <a:rPr lang="en-GB"/>
+              <a:t>5</a:t>
             </a:fld>
             <a:endParaRPr lang="en-GB" sz="1600">
               <a:solidFill>
@@ -16466,7 +15315,7 @@
           <p:cNvSpPr txBox="1"/>
           <p:nvPr>
             <p:custDataLst>
-              <p:tags r:id="rId2"/>
+              <p:tags r:id="rId1"/>
             </p:custDataLst>
           </p:nvPr>
         </p:nvSpPr>
@@ -16497,10 +15346,6 @@
               </a:rPr>
               <a:t>When the user enters the start and end points, Routing.js  draws the line on the map</a:t>
             </a:r>
-            <a:endParaRPr lang="en-US" altLang="zh-CN" sz="2800" dirty="0">
-              <a:latin typeface="Calibri" panose="020F0502020204030204" charset="0"/>
-              <a:cs typeface="Calibri" panose="020F0502020204030204" charset="0"/>
-            </a:endParaRPr>
           </a:p>
           <a:p>
             <a:pPr marL="342900" indent="-342900" algn="l">
@@ -16532,7 +15377,7 @@
           <p:cNvSpPr txBox="1"/>
           <p:nvPr>
             <p:custDataLst>
-              <p:tags r:id="rId3"/>
+              <p:tags r:id="rId2"/>
             </p:custDataLst>
           </p:nvPr>
         </p:nvSpPr>
@@ -16562,13 +15407,6 @@
               </a:rPr>
               <a:t>More features?</a:t>
             </a:r>
-            <a:endParaRPr lang="en-US" altLang="zh-CN" sz="3200" b="1" dirty="0">
-              <a:solidFill>
-                <a:srgbClr val="FF0000"/>
-              </a:solidFill>
-              <a:latin typeface="Calibri" panose="020F0502020204030204" charset="0"/>
-              <a:cs typeface="Calibri" panose="020F0502020204030204" charset="0"/>
-            </a:endParaRPr>
           </a:p>
         </p:txBody>
       </p:sp>
@@ -16578,7 +15416,7 @@
           <p:cNvSpPr txBox="1"/>
           <p:nvPr>
             <p:custDataLst>
-              <p:tags r:id="rId4"/>
+              <p:tags r:id="rId3"/>
             </p:custDataLst>
           </p:nvPr>
         </p:nvSpPr>
@@ -16596,6 +15434,7 @@
           <a:bodyPr wrap="square" rtlCol="0">
             <a:spAutoFit/>
           </a:bodyPr>
+          <a:lstStyle/>
           <a:p>
             <a:r>
               <a:rPr lang="en-US" altLang="zh-CN"/>
@@ -16614,16 +15453,6 @@
               </a:rPr>
               <a:t>14 Jul</a:t>
             </a:r>
-            <a:endParaRPr lang="en-US" altLang="zh-CN" sz="2000">
-              <a:solidFill>
-                <a:schemeClr val="tx1">
-                  <a:lumMod val="50000"/>
-                  <a:lumOff val="50000"/>
-                </a:schemeClr>
-              </a:solidFill>
-              <a:latin typeface="Calibri" panose="020F0502020204030204" charset="0"/>
-              <a:cs typeface="Calibri" panose="020F0502020204030204" charset="0"/>
-            </a:endParaRPr>
           </a:p>
         </p:txBody>
       </p:sp>
@@ -16822,13 +15651,6 @@
               </a:rPr>
               <a:t>UI Design Diagram</a:t>
             </a:r>
-            <a:endParaRPr lang="en-US" altLang="zh-CN" sz="4800">
-              <a:solidFill>
-                <a:schemeClr val="tx1"/>
-              </a:solidFill>
-              <a:latin typeface="Calibri" panose="020F0502020204030204" charset="0"/>
-              <a:cs typeface="Calibri" panose="020F0502020204030204" charset="0"/>
-            </a:endParaRPr>
           </a:p>
         </p:txBody>
       </p:sp>
@@ -16849,6 +15671,7 @@
           <a:p>
             <a:fld id="{FDAFAA84-93FD-4C2C-AE46-F7D42BEF3958}" type="slidenum">
               <a:rPr lang="en-GB"/>
+              <a:t>6</a:t>
             </a:fld>
             <a:endParaRPr lang="en-GB" sz="1600">
               <a:solidFill>
@@ -16869,7 +15692,7 @@
           </p:nvPr>
         </p:nvPicPr>
         <p:blipFill>
-          <a:blip r:embed="rId1"/>
+          <a:blip r:embed="rId3"/>
           <a:stretch>
             <a:fillRect/>
           </a:stretch>
@@ -16890,7 +15713,7 @@
           <p:cNvSpPr txBox="1"/>
           <p:nvPr>
             <p:custDataLst>
-              <p:tags r:id="rId2"/>
+              <p:tags r:id="rId1"/>
             </p:custDataLst>
           </p:nvPr>
         </p:nvSpPr>
@@ -16908,6 +15731,7 @@
           <a:bodyPr wrap="square" rtlCol="0">
             <a:spAutoFit/>
           </a:bodyPr>
+          <a:lstStyle/>
           <a:p>
             <a:r>
               <a:rPr lang="en-US" altLang="zh-CN"/>
@@ -16926,16 +15750,6 @@
               </a:rPr>
               <a:t>14 Jul</a:t>
             </a:r>
-            <a:endParaRPr lang="en-US" altLang="zh-CN" sz="2000">
-              <a:solidFill>
-                <a:schemeClr val="tx1">
-                  <a:lumMod val="50000"/>
-                  <a:lumOff val="50000"/>
-                </a:schemeClr>
-              </a:solidFill>
-              <a:latin typeface="Calibri" panose="020F0502020204030204" charset="0"/>
-              <a:cs typeface="Calibri" panose="020F0502020204030204" charset="0"/>
-            </a:endParaRPr>
           </a:p>
         </p:txBody>
       </p:sp>
@@ -16995,13 +15809,6 @@
               </a:rPr>
               <a:t>Outline</a:t>
             </a:r>
-            <a:endParaRPr lang="en-US" altLang="zh-CN" sz="4800">
-              <a:solidFill>
-                <a:schemeClr val="tx1"/>
-              </a:solidFill>
-              <a:latin typeface="Calibri" panose="020F0502020204030204" charset="0"/>
-              <a:cs typeface="Calibri" panose="020F0502020204030204" charset="0"/>
-            </a:endParaRPr>
           </a:p>
         </p:txBody>
       </p:sp>
@@ -17092,15 +15899,6 @@
               </a:rPr>
               <a:t>Image Processing</a:t>
             </a:r>
-            <a:endParaRPr lang="en-US" altLang="zh-CN" sz="2800">
-              <a:solidFill>
-                <a:srgbClr val="FF0000"/>
-              </a:solidFill>
-              <a:latin typeface="Calibri" panose="020F0502020204030204" charset="0"/>
-              <a:ea typeface="宋体" panose="02010600030101010101" pitchFamily="2" charset="-122"/>
-              <a:cs typeface="Calibri" panose="020F0502020204030204" charset="0"/>
-              <a:sym typeface="+mn-ea"/>
-            </a:endParaRPr>
           </a:p>
           <a:p>
             <a:pPr marL="800100" lvl="1" indent="-342900">
@@ -17118,14 +15916,6 @@
               </a:rPr>
               <a:t>Car Detection</a:t>
             </a:r>
-            <a:endParaRPr lang="en-US" altLang="zh-CN" sz="2800" b="1">
-              <a:solidFill>
-                <a:schemeClr val="tx1"/>
-              </a:solidFill>
-              <a:latin typeface="Calibri" panose="020F0502020204030204" charset="0"/>
-              <a:ea typeface="宋体" panose="02010600030101010101" pitchFamily="2" charset="-122"/>
-              <a:cs typeface="Calibri" panose="020F0502020204030204" charset="0"/>
-            </a:endParaRPr>
           </a:p>
           <a:p>
             <a:pPr marL="800100" lvl="1" indent="-342900">
@@ -17315,6 +16105,7 @@
           <a:p>
             <a:fld id="{FDAFAA84-93FD-4C2C-AE46-F7D42BEF3958}" type="slidenum">
               <a:rPr lang="en-GB"/>
+              <a:t>7</a:t>
             </a:fld>
             <a:endParaRPr lang="en-GB" sz="1600">
               <a:solidFill>
@@ -17348,6 +16139,7 @@
           <a:bodyPr wrap="square" rtlCol="0">
             <a:spAutoFit/>
           </a:bodyPr>
+          <a:lstStyle/>
           <a:p>
             <a:r>
               <a:rPr lang="en-US" altLang="zh-CN"/>
@@ -17366,16 +16158,6 @@
               </a:rPr>
               <a:t>14 Jul</a:t>
             </a:r>
-            <a:endParaRPr lang="en-US" altLang="zh-CN" sz="2000">
-              <a:solidFill>
-                <a:schemeClr val="tx1">
-                  <a:lumMod val="50000"/>
-                  <a:lumOff val="50000"/>
-                </a:schemeClr>
-              </a:solidFill>
-              <a:latin typeface="Calibri" panose="020F0502020204030204" charset="0"/>
-              <a:cs typeface="Calibri" panose="020F0502020204030204" charset="0"/>
-            </a:endParaRPr>
           </a:p>
         </p:txBody>
       </p:sp>
@@ -17434,13 +16216,6 @@
               </a:rPr>
               <a:t>Image Processing</a:t>
             </a:r>
-            <a:endParaRPr lang="en-US" altLang="zh-CN" sz="4800">
-              <a:solidFill>
-                <a:schemeClr val="tx1"/>
-              </a:solidFill>
-              <a:latin typeface="Calibri" panose="020F0502020204030204" charset="0"/>
-              <a:cs typeface="Calibri" panose="020F0502020204030204" charset="0"/>
-            </a:endParaRPr>
           </a:p>
         </p:txBody>
       </p:sp>
@@ -17497,15 +16272,6 @@
               </a:rPr>
               <a:t>We will use machine learning to count the num of cars</a:t>
             </a:r>
-            <a:endParaRPr lang="en-US" altLang="zh-CN" sz="2800" b="0" dirty="0">
-              <a:solidFill>
-                <a:schemeClr val="tx1"/>
-              </a:solidFill>
-              <a:latin typeface="Calibri" panose="020F0502020204030204" charset="0"/>
-              <a:ea typeface="宋体" panose="02010600030101010101" pitchFamily="2" charset="-122"/>
-              <a:cs typeface="Calibri" panose="020F0502020204030204" charset="0"/>
-              <a:sym typeface="+mn-ea"/>
-            </a:endParaRPr>
           </a:p>
           <a:p>
             <a:pPr marL="0" indent="0">
@@ -17570,15 +16336,6 @@
               </a:rPr>
               <a:t>to mark cars and count the num of anchor boxes</a:t>
             </a:r>
-            <a:endParaRPr lang="en-US" altLang="zh-CN" sz="2800" b="0" dirty="0">
-              <a:solidFill>
-                <a:schemeClr val="tx1"/>
-              </a:solidFill>
-              <a:latin typeface="Calibri" panose="020F0502020204030204" charset="0"/>
-              <a:ea typeface="宋体" panose="02010600030101010101" pitchFamily="2" charset="-122"/>
-              <a:cs typeface="Calibri" panose="020F0502020204030204" charset="0"/>
-              <a:sym typeface="+mn-ea"/>
-            </a:endParaRPr>
           </a:p>
           <a:p>
             <a:pPr marL="0" indent="0">
@@ -17646,6 +16403,7 @@
           <a:p>
             <a:fld id="{FDAFAA84-93FD-4C2C-AE46-F7D42BEF3958}" type="slidenum">
               <a:rPr lang="en-GB"/>
+              <a:t>8</a:t>
             </a:fld>
             <a:endParaRPr lang="en-GB" sz="1600">
               <a:solidFill>
@@ -17668,7 +16426,7 @@
           </p:nvPr>
         </p:nvPicPr>
         <p:blipFill rotWithShape="1">
-          <a:blip r:embed="rId2">
+          <a:blip r:embed="rId4">
             <a:extLst>
               <a:ext uri="{28A0092B-C50C-407E-A947-70E740481C1C}">
                 <a14:useLocalDpi xmlns:a14="http://schemas.microsoft.com/office/drawing/2010/main" val="0"/>
@@ -17706,7 +16464,7 @@
           <p:cNvSpPr txBox="1"/>
           <p:nvPr>
             <p:custDataLst>
-              <p:tags r:id="rId3"/>
+              <p:tags r:id="rId2"/>
             </p:custDataLst>
           </p:nvPr>
         </p:nvSpPr>
@@ -17724,6 +16482,7 @@
           <a:bodyPr wrap="square" rtlCol="0">
             <a:spAutoFit/>
           </a:bodyPr>
+          <a:lstStyle/>
           <a:p>
             <a:r>
               <a:rPr lang="en-US" altLang="zh-CN"/>
@@ -17742,16 +16501,6 @@
               </a:rPr>
               <a:t>14 Jul</a:t>
             </a:r>
-            <a:endParaRPr lang="en-US" altLang="zh-CN" sz="2000">
-              <a:solidFill>
-                <a:schemeClr val="tx1">
-                  <a:lumMod val="50000"/>
-                  <a:lumOff val="50000"/>
-                </a:schemeClr>
-              </a:solidFill>
-              <a:latin typeface="Calibri" panose="020F0502020204030204" charset="0"/>
-              <a:cs typeface="Calibri" panose="020F0502020204030204" charset="0"/>
-            </a:endParaRPr>
           </a:p>
         </p:txBody>
       </p:sp>
@@ -17810,13 +16559,6 @@
               </a:rPr>
               <a:t>Image Processing</a:t>
             </a:r>
-            <a:endParaRPr lang="en-US" altLang="zh-CN" sz="4800">
-              <a:solidFill>
-                <a:schemeClr val="tx1"/>
-              </a:solidFill>
-              <a:latin typeface="Calibri" panose="020F0502020204030204" charset="0"/>
-              <a:cs typeface="Calibri" panose="020F0502020204030204" charset="0"/>
-            </a:endParaRPr>
           </a:p>
         </p:txBody>
       </p:sp>
@@ -17850,13 +16592,6 @@
               </a:rPr>
               <a:t>SQL</a:t>
             </a:r>
-            <a:endParaRPr lang="en-US" altLang="zh-CN" sz="3200" dirty="0">
-              <a:solidFill>
-                <a:schemeClr val="tx1"/>
-              </a:solidFill>
-              <a:latin typeface="Calibri" panose="020F0502020204030204" charset="0"/>
-              <a:cs typeface="Calibri" panose="020F0502020204030204" charset="0"/>
-            </a:endParaRPr>
           </a:p>
           <a:p>
             <a:r>
@@ -17868,38 +16603,41 @@
                 <a:cs typeface="Calibri" panose="020F0502020204030204" charset="0"/>
                 <a:sym typeface="+mn-ea"/>
               </a:rPr>
-              <a:t>We use AWS RDS</a:t>
+              <a:t>We use </a:t>
+            </a:r>
+            <a:r>
+              <a:rPr lang="en-US" altLang="zh-CN" sz="2800" b="0" dirty="0">
+                <a:solidFill>
+                  <a:srgbClr val="FF0000"/>
+                </a:solidFill>
+                <a:latin typeface="Calibri" panose="020F0502020204030204" charset="0"/>
+                <a:cs typeface="Calibri" panose="020F0502020204030204" charset="0"/>
+                <a:sym typeface="+mn-ea"/>
+              </a:rPr>
+              <a:t>AWS RDS</a:t>
             </a:r>
             <a:r>
               <a:rPr lang="zh-CN" altLang="en-US" sz="2800" b="0" dirty="0">
                 <a:solidFill>
+                  <a:srgbClr val="FF0000"/>
+                </a:solidFill>
+                <a:latin typeface="Calibri" panose="020F0502020204030204" charset="0"/>
+                <a:cs typeface="Calibri" panose="020F0502020204030204" charset="0"/>
+                <a:sym typeface="+mn-ea"/>
+              </a:rPr>
+              <a:t> </a:t>
+            </a:r>
+            <a:r>
+              <a:rPr lang="en-US" altLang="zh-CN" sz="2800" b="0" dirty="0">
+                <a:solidFill>
                   <a:schemeClr val="tx1"/>
                 </a:solidFill>
                 <a:latin typeface="Calibri" panose="020F0502020204030204" charset="0"/>
                 <a:cs typeface="Calibri" panose="020F0502020204030204" charset="0"/>
                 <a:sym typeface="+mn-ea"/>
               </a:rPr>
-              <a:t> </a:t>
-            </a:r>
-            <a:r>
-              <a:rPr lang="en-US" altLang="zh-CN" sz="2800" b="0" dirty="0">
-                <a:solidFill>
-                  <a:schemeClr val="tx1"/>
-                </a:solidFill>
-                <a:latin typeface="Calibri" panose="020F0502020204030204" charset="0"/>
-                <a:cs typeface="Calibri" panose="020F0502020204030204" charset="0"/>
-                <a:sym typeface="+mn-ea"/>
-              </a:rPr>
               <a:t>to store the result.</a:t>
             </a:r>
-            <a:endParaRPr lang="en-US" altLang="zh-CN" sz="2800" b="0" dirty="0">
-              <a:solidFill>
-                <a:schemeClr val="tx1"/>
-              </a:solidFill>
-              <a:latin typeface="Calibri" panose="020F0502020204030204" charset="0"/>
-              <a:cs typeface="Calibri" panose="020F0502020204030204" charset="0"/>
-              <a:sym typeface="+mn-ea"/>
-            </a:endParaRPr>
           </a:p>
           <a:p>
             <a:pPr marL="0" indent="0">
@@ -17926,14 +16664,6 @@
               </a:rPr>
               <a:t>The front-end will get the information from SQL and print it in the map.</a:t>
             </a:r>
-            <a:endParaRPr lang="en-US" altLang="zh-CN" sz="2800" b="0" dirty="0">
-              <a:solidFill>
-                <a:schemeClr val="tx1"/>
-              </a:solidFill>
-              <a:latin typeface="Calibri" panose="020F0502020204030204" charset="0"/>
-              <a:cs typeface="Calibri" panose="020F0502020204030204" charset="0"/>
-              <a:sym typeface="+mn-ea"/>
-            </a:endParaRPr>
           </a:p>
           <a:p>
             <a:pPr marL="0" indent="0">
@@ -17990,6 +16720,7 @@
           <a:p>
             <a:fld id="{FDAFAA84-93FD-4C2C-AE46-F7D42BEF3958}" type="slidenum">
               <a:rPr lang="en-GB"/>
+              <a:t>9</a:t>
             </a:fld>
             <a:endParaRPr lang="en-GB" sz="1600">
               <a:solidFill>
@@ -18012,7 +16743,7 @@
           </p:nvPr>
         </p:nvPicPr>
         <p:blipFill>
-          <a:blip r:embed="rId2"/>
+          <a:blip r:embed="rId4"/>
           <a:stretch>
             <a:fillRect/>
           </a:stretch>
@@ -18033,7 +16764,7 @@
           <p:cNvSpPr txBox="1"/>
           <p:nvPr>
             <p:custDataLst>
-              <p:tags r:id="rId3"/>
+              <p:tags r:id="rId2"/>
             </p:custDataLst>
           </p:nvPr>
         </p:nvSpPr>
@@ -18051,6 +16782,7 @@
           <a:bodyPr wrap="square" rtlCol="0">
             <a:spAutoFit/>
           </a:bodyPr>
+          <a:lstStyle/>
           <a:p>
             <a:r>
               <a:rPr lang="en-US" altLang="zh-CN"/>
@@ -18069,16 +16801,6 @@
               </a:rPr>
               <a:t>14 Jul</a:t>
             </a:r>
-            <a:endParaRPr lang="en-US" altLang="zh-CN" sz="2000">
-              <a:solidFill>
-                <a:schemeClr val="tx1">
-                  <a:lumMod val="50000"/>
-                  <a:lumOff val="50000"/>
-                </a:schemeClr>
-              </a:solidFill>
-              <a:latin typeface="Calibri" panose="020F0502020204030204" charset="0"/>
-              <a:cs typeface="Calibri" panose="020F0502020204030204" charset="0"/>
-            </a:endParaRPr>
           </a:p>
         </p:txBody>
       </p:sp>
@@ -18091,573 +16813,573 @@
 </file>
 
 <file path=ppt/tags/tag1.xml><?xml version="1.0" encoding="utf-8"?>
-<p:tagLst xmlns:p="http://schemas.openxmlformats.org/presentationml/2006/main">
-  <p:tag name="KSO_WM_UNIT_PLACING_PICTURE_USER_VIEWPORT" val="{&quot;height&quot;:959.9984251968503,&quot;width&quot;:1920}"/>
+<p:tagLst xmlns:a="http://schemas.openxmlformats.org/drawingml/2006/main" xmlns:r="http://schemas.openxmlformats.org/officeDocument/2006/relationships" xmlns:p="http://schemas.openxmlformats.org/presentationml/2006/main">
+  <p:tag name="KSO_WPP_MARK_KEY" val="7220e3b5-90e9-4db8-ab7b-c2077a98cd7e"/>
+  <p:tag name="COMMONDATA" val="eyJoZGlkIjoiNGFjYWZmYzQ2NDRhZTRkZGEwZWFmM2NiNTMwNjdmOGIifQ=="/>
 </p:tagLst>
 </file>
 
 <file path=ppt/tags/tag10.xml><?xml version="1.0" encoding="utf-8"?>
-<p:tagLst xmlns:p="http://schemas.openxmlformats.org/presentationml/2006/main">
+<p:tagLst xmlns:a="http://schemas.openxmlformats.org/drawingml/2006/main" xmlns:r="http://schemas.openxmlformats.org/officeDocument/2006/relationships" xmlns:p="http://schemas.openxmlformats.org/presentationml/2006/main">
   <p:tag name="KSO_WM_BEAUTIFY_FLAG" val=""/>
 </p:tagLst>
 </file>
 
 <file path=ppt/tags/tag11.xml><?xml version="1.0" encoding="utf-8"?>
-<p:tagLst xmlns:p="http://schemas.openxmlformats.org/presentationml/2006/main">
+<p:tagLst xmlns:a="http://schemas.openxmlformats.org/drawingml/2006/main" xmlns:r="http://schemas.openxmlformats.org/officeDocument/2006/relationships" xmlns:p="http://schemas.openxmlformats.org/presentationml/2006/main">
   <p:tag name="KSO_WM_BEAUTIFY_FLAG" val=""/>
 </p:tagLst>
 </file>
 
 <file path=ppt/tags/tag12.xml><?xml version="1.0" encoding="utf-8"?>
-<p:tagLst xmlns:p="http://schemas.openxmlformats.org/presentationml/2006/main">
+<p:tagLst xmlns:a="http://schemas.openxmlformats.org/drawingml/2006/main" xmlns:r="http://schemas.openxmlformats.org/officeDocument/2006/relationships" xmlns:p="http://schemas.openxmlformats.org/presentationml/2006/main">
   <p:tag name="KSO_WM_BEAUTIFY_FLAG" val=""/>
 </p:tagLst>
 </file>
 
 <file path=ppt/tags/tag13.xml><?xml version="1.0" encoding="utf-8"?>
-<p:tagLst xmlns:p="http://schemas.openxmlformats.org/presentationml/2006/main">
+<p:tagLst xmlns:a="http://schemas.openxmlformats.org/drawingml/2006/main" xmlns:r="http://schemas.openxmlformats.org/officeDocument/2006/relationships" xmlns:p="http://schemas.openxmlformats.org/presentationml/2006/main">
   <p:tag name="KSO_WM_BEAUTIFY_FLAG" val=""/>
 </p:tagLst>
 </file>
 
 <file path=ppt/tags/tag14.xml><?xml version="1.0" encoding="utf-8"?>
-<p:tagLst xmlns:p="http://schemas.openxmlformats.org/presentationml/2006/main">
+<p:tagLst xmlns:a="http://schemas.openxmlformats.org/drawingml/2006/main" xmlns:r="http://schemas.openxmlformats.org/officeDocument/2006/relationships" xmlns:p="http://schemas.openxmlformats.org/presentationml/2006/main">
   <p:tag name="KSO_WM_BEAUTIFY_FLAG" val=""/>
 </p:tagLst>
 </file>
 
 <file path=ppt/tags/tag15.xml><?xml version="1.0" encoding="utf-8"?>
-<p:tagLst xmlns:p="http://schemas.openxmlformats.org/presentationml/2006/main">
+<p:tagLst xmlns:a="http://schemas.openxmlformats.org/drawingml/2006/main" xmlns:r="http://schemas.openxmlformats.org/officeDocument/2006/relationships" xmlns:p="http://schemas.openxmlformats.org/presentationml/2006/main">
   <p:tag name="KSO_WM_BEAUTIFY_FLAG" val=""/>
 </p:tagLst>
 </file>
 
 <file path=ppt/tags/tag16.xml><?xml version="1.0" encoding="utf-8"?>
-<p:tagLst xmlns:p="http://schemas.openxmlformats.org/presentationml/2006/main">
+<p:tagLst xmlns:a="http://schemas.openxmlformats.org/drawingml/2006/main" xmlns:r="http://schemas.openxmlformats.org/officeDocument/2006/relationships" xmlns:p="http://schemas.openxmlformats.org/presentationml/2006/main">
   <p:tag name="KSO_WM_BEAUTIFY_FLAG" val=""/>
 </p:tagLst>
 </file>
 
 <file path=ppt/tags/tag17.xml><?xml version="1.0" encoding="utf-8"?>
-<p:tagLst xmlns:p="http://schemas.openxmlformats.org/presentationml/2006/main">
+<p:tagLst xmlns:a="http://schemas.openxmlformats.org/drawingml/2006/main" xmlns:r="http://schemas.openxmlformats.org/officeDocument/2006/relationships" xmlns:p="http://schemas.openxmlformats.org/presentationml/2006/main">
   <p:tag name="KSO_WM_BEAUTIFY_FLAG" val=""/>
 </p:tagLst>
 </file>
 
 <file path=ppt/tags/tag18.xml><?xml version="1.0" encoding="utf-8"?>
-<p:tagLst xmlns:p="http://schemas.openxmlformats.org/presentationml/2006/main">
+<p:tagLst xmlns:a="http://schemas.openxmlformats.org/drawingml/2006/main" xmlns:r="http://schemas.openxmlformats.org/officeDocument/2006/relationships" xmlns:p="http://schemas.openxmlformats.org/presentationml/2006/main">
   <p:tag name="KSO_WM_BEAUTIFY_FLAG" val=""/>
 </p:tagLst>
 </file>
 
 <file path=ppt/tags/tag19.xml><?xml version="1.0" encoding="utf-8"?>
-<p:tagLst xmlns:p="http://schemas.openxmlformats.org/presentationml/2006/main">
+<p:tagLst xmlns:a="http://schemas.openxmlformats.org/drawingml/2006/main" xmlns:r="http://schemas.openxmlformats.org/officeDocument/2006/relationships" xmlns:p="http://schemas.openxmlformats.org/presentationml/2006/main">
   <p:tag name="KSO_WM_BEAUTIFY_FLAG" val=""/>
 </p:tagLst>
 </file>
 
 <file path=ppt/tags/tag2.xml><?xml version="1.0" encoding="utf-8"?>
-<p:tagLst xmlns:p="http://schemas.openxmlformats.org/presentationml/2006/main">
-  <p:tag name="KSO_WM_BEAUTIFY_FLAG" val=""/>
+<p:tagLst xmlns:a="http://schemas.openxmlformats.org/drawingml/2006/main" xmlns:r="http://schemas.openxmlformats.org/officeDocument/2006/relationships" xmlns:p="http://schemas.openxmlformats.org/presentationml/2006/main">
+  <p:tag name="KSO_WM_UNIT_PLACING_PICTURE_USER_VIEWPORT" val="{&quot;height&quot;:959.9984251968503,&quot;width&quot;:1920}"/>
 </p:tagLst>
 </file>
 
 <file path=ppt/tags/tag20.xml><?xml version="1.0" encoding="utf-8"?>
-<p:tagLst xmlns:p="http://schemas.openxmlformats.org/presentationml/2006/main">
+<p:tagLst xmlns:a="http://schemas.openxmlformats.org/drawingml/2006/main" xmlns:r="http://schemas.openxmlformats.org/officeDocument/2006/relationships" xmlns:p="http://schemas.openxmlformats.org/presentationml/2006/main">
   <p:tag name="KSO_WM_BEAUTIFY_FLAG" val=""/>
 </p:tagLst>
 </file>
 
 <file path=ppt/tags/tag21.xml><?xml version="1.0" encoding="utf-8"?>
-<p:tagLst xmlns:p="http://schemas.openxmlformats.org/presentationml/2006/main">
+<p:tagLst xmlns:a="http://schemas.openxmlformats.org/drawingml/2006/main" xmlns:r="http://schemas.openxmlformats.org/officeDocument/2006/relationships" xmlns:p="http://schemas.openxmlformats.org/presentationml/2006/main">
   <p:tag name="KSO_WM_BEAUTIFY_FLAG" val=""/>
 </p:tagLst>
 </file>
 
 <file path=ppt/tags/tag22.xml><?xml version="1.0" encoding="utf-8"?>
-<p:tagLst xmlns:p="http://schemas.openxmlformats.org/presentationml/2006/main">
+<p:tagLst xmlns:a="http://schemas.openxmlformats.org/drawingml/2006/main" xmlns:r="http://schemas.openxmlformats.org/officeDocument/2006/relationships" xmlns:p="http://schemas.openxmlformats.org/presentationml/2006/main">
   <p:tag name="KSO_WM_BEAUTIFY_FLAG" val=""/>
 </p:tagLst>
 </file>
 
 <file path=ppt/tags/tag23.xml><?xml version="1.0" encoding="utf-8"?>
-<p:tagLst xmlns:p="http://schemas.openxmlformats.org/presentationml/2006/main">
+<p:tagLst xmlns:a="http://schemas.openxmlformats.org/drawingml/2006/main" xmlns:r="http://schemas.openxmlformats.org/officeDocument/2006/relationships" xmlns:p="http://schemas.openxmlformats.org/presentationml/2006/main">
   <p:tag name="KSO_WM_BEAUTIFY_FLAG" val=""/>
 </p:tagLst>
 </file>
 
 <file path=ppt/tags/tag24.xml><?xml version="1.0" encoding="utf-8"?>
-<p:tagLst xmlns:p="http://schemas.openxmlformats.org/presentationml/2006/main">
+<p:tagLst xmlns:a="http://schemas.openxmlformats.org/drawingml/2006/main" xmlns:r="http://schemas.openxmlformats.org/officeDocument/2006/relationships" xmlns:p="http://schemas.openxmlformats.org/presentationml/2006/main">
   <p:tag name="KSO_WM_BEAUTIFY_FLAG" val=""/>
 </p:tagLst>
 </file>
 
 <file path=ppt/tags/tag25.xml><?xml version="1.0" encoding="utf-8"?>
-<p:tagLst xmlns:p="http://schemas.openxmlformats.org/presentationml/2006/main">
+<p:tagLst xmlns:a="http://schemas.openxmlformats.org/drawingml/2006/main" xmlns:r="http://schemas.openxmlformats.org/officeDocument/2006/relationships" xmlns:p="http://schemas.openxmlformats.org/presentationml/2006/main">
   <p:tag name="KSO_WM_BEAUTIFY_FLAG" val=""/>
 </p:tagLst>
 </file>
 
 <file path=ppt/tags/tag26.xml><?xml version="1.0" encoding="utf-8"?>
-<p:tagLst xmlns:p="http://schemas.openxmlformats.org/presentationml/2006/main">
+<p:tagLst xmlns:a="http://schemas.openxmlformats.org/drawingml/2006/main" xmlns:r="http://schemas.openxmlformats.org/officeDocument/2006/relationships" xmlns:p="http://schemas.openxmlformats.org/presentationml/2006/main">
   <p:tag name="KSO_WM_BEAUTIFY_FLAG" val=""/>
 </p:tagLst>
 </file>
 
 <file path=ppt/tags/tag27.xml><?xml version="1.0" encoding="utf-8"?>
-<p:tagLst xmlns:p="http://schemas.openxmlformats.org/presentationml/2006/main">
+<p:tagLst xmlns:a="http://schemas.openxmlformats.org/drawingml/2006/main" xmlns:r="http://schemas.openxmlformats.org/officeDocument/2006/relationships" xmlns:p="http://schemas.openxmlformats.org/presentationml/2006/main">
   <p:tag name="KSO_WM_BEAUTIFY_FLAG" val=""/>
 </p:tagLst>
 </file>
 
 <file path=ppt/tags/tag28.xml><?xml version="1.0" encoding="utf-8"?>
-<p:tagLst xmlns:p="http://schemas.openxmlformats.org/presentationml/2006/main">
+<p:tagLst xmlns:a="http://schemas.openxmlformats.org/drawingml/2006/main" xmlns:r="http://schemas.openxmlformats.org/officeDocument/2006/relationships" xmlns:p="http://schemas.openxmlformats.org/presentationml/2006/main">
   <p:tag name="KSO_WM_BEAUTIFY_FLAG" val=""/>
 </p:tagLst>
 </file>
 
 <file path=ppt/tags/tag29.xml><?xml version="1.0" encoding="utf-8"?>
-<p:tagLst xmlns:p="http://schemas.openxmlformats.org/presentationml/2006/main">
+<p:tagLst xmlns:a="http://schemas.openxmlformats.org/drawingml/2006/main" xmlns:r="http://schemas.openxmlformats.org/officeDocument/2006/relationships" xmlns:p="http://schemas.openxmlformats.org/presentationml/2006/main">
   <p:tag name="KSO_WM_BEAUTIFY_FLAG" val=""/>
 </p:tagLst>
 </file>
 
 <file path=ppt/tags/tag3.xml><?xml version="1.0" encoding="utf-8"?>
-<p:tagLst xmlns:p="http://schemas.openxmlformats.org/presentationml/2006/main">
+<p:tagLst xmlns:a="http://schemas.openxmlformats.org/drawingml/2006/main" xmlns:r="http://schemas.openxmlformats.org/officeDocument/2006/relationships" xmlns:p="http://schemas.openxmlformats.org/presentationml/2006/main">
   <p:tag name="KSO_WM_BEAUTIFY_FLAG" val=""/>
 </p:tagLst>
 </file>
 
 <file path=ppt/tags/tag30.xml><?xml version="1.0" encoding="utf-8"?>
-<p:tagLst xmlns:p="http://schemas.openxmlformats.org/presentationml/2006/main">
+<p:tagLst xmlns:a="http://schemas.openxmlformats.org/drawingml/2006/main" xmlns:r="http://schemas.openxmlformats.org/officeDocument/2006/relationships" xmlns:p="http://schemas.openxmlformats.org/presentationml/2006/main">
   <p:tag name="KSO_WM_BEAUTIFY_FLAG" val=""/>
 </p:tagLst>
 </file>
 
 <file path=ppt/tags/tag31.xml><?xml version="1.0" encoding="utf-8"?>
-<p:tagLst xmlns:p="http://schemas.openxmlformats.org/presentationml/2006/main">
+<p:tagLst xmlns:a="http://schemas.openxmlformats.org/drawingml/2006/main" xmlns:r="http://schemas.openxmlformats.org/officeDocument/2006/relationships" xmlns:p="http://schemas.openxmlformats.org/presentationml/2006/main">
   <p:tag name="KSO_WM_BEAUTIFY_FLAG" val=""/>
 </p:tagLst>
 </file>
 
 <file path=ppt/tags/tag32.xml><?xml version="1.0" encoding="utf-8"?>
-<p:tagLst xmlns:p="http://schemas.openxmlformats.org/presentationml/2006/main">
+<p:tagLst xmlns:a="http://schemas.openxmlformats.org/drawingml/2006/main" xmlns:r="http://schemas.openxmlformats.org/officeDocument/2006/relationships" xmlns:p="http://schemas.openxmlformats.org/presentationml/2006/main">
   <p:tag name="KSO_WM_BEAUTIFY_FLAG" val=""/>
 </p:tagLst>
 </file>
 
 <file path=ppt/tags/tag33.xml><?xml version="1.0" encoding="utf-8"?>
-<p:tagLst xmlns:p="http://schemas.openxmlformats.org/presentationml/2006/main">
+<p:tagLst xmlns:a="http://schemas.openxmlformats.org/drawingml/2006/main" xmlns:r="http://schemas.openxmlformats.org/officeDocument/2006/relationships" xmlns:p="http://schemas.openxmlformats.org/presentationml/2006/main">
   <p:tag name="KSO_WM_BEAUTIFY_FLAG" val=""/>
 </p:tagLst>
 </file>
 
 <file path=ppt/tags/tag34.xml><?xml version="1.0" encoding="utf-8"?>
-<p:tagLst xmlns:p="http://schemas.openxmlformats.org/presentationml/2006/main">
+<p:tagLst xmlns:a="http://schemas.openxmlformats.org/drawingml/2006/main" xmlns:r="http://schemas.openxmlformats.org/officeDocument/2006/relationships" xmlns:p="http://schemas.openxmlformats.org/presentationml/2006/main">
   <p:tag name="KSO_WM_BEAUTIFY_FLAG" val=""/>
 </p:tagLst>
 </file>
 
 <file path=ppt/tags/tag35.xml><?xml version="1.0" encoding="utf-8"?>
-<p:tagLst xmlns:p="http://schemas.openxmlformats.org/presentationml/2006/main">
+<p:tagLst xmlns:a="http://schemas.openxmlformats.org/drawingml/2006/main" xmlns:r="http://schemas.openxmlformats.org/officeDocument/2006/relationships" xmlns:p="http://schemas.openxmlformats.org/presentationml/2006/main">
   <p:tag name="KSO_WM_BEAUTIFY_FLAG" val=""/>
 </p:tagLst>
 </file>
 
 <file path=ppt/tags/tag36.xml><?xml version="1.0" encoding="utf-8"?>
-<p:tagLst xmlns:p="http://schemas.openxmlformats.org/presentationml/2006/main">
+<p:tagLst xmlns:a="http://schemas.openxmlformats.org/drawingml/2006/main" xmlns:r="http://schemas.openxmlformats.org/officeDocument/2006/relationships" xmlns:p="http://schemas.openxmlformats.org/presentationml/2006/main">
   <p:tag name="KSO_WM_BEAUTIFY_FLAG" val=""/>
 </p:tagLst>
 </file>
 
 <file path=ppt/tags/tag37.xml><?xml version="1.0" encoding="utf-8"?>
-<p:tagLst xmlns:p="http://schemas.openxmlformats.org/presentationml/2006/main">
+<p:tagLst xmlns:a="http://schemas.openxmlformats.org/drawingml/2006/main" xmlns:r="http://schemas.openxmlformats.org/officeDocument/2006/relationships" xmlns:p="http://schemas.openxmlformats.org/presentationml/2006/main">
   <p:tag name="KSO_WM_BEAUTIFY_FLAG" val=""/>
 </p:tagLst>
 </file>
 
 <file path=ppt/tags/tag38.xml><?xml version="1.0" encoding="utf-8"?>
-<p:tagLst xmlns:p="http://schemas.openxmlformats.org/presentationml/2006/main">
+<p:tagLst xmlns:a="http://schemas.openxmlformats.org/drawingml/2006/main" xmlns:r="http://schemas.openxmlformats.org/officeDocument/2006/relationships" xmlns:p="http://schemas.openxmlformats.org/presentationml/2006/main">
   <p:tag name="KSO_WM_BEAUTIFY_FLAG" val=""/>
 </p:tagLst>
 </file>
 
 <file path=ppt/tags/tag39.xml><?xml version="1.0" encoding="utf-8"?>
-<p:tagLst xmlns:p="http://schemas.openxmlformats.org/presentationml/2006/main">
+<p:tagLst xmlns:a="http://schemas.openxmlformats.org/drawingml/2006/main" xmlns:r="http://schemas.openxmlformats.org/officeDocument/2006/relationships" xmlns:p="http://schemas.openxmlformats.org/presentationml/2006/main">
   <p:tag name="KSO_WM_BEAUTIFY_FLAG" val=""/>
 </p:tagLst>
 </file>
 
 <file path=ppt/tags/tag4.xml><?xml version="1.0" encoding="utf-8"?>
-<p:tagLst xmlns:p="http://schemas.openxmlformats.org/presentationml/2006/main">
+<p:tagLst xmlns:a="http://schemas.openxmlformats.org/drawingml/2006/main" xmlns:r="http://schemas.openxmlformats.org/officeDocument/2006/relationships" xmlns:p="http://schemas.openxmlformats.org/presentationml/2006/main">
   <p:tag name="KSO_WM_BEAUTIFY_FLAG" val=""/>
 </p:tagLst>
 </file>
 
 <file path=ppt/tags/tag40.xml><?xml version="1.0" encoding="utf-8"?>
-<p:tagLst xmlns:p="http://schemas.openxmlformats.org/presentationml/2006/main">
+<p:tagLst xmlns:a="http://schemas.openxmlformats.org/drawingml/2006/main" xmlns:r="http://schemas.openxmlformats.org/officeDocument/2006/relationships" xmlns:p="http://schemas.openxmlformats.org/presentationml/2006/main">
   <p:tag name="KSO_WM_BEAUTIFY_FLAG" val=""/>
 </p:tagLst>
 </file>
 
 <file path=ppt/tags/tag41.xml><?xml version="1.0" encoding="utf-8"?>
-<p:tagLst xmlns:p="http://schemas.openxmlformats.org/presentationml/2006/main">
+<p:tagLst xmlns:a="http://schemas.openxmlformats.org/drawingml/2006/main" xmlns:r="http://schemas.openxmlformats.org/officeDocument/2006/relationships" xmlns:p="http://schemas.openxmlformats.org/presentationml/2006/main">
   <p:tag name="KSO_WM_BEAUTIFY_FLAG" val=""/>
 </p:tagLst>
 </file>
 
 <file path=ppt/tags/tag42.xml><?xml version="1.0" encoding="utf-8"?>
-<p:tagLst xmlns:p="http://schemas.openxmlformats.org/presentationml/2006/main">
+<p:tagLst xmlns:a="http://schemas.openxmlformats.org/drawingml/2006/main" xmlns:r="http://schemas.openxmlformats.org/officeDocument/2006/relationships" xmlns:p="http://schemas.openxmlformats.org/presentationml/2006/main">
   <p:tag name="KSO_WM_BEAUTIFY_FLAG" val=""/>
 </p:tagLst>
 </file>
 
 <file path=ppt/tags/tag43.xml><?xml version="1.0" encoding="utf-8"?>
-<p:tagLst xmlns:p="http://schemas.openxmlformats.org/presentationml/2006/main">
+<p:tagLst xmlns:a="http://schemas.openxmlformats.org/drawingml/2006/main" xmlns:r="http://schemas.openxmlformats.org/officeDocument/2006/relationships" xmlns:p="http://schemas.openxmlformats.org/presentationml/2006/main">
   <p:tag name="KSO_WM_BEAUTIFY_FLAG" val=""/>
 </p:tagLst>
 </file>
 
 <file path=ppt/tags/tag44.xml><?xml version="1.0" encoding="utf-8"?>
-<p:tagLst xmlns:p="http://schemas.openxmlformats.org/presentationml/2006/main">
+<p:tagLst xmlns:a="http://schemas.openxmlformats.org/drawingml/2006/main" xmlns:r="http://schemas.openxmlformats.org/officeDocument/2006/relationships" xmlns:p="http://schemas.openxmlformats.org/presentationml/2006/main">
   <p:tag name="KSO_WM_BEAUTIFY_FLAG" val=""/>
 </p:tagLst>
 </file>
 
 <file path=ppt/tags/tag45.xml><?xml version="1.0" encoding="utf-8"?>
-<p:tagLst xmlns:p="http://schemas.openxmlformats.org/presentationml/2006/main">
+<p:tagLst xmlns:a="http://schemas.openxmlformats.org/drawingml/2006/main" xmlns:r="http://schemas.openxmlformats.org/officeDocument/2006/relationships" xmlns:p="http://schemas.openxmlformats.org/presentationml/2006/main">
   <p:tag name="KSO_WM_BEAUTIFY_FLAG" val=""/>
 </p:tagLst>
 </file>
 
 <file path=ppt/tags/tag46.xml><?xml version="1.0" encoding="utf-8"?>
-<p:tagLst xmlns:p="http://schemas.openxmlformats.org/presentationml/2006/main">
+<p:tagLst xmlns:a="http://schemas.openxmlformats.org/drawingml/2006/main" xmlns:r="http://schemas.openxmlformats.org/officeDocument/2006/relationships" xmlns:p="http://schemas.openxmlformats.org/presentationml/2006/main">
   <p:tag name="KSO_WM_BEAUTIFY_FLAG" val=""/>
 </p:tagLst>
 </file>
 
 <file path=ppt/tags/tag47.xml><?xml version="1.0" encoding="utf-8"?>
-<p:tagLst xmlns:p="http://schemas.openxmlformats.org/presentationml/2006/main">
+<p:tagLst xmlns:a="http://schemas.openxmlformats.org/drawingml/2006/main" xmlns:r="http://schemas.openxmlformats.org/officeDocument/2006/relationships" xmlns:p="http://schemas.openxmlformats.org/presentationml/2006/main">
   <p:tag name="KSO_WM_BEAUTIFY_FLAG" val=""/>
 </p:tagLst>
 </file>
 
 <file path=ppt/tags/tag48.xml><?xml version="1.0" encoding="utf-8"?>
-<p:tagLst xmlns:p="http://schemas.openxmlformats.org/presentationml/2006/main">
+<p:tagLst xmlns:a="http://schemas.openxmlformats.org/drawingml/2006/main" xmlns:r="http://schemas.openxmlformats.org/officeDocument/2006/relationships" xmlns:p="http://schemas.openxmlformats.org/presentationml/2006/main">
   <p:tag name="KSO_WM_BEAUTIFY_FLAG" val=""/>
 </p:tagLst>
 </file>
 
 <file path=ppt/tags/tag49.xml><?xml version="1.0" encoding="utf-8"?>
-<p:tagLst xmlns:p="http://schemas.openxmlformats.org/presentationml/2006/main">
+<p:tagLst xmlns:a="http://schemas.openxmlformats.org/drawingml/2006/main" xmlns:r="http://schemas.openxmlformats.org/officeDocument/2006/relationships" xmlns:p="http://schemas.openxmlformats.org/presentationml/2006/main">
   <p:tag name="KSO_WM_BEAUTIFY_FLAG" val=""/>
 </p:tagLst>
 </file>
 
 <file path=ppt/tags/tag5.xml><?xml version="1.0" encoding="utf-8"?>
-<p:tagLst xmlns:p="http://schemas.openxmlformats.org/presentationml/2006/main">
+<p:tagLst xmlns:a="http://schemas.openxmlformats.org/drawingml/2006/main" xmlns:r="http://schemas.openxmlformats.org/officeDocument/2006/relationships" xmlns:p="http://schemas.openxmlformats.org/presentationml/2006/main">
   <p:tag name="KSO_WM_BEAUTIFY_FLAG" val=""/>
 </p:tagLst>
 </file>
 
 <file path=ppt/tags/tag50.xml><?xml version="1.0" encoding="utf-8"?>
-<p:tagLst xmlns:p="http://schemas.openxmlformats.org/presentationml/2006/main">
+<p:tagLst xmlns:a="http://schemas.openxmlformats.org/drawingml/2006/main" xmlns:r="http://schemas.openxmlformats.org/officeDocument/2006/relationships" xmlns:p="http://schemas.openxmlformats.org/presentationml/2006/main">
   <p:tag name="KSO_WM_BEAUTIFY_FLAG" val=""/>
 </p:tagLst>
 </file>
 
 <file path=ppt/tags/tag51.xml><?xml version="1.0" encoding="utf-8"?>
-<p:tagLst xmlns:p="http://schemas.openxmlformats.org/presentationml/2006/main">
+<p:tagLst xmlns:a="http://schemas.openxmlformats.org/drawingml/2006/main" xmlns:r="http://schemas.openxmlformats.org/officeDocument/2006/relationships" xmlns:p="http://schemas.openxmlformats.org/presentationml/2006/main">
   <p:tag name="KSO_WM_BEAUTIFY_FLAG" val=""/>
 </p:tagLst>
 </file>
 
 <file path=ppt/tags/tag52.xml><?xml version="1.0" encoding="utf-8"?>
-<p:tagLst xmlns:p="http://schemas.openxmlformats.org/presentationml/2006/main">
+<p:tagLst xmlns:a="http://schemas.openxmlformats.org/drawingml/2006/main" xmlns:r="http://schemas.openxmlformats.org/officeDocument/2006/relationships" xmlns:p="http://schemas.openxmlformats.org/presentationml/2006/main">
   <p:tag name="KSO_WM_BEAUTIFY_FLAG" val=""/>
 </p:tagLst>
 </file>
 
 <file path=ppt/tags/tag53.xml><?xml version="1.0" encoding="utf-8"?>
-<p:tagLst xmlns:p="http://schemas.openxmlformats.org/presentationml/2006/main">
+<p:tagLst xmlns:a="http://schemas.openxmlformats.org/drawingml/2006/main" xmlns:r="http://schemas.openxmlformats.org/officeDocument/2006/relationships" xmlns:p="http://schemas.openxmlformats.org/presentationml/2006/main">
   <p:tag name="KSO_WM_BEAUTIFY_FLAG" val=""/>
 </p:tagLst>
 </file>
 
 <file path=ppt/tags/tag54.xml><?xml version="1.0" encoding="utf-8"?>
-<p:tagLst xmlns:p="http://schemas.openxmlformats.org/presentationml/2006/main">
+<p:tagLst xmlns:a="http://schemas.openxmlformats.org/drawingml/2006/main" xmlns:r="http://schemas.openxmlformats.org/officeDocument/2006/relationships" xmlns:p="http://schemas.openxmlformats.org/presentationml/2006/main">
   <p:tag name="KSO_WM_BEAUTIFY_FLAG" val=""/>
 </p:tagLst>
 </file>
 
 <file path=ppt/tags/tag55.xml><?xml version="1.0" encoding="utf-8"?>
-<p:tagLst xmlns:p="http://schemas.openxmlformats.org/presentationml/2006/main">
+<p:tagLst xmlns:a="http://schemas.openxmlformats.org/drawingml/2006/main" xmlns:r="http://schemas.openxmlformats.org/officeDocument/2006/relationships" xmlns:p="http://schemas.openxmlformats.org/presentationml/2006/main">
   <p:tag name="KSO_WM_BEAUTIFY_FLAG" val=""/>
 </p:tagLst>
 </file>
 
 <file path=ppt/tags/tag56.xml><?xml version="1.0" encoding="utf-8"?>
-<p:tagLst xmlns:p="http://schemas.openxmlformats.org/presentationml/2006/main">
+<p:tagLst xmlns:a="http://schemas.openxmlformats.org/drawingml/2006/main" xmlns:r="http://schemas.openxmlformats.org/officeDocument/2006/relationships" xmlns:p="http://schemas.openxmlformats.org/presentationml/2006/main">
   <p:tag name="KSO_WM_BEAUTIFY_FLAG" val=""/>
 </p:tagLst>
 </file>
 
 <file path=ppt/tags/tag57.xml><?xml version="1.0" encoding="utf-8"?>
-<p:tagLst xmlns:p="http://schemas.openxmlformats.org/presentationml/2006/main">
+<p:tagLst xmlns:a="http://schemas.openxmlformats.org/drawingml/2006/main" xmlns:r="http://schemas.openxmlformats.org/officeDocument/2006/relationships" xmlns:p="http://schemas.openxmlformats.org/presentationml/2006/main">
   <p:tag name="KSO_WM_BEAUTIFY_FLAG" val=""/>
 </p:tagLst>
 </file>
 
 <file path=ppt/tags/tag58.xml><?xml version="1.0" encoding="utf-8"?>
-<p:tagLst xmlns:p="http://schemas.openxmlformats.org/presentationml/2006/main">
+<p:tagLst xmlns:a="http://schemas.openxmlformats.org/drawingml/2006/main" xmlns:r="http://schemas.openxmlformats.org/officeDocument/2006/relationships" xmlns:p="http://schemas.openxmlformats.org/presentationml/2006/main">
   <p:tag name="KSO_WM_BEAUTIFY_FLAG" val=""/>
 </p:tagLst>
 </file>
 
 <file path=ppt/tags/tag59.xml><?xml version="1.0" encoding="utf-8"?>
-<p:tagLst xmlns:p="http://schemas.openxmlformats.org/presentationml/2006/main">
+<p:tagLst xmlns:a="http://schemas.openxmlformats.org/drawingml/2006/main" xmlns:r="http://schemas.openxmlformats.org/officeDocument/2006/relationships" xmlns:p="http://schemas.openxmlformats.org/presentationml/2006/main">
   <p:tag name="KSO_WM_BEAUTIFY_FLAG" val=""/>
 </p:tagLst>
 </file>
 
 <file path=ppt/tags/tag6.xml><?xml version="1.0" encoding="utf-8"?>
-<p:tagLst xmlns:p="http://schemas.openxmlformats.org/presentationml/2006/main">
+<p:tagLst xmlns:a="http://schemas.openxmlformats.org/drawingml/2006/main" xmlns:r="http://schemas.openxmlformats.org/officeDocument/2006/relationships" xmlns:p="http://schemas.openxmlformats.org/presentationml/2006/main">
   <p:tag name="KSO_WM_BEAUTIFY_FLAG" val=""/>
 </p:tagLst>
 </file>
 
 <file path=ppt/tags/tag60.xml><?xml version="1.0" encoding="utf-8"?>
-<p:tagLst xmlns:p="http://schemas.openxmlformats.org/presentationml/2006/main">
+<p:tagLst xmlns:a="http://schemas.openxmlformats.org/drawingml/2006/main" xmlns:r="http://schemas.openxmlformats.org/officeDocument/2006/relationships" xmlns:p="http://schemas.openxmlformats.org/presentationml/2006/main">
   <p:tag name="KSO_WM_BEAUTIFY_FLAG" val=""/>
 </p:tagLst>
 </file>
 
 <file path=ppt/tags/tag61.xml><?xml version="1.0" encoding="utf-8"?>
-<p:tagLst xmlns:p="http://schemas.openxmlformats.org/presentationml/2006/main">
+<p:tagLst xmlns:a="http://schemas.openxmlformats.org/drawingml/2006/main" xmlns:r="http://schemas.openxmlformats.org/officeDocument/2006/relationships" xmlns:p="http://schemas.openxmlformats.org/presentationml/2006/main">
   <p:tag name="KSO_WM_BEAUTIFY_FLAG" val=""/>
 </p:tagLst>
 </file>
 
 <file path=ppt/tags/tag62.xml><?xml version="1.0" encoding="utf-8"?>
-<p:tagLst xmlns:p="http://schemas.openxmlformats.org/presentationml/2006/main">
+<p:tagLst xmlns:a="http://schemas.openxmlformats.org/drawingml/2006/main" xmlns:r="http://schemas.openxmlformats.org/officeDocument/2006/relationships" xmlns:p="http://schemas.openxmlformats.org/presentationml/2006/main">
   <p:tag name="KSO_WM_BEAUTIFY_FLAG" val=""/>
 </p:tagLst>
 </file>
 
 <file path=ppt/tags/tag63.xml><?xml version="1.0" encoding="utf-8"?>
-<p:tagLst xmlns:p="http://schemas.openxmlformats.org/presentationml/2006/main">
+<p:tagLst xmlns:a="http://schemas.openxmlformats.org/drawingml/2006/main" xmlns:r="http://schemas.openxmlformats.org/officeDocument/2006/relationships" xmlns:p="http://schemas.openxmlformats.org/presentationml/2006/main">
   <p:tag name="KSO_WM_BEAUTIFY_FLAG" val=""/>
 </p:tagLst>
 </file>
 
 <file path=ppt/tags/tag64.xml><?xml version="1.0" encoding="utf-8"?>
-<p:tagLst xmlns:p="http://schemas.openxmlformats.org/presentationml/2006/main">
+<p:tagLst xmlns:a="http://schemas.openxmlformats.org/drawingml/2006/main" xmlns:r="http://schemas.openxmlformats.org/officeDocument/2006/relationships" xmlns:p="http://schemas.openxmlformats.org/presentationml/2006/main">
   <p:tag name="KSO_WM_BEAUTIFY_FLAG" val=""/>
 </p:tagLst>
 </file>
 
 <file path=ppt/tags/tag65.xml><?xml version="1.0" encoding="utf-8"?>
-<p:tagLst xmlns:p="http://schemas.openxmlformats.org/presentationml/2006/main">
+<p:tagLst xmlns:a="http://schemas.openxmlformats.org/drawingml/2006/main" xmlns:r="http://schemas.openxmlformats.org/officeDocument/2006/relationships" xmlns:p="http://schemas.openxmlformats.org/presentationml/2006/main">
   <p:tag name="KSO_WM_BEAUTIFY_FLAG" val=""/>
 </p:tagLst>
 </file>
 
 <file path=ppt/tags/tag66.xml><?xml version="1.0" encoding="utf-8"?>
-<p:tagLst xmlns:p="http://schemas.openxmlformats.org/presentationml/2006/main">
+<p:tagLst xmlns:a="http://schemas.openxmlformats.org/drawingml/2006/main" xmlns:r="http://schemas.openxmlformats.org/officeDocument/2006/relationships" xmlns:p="http://schemas.openxmlformats.org/presentationml/2006/main">
   <p:tag name="KSO_WM_BEAUTIFY_FLAG" val=""/>
 </p:tagLst>
 </file>
 
 <file path=ppt/tags/tag67.xml><?xml version="1.0" encoding="utf-8"?>
-<p:tagLst xmlns:p="http://schemas.openxmlformats.org/presentationml/2006/main">
+<p:tagLst xmlns:a="http://schemas.openxmlformats.org/drawingml/2006/main" xmlns:r="http://schemas.openxmlformats.org/officeDocument/2006/relationships" xmlns:p="http://schemas.openxmlformats.org/presentationml/2006/main">
   <p:tag name="KSO_WM_BEAUTIFY_FLAG" val=""/>
 </p:tagLst>
 </file>
 
 <file path=ppt/tags/tag68.xml><?xml version="1.0" encoding="utf-8"?>
-<p:tagLst xmlns:p="http://schemas.openxmlformats.org/presentationml/2006/main">
+<p:tagLst xmlns:a="http://schemas.openxmlformats.org/drawingml/2006/main" xmlns:r="http://schemas.openxmlformats.org/officeDocument/2006/relationships" xmlns:p="http://schemas.openxmlformats.org/presentationml/2006/main">
   <p:tag name="KSO_WM_BEAUTIFY_FLAG" val=""/>
 </p:tagLst>
 </file>
 
 <file path=ppt/tags/tag69.xml><?xml version="1.0" encoding="utf-8"?>
-<p:tagLst xmlns:p="http://schemas.openxmlformats.org/presentationml/2006/main">
+<p:tagLst xmlns:a="http://schemas.openxmlformats.org/drawingml/2006/main" xmlns:r="http://schemas.openxmlformats.org/officeDocument/2006/relationships" xmlns:p="http://schemas.openxmlformats.org/presentationml/2006/main">
   <p:tag name="KSO_WM_BEAUTIFY_FLAG" val=""/>
 </p:tagLst>
 </file>
 
 <file path=ppt/tags/tag7.xml><?xml version="1.0" encoding="utf-8"?>
-<p:tagLst xmlns:p="http://schemas.openxmlformats.org/presentationml/2006/main">
+<p:tagLst xmlns:a="http://schemas.openxmlformats.org/drawingml/2006/main" xmlns:r="http://schemas.openxmlformats.org/officeDocument/2006/relationships" xmlns:p="http://schemas.openxmlformats.org/presentationml/2006/main">
   <p:tag name="KSO_WM_BEAUTIFY_FLAG" val=""/>
 </p:tagLst>
 </file>
 
 <file path=ppt/tags/tag70.xml><?xml version="1.0" encoding="utf-8"?>
-<p:tagLst xmlns:p="http://schemas.openxmlformats.org/presentationml/2006/main">
+<p:tagLst xmlns:a="http://schemas.openxmlformats.org/drawingml/2006/main" xmlns:r="http://schemas.openxmlformats.org/officeDocument/2006/relationships" xmlns:p="http://schemas.openxmlformats.org/presentationml/2006/main">
   <p:tag name="KSO_WM_BEAUTIFY_FLAG" val=""/>
 </p:tagLst>
 </file>
 
 <file path=ppt/tags/tag71.xml><?xml version="1.0" encoding="utf-8"?>
-<p:tagLst xmlns:p="http://schemas.openxmlformats.org/presentationml/2006/main">
+<p:tagLst xmlns:a="http://schemas.openxmlformats.org/drawingml/2006/main" xmlns:r="http://schemas.openxmlformats.org/officeDocument/2006/relationships" xmlns:p="http://schemas.openxmlformats.org/presentationml/2006/main">
   <p:tag name="KSO_WM_BEAUTIFY_FLAG" val=""/>
 </p:tagLst>
 </file>
 
 <file path=ppt/tags/tag72.xml><?xml version="1.0" encoding="utf-8"?>
-<p:tagLst xmlns:p="http://schemas.openxmlformats.org/presentationml/2006/main">
+<p:tagLst xmlns:a="http://schemas.openxmlformats.org/drawingml/2006/main" xmlns:r="http://schemas.openxmlformats.org/officeDocument/2006/relationships" xmlns:p="http://schemas.openxmlformats.org/presentationml/2006/main">
   <p:tag name="KSO_WM_BEAUTIFY_FLAG" val=""/>
 </p:tagLst>
 </file>
 
 <file path=ppt/tags/tag73.xml><?xml version="1.0" encoding="utf-8"?>
-<p:tagLst xmlns:p="http://schemas.openxmlformats.org/presentationml/2006/main">
+<p:tagLst xmlns:a="http://schemas.openxmlformats.org/drawingml/2006/main" xmlns:r="http://schemas.openxmlformats.org/officeDocument/2006/relationships" xmlns:p="http://schemas.openxmlformats.org/presentationml/2006/main">
   <p:tag name="KSO_WM_BEAUTIFY_FLAG" val=""/>
 </p:tagLst>
 </file>
 
 <file path=ppt/tags/tag74.xml><?xml version="1.0" encoding="utf-8"?>
-<p:tagLst xmlns:p="http://schemas.openxmlformats.org/presentationml/2006/main">
+<p:tagLst xmlns:a="http://schemas.openxmlformats.org/drawingml/2006/main" xmlns:r="http://schemas.openxmlformats.org/officeDocument/2006/relationships" xmlns:p="http://schemas.openxmlformats.org/presentationml/2006/main">
   <p:tag name="KSO_WM_BEAUTIFY_FLAG" val=""/>
 </p:tagLst>
 </file>
 
 <file path=ppt/tags/tag75.xml><?xml version="1.0" encoding="utf-8"?>
-<p:tagLst xmlns:p="http://schemas.openxmlformats.org/presentationml/2006/main">
+<p:tagLst xmlns:a="http://schemas.openxmlformats.org/drawingml/2006/main" xmlns:r="http://schemas.openxmlformats.org/officeDocument/2006/relationships" xmlns:p="http://schemas.openxmlformats.org/presentationml/2006/main">
   <p:tag name="KSO_WM_BEAUTIFY_FLAG" val=""/>
 </p:tagLst>
 </file>
 
 <file path=ppt/tags/tag76.xml><?xml version="1.0" encoding="utf-8"?>
-<p:tagLst xmlns:p="http://schemas.openxmlformats.org/presentationml/2006/main">
+<p:tagLst xmlns:a="http://schemas.openxmlformats.org/drawingml/2006/main" xmlns:r="http://schemas.openxmlformats.org/officeDocument/2006/relationships" xmlns:p="http://schemas.openxmlformats.org/presentationml/2006/main">
   <p:tag name="KSO_WM_BEAUTIFY_FLAG" val=""/>
 </p:tagLst>
 </file>
 
 <file path=ppt/tags/tag77.xml><?xml version="1.0" encoding="utf-8"?>
-<p:tagLst xmlns:p="http://schemas.openxmlformats.org/presentationml/2006/main">
+<p:tagLst xmlns:a="http://schemas.openxmlformats.org/drawingml/2006/main" xmlns:r="http://schemas.openxmlformats.org/officeDocument/2006/relationships" xmlns:p="http://schemas.openxmlformats.org/presentationml/2006/main">
   <p:tag name="KSO_WM_BEAUTIFY_FLAG" val=""/>
 </p:tagLst>
 </file>
 
 <file path=ppt/tags/tag78.xml><?xml version="1.0" encoding="utf-8"?>
-<p:tagLst xmlns:p="http://schemas.openxmlformats.org/presentationml/2006/main">
+<p:tagLst xmlns:a="http://schemas.openxmlformats.org/drawingml/2006/main" xmlns:r="http://schemas.openxmlformats.org/officeDocument/2006/relationships" xmlns:p="http://schemas.openxmlformats.org/presentationml/2006/main">
   <p:tag name="KSO_WM_BEAUTIFY_FLAG" val=""/>
 </p:tagLst>
 </file>
 
 <file path=ppt/tags/tag79.xml><?xml version="1.0" encoding="utf-8"?>
-<p:tagLst xmlns:p="http://schemas.openxmlformats.org/presentationml/2006/main">
+<p:tagLst xmlns:a="http://schemas.openxmlformats.org/drawingml/2006/main" xmlns:r="http://schemas.openxmlformats.org/officeDocument/2006/relationships" xmlns:p="http://schemas.openxmlformats.org/presentationml/2006/main">
   <p:tag name="KSO_WM_BEAUTIFY_FLAG" val=""/>
 </p:tagLst>
 </file>
 
 <file path=ppt/tags/tag8.xml><?xml version="1.0" encoding="utf-8"?>
-<p:tagLst xmlns:p="http://schemas.openxmlformats.org/presentationml/2006/main">
+<p:tagLst xmlns:a="http://schemas.openxmlformats.org/drawingml/2006/main" xmlns:r="http://schemas.openxmlformats.org/officeDocument/2006/relationships" xmlns:p="http://schemas.openxmlformats.org/presentationml/2006/main">
   <p:tag name="KSO_WM_BEAUTIFY_FLAG" val=""/>
 </p:tagLst>
 </file>
 
 <file path=ppt/tags/tag80.xml><?xml version="1.0" encoding="utf-8"?>
-<p:tagLst xmlns:p="http://schemas.openxmlformats.org/presentationml/2006/main">
+<p:tagLst xmlns:a="http://schemas.openxmlformats.org/drawingml/2006/main" xmlns:r="http://schemas.openxmlformats.org/officeDocument/2006/relationships" xmlns:p="http://schemas.openxmlformats.org/presentationml/2006/main">
   <p:tag name="KSO_WM_BEAUTIFY_FLAG" val=""/>
 </p:tagLst>
 </file>
 
 <file path=ppt/tags/tag81.xml><?xml version="1.0" encoding="utf-8"?>
-<p:tagLst xmlns:p="http://schemas.openxmlformats.org/presentationml/2006/main">
+<p:tagLst xmlns:a="http://schemas.openxmlformats.org/drawingml/2006/main" xmlns:r="http://schemas.openxmlformats.org/officeDocument/2006/relationships" xmlns:p="http://schemas.openxmlformats.org/presentationml/2006/main">
   <p:tag name="KSO_WM_BEAUTIFY_FLAG" val=""/>
 </p:tagLst>
 </file>
 
 <file path=ppt/tags/tag82.xml><?xml version="1.0" encoding="utf-8"?>
-<p:tagLst xmlns:p="http://schemas.openxmlformats.org/presentationml/2006/main">
+<p:tagLst xmlns:a="http://schemas.openxmlformats.org/drawingml/2006/main" xmlns:r="http://schemas.openxmlformats.org/officeDocument/2006/relationships" xmlns:p="http://schemas.openxmlformats.org/presentationml/2006/main">
   <p:tag name="KSO_WM_BEAUTIFY_FLAG" val=""/>
 </p:tagLst>
 </file>
 
 <file path=ppt/tags/tag83.xml><?xml version="1.0" encoding="utf-8"?>
-<p:tagLst xmlns:p="http://schemas.openxmlformats.org/presentationml/2006/main">
+<p:tagLst xmlns:a="http://schemas.openxmlformats.org/drawingml/2006/main" xmlns:r="http://schemas.openxmlformats.org/officeDocument/2006/relationships" xmlns:p="http://schemas.openxmlformats.org/presentationml/2006/main">
   <p:tag name="KSO_WM_BEAUTIFY_FLAG" val=""/>
 </p:tagLst>
 </file>
 
 <file path=ppt/tags/tag84.xml><?xml version="1.0" encoding="utf-8"?>
-<p:tagLst xmlns:p="http://schemas.openxmlformats.org/presentationml/2006/main">
+<p:tagLst xmlns:a="http://schemas.openxmlformats.org/drawingml/2006/main" xmlns:r="http://schemas.openxmlformats.org/officeDocument/2006/relationships" xmlns:p="http://schemas.openxmlformats.org/presentationml/2006/main">
   <p:tag name="KSO_WM_BEAUTIFY_FLAG" val=""/>
 </p:tagLst>
 </file>
 
 <file path=ppt/tags/tag85.xml><?xml version="1.0" encoding="utf-8"?>
-<p:tagLst xmlns:p="http://schemas.openxmlformats.org/presentationml/2006/main">
+<p:tagLst xmlns:a="http://schemas.openxmlformats.org/drawingml/2006/main" xmlns:r="http://schemas.openxmlformats.org/officeDocument/2006/relationships" xmlns:p="http://schemas.openxmlformats.org/presentationml/2006/main">
   <p:tag name="KSO_WM_BEAUTIFY_FLAG" val=""/>
 </p:tagLst>
 </file>
 
 <file path=ppt/tags/tag86.xml><?xml version="1.0" encoding="utf-8"?>
-<p:tagLst xmlns:p="http://schemas.openxmlformats.org/presentationml/2006/main">
+<p:tagLst xmlns:a="http://schemas.openxmlformats.org/drawingml/2006/main" xmlns:r="http://schemas.openxmlformats.org/officeDocument/2006/relationships" xmlns:p="http://schemas.openxmlformats.org/presentationml/2006/main">
   <p:tag name="KSO_WM_BEAUTIFY_FLAG" val=""/>
 </p:tagLst>
 </file>
 
 <file path=ppt/tags/tag87.xml><?xml version="1.0" encoding="utf-8"?>
-<p:tagLst xmlns:p="http://schemas.openxmlformats.org/presentationml/2006/main">
+<p:tagLst xmlns:a="http://schemas.openxmlformats.org/drawingml/2006/main" xmlns:r="http://schemas.openxmlformats.org/officeDocument/2006/relationships" xmlns:p="http://schemas.openxmlformats.org/presentationml/2006/main">
   <p:tag name="KSO_WM_BEAUTIFY_FLAG" val=""/>
 </p:tagLst>
 </file>
 
 <file path=ppt/tags/tag88.xml><?xml version="1.0" encoding="utf-8"?>
-<p:tagLst xmlns:p="http://schemas.openxmlformats.org/presentationml/2006/main">
+<p:tagLst xmlns:a="http://schemas.openxmlformats.org/drawingml/2006/main" xmlns:r="http://schemas.openxmlformats.org/officeDocument/2006/relationships" xmlns:p="http://schemas.openxmlformats.org/presentationml/2006/main">
   <p:tag name="KSO_WM_BEAUTIFY_FLAG" val=""/>
 </p:tagLst>
 </file>
 
 <file path=ppt/tags/tag89.xml><?xml version="1.0" encoding="utf-8"?>
-<p:tagLst xmlns:p="http://schemas.openxmlformats.org/presentationml/2006/main">
+<p:tagLst xmlns:a="http://schemas.openxmlformats.org/drawingml/2006/main" xmlns:r="http://schemas.openxmlformats.org/officeDocument/2006/relationships" xmlns:p="http://schemas.openxmlformats.org/presentationml/2006/main">
   <p:tag name="KSO_WM_BEAUTIFY_FLAG" val=""/>
 </p:tagLst>
 </file>
 
 <file path=ppt/tags/tag9.xml><?xml version="1.0" encoding="utf-8"?>
-<p:tagLst xmlns:p="http://schemas.openxmlformats.org/presentationml/2006/main">
+<p:tagLst xmlns:a="http://schemas.openxmlformats.org/drawingml/2006/main" xmlns:r="http://schemas.openxmlformats.org/officeDocument/2006/relationships" xmlns:p="http://schemas.openxmlformats.org/presentationml/2006/main">
   <p:tag name="KSO_WM_BEAUTIFY_FLAG" val=""/>
 </p:tagLst>
 </file>
 
 <file path=ppt/tags/tag90.xml><?xml version="1.0" encoding="utf-8"?>
-<p:tagLst xmlns:p="http://schemas.openxmlformats.org/presentationml/2006/main">
+<p:tagLst xmlns:a="http://schemas.openxmlformats.org/drawingml/2006/main" xmlns:r="http://schemas.openxmlformats.org/officeDocument/2006/relationships" xmlns:p="http://schemas.openxmlformats.org/presentationml/2006/main">
   <p:tag name="KSO_WM_BEAUTIFY_FLAG" val=""/>
 </p:tagLst>
 </file>
 
 <file path=ppt/tags/tag91.xml><?xml version="1.0" encoding="utf-8"?>
-<p:tagLst xmlns:p="http://schemas.openxmlformats.org/presentationml/2006/main">
+<p:tagLst xmlns:a="http://schemas.openxmlformats.org/drawingml/2006/main" xmlns:r="http://schemas.openxmlformats.org/officeDocument/2006/relationships" xmlns:p="http://schemas.openxmlformats.org/presentationml/2006/main">
   <p:tag name="KSO_WM_BEAUTIFY_FLAG" val=""/>
 </p:tagLst>
 </file>
 
 <file path=ppt/tags/tag92.xml><?xml version="1.0" encoding="utf-8"?>
-<p:tagLst xmlns:p="http://schemas.openxmlformats.org/presentationml/2006/main">
+<p:tagLst xmlns:a="http://schemas.openxmlformats.org/drawingml/2006/main" xmlns:r="http://schemas.openxmlformats.org/officeDocument/2006/relationships" xmlns:p="http://schemas.openxmlformats.org/presentationml/2006/main">
   <p:tag name="KSO_WM_BEAUTIFY_FLAG" val=""/>
 </p:tagLst>
 </file>
 
 <file path=ppt/tags/tag93.xml><?xml version="1.0" encoding="utf-8"?>
-<p:tagLst xmlns:p="http://schemas.openxmlformats.org/presentationml/2006/main">
+<p:tagLst xmlns:a="http://schemas.openxmlformats.org/drawingml/2006/main" xmlns:r="http://schemas.openxmlformats.org/officeDocument/2006/relationships" xmlns:p="http://schemas.openxmlformats.org/presentationml/2006/main">
   <p:tag name="KSO_WM_BEAUTIFY_FLAG" val=""/>
 </p:tagLst>
 </file>
 
 <file path=ppt/tags/tag94.xml><?xml version="1.0" encoding="utf-8"?>
-<p:tagLst xmlns:p="http://schemas.openxmlformats.org/presentationml/2006/main">
+<p:tagLst xmlns:a="http://schemas.openxmlformats.org/drawingml/2006/main" xmlns:r="http://schemas.openxmlformats.org/officeDocument/2006/relationships" xmlns:p="http://schemas.openxmlformats.org/presentationml/2006/main">
   <p:tag name="KSO_WM_BEAUTIFY_FLAG" val=""/>
 </p:tagLst>
 </file>
 
 <file path=ppt/tags/tag95.xml><?xml version="1.0" encoding="utf-8"?>
-<p:tagLst xmlns:p="http://schemas.openxmlformats.org/presentationml/2006/main">
-  <p:tag name="KSO_WPP_MARK_KEY" val="7220e3b5-90e9-4db8-ab7b-c2077a98cd7e"/>
-  <p:tag name="COMMONDATA" val="eyJoZGlkIjoiNGFjYWZmYzQ2NDRhZTRkZGEwZWFmM2NiNTMwNjdmOGIifQ=="/>
+<p:tagLst xmlns:a="http://schemas.openxmlformats.org/drawingml/2006/main" xmlns:r="http://schemas.openxmlformats.org/officeDocument/2006/relationships" xmlns:p="http://schemas.openxmlformats.org/presentationml/2006/main">
+  <p:tag name="KSO_WM_BEAUTIFY_FLAG" val=""/>
 </p:tagLst>
 </file>
 
@@ -19775,6 +18497,8 @@
       </a:bgFillStyleLst>
     </a:fmtScheme>
   </a:themeElements>
+  <a:objectDefaults/>
+  <a:extraClrSchemeLst/>
   <a:extLst>
     <a:ext uri="{05A4C25C-085E-4340-85A3-A5531E510DB2}">
       <thm15:themeFamily xmlns:thm15="http://schemas.microsoft.com/office/thememl/2012/main" name="Office Theme" id="{62F939B6-93AF-4DB8-9C6B-D6C7DFDC589F}" vid="{4A3C46E8-61CC-4603-A589-7422A47A8E4A}"/>
@@ -20061,6 +18785,8 @@
       </a:bgFillStyleLst>
     </a:fmtScheme>
   </a:themeElements>
+  <a:objectDefaults/>
+  <a:extraClrSchemeLst/>
   <a:extLst>
     <a:ext uri="{05A4C25C-085E-4340-85A3-A5531E510DB2}">
       <thm15:themeFamily xmlns:thm15="http://schemas.microsoft.com/office/thememl/2012/main" name="Office Theme" id="{62F939B6-93AF-4DB8-9C6B-D6C7DFDC589F}" vid="{4A3C46E8-61CC-4603-A589-7422A47A8E4A}"/>
